--- a/第七章 Spark编程基础DataFrame.pptx
+++ b/第七章 Spark编程基础DataFrame.pptx
@@ -5,29 +5,30 @@
     <p:sldMasterId id="2147483648" r:id="rId1"/>
   </p:sldMasterIdLst>
   <p:notesMasterIdLst>
-    <p:notesMasterId r:id="rId22"/>
+    <p:notesMasterId r:id="rId23"/>
   </p:notesMasterIdLst>
   <p:sldIdLst>
     <p:sldId id="262" r:id="rId2"/>
     <p:sldId id="263" r:id="rId3"/>
-    <p:sldId id="264" r:id="rId4"/>
-    <p:sldId id="260" r:id="rId5"/>
-    <p:sldId id="261" r:id="rId6"/>
-    <p:sldId id="265" r:id="rId7"/>
-    <p:sldId id="266" r:id="rId8"/>
-    <p:sldId id="267" r:id="rId9"/>
-    <p:sldId id="268" r:id="rId10"/>
-    <p:sldId id="269" r:id="rId11"/>
-    <p:sldId id="270" r:id="rId12"/>
-    <p:sldId id="271" r:id="rId13"/>
-    <p:sldId id="274" r:id="rId14"/>
-    <p:sldId id="272" r:id="rId15"/>
-    <p:sldId id="273" r:id="rId16"/>
-    <p:sldId id="275" r:id="rId17"/>
-    <p:sldId id="276" r:id="rId18"/>
-    <p:sldId id="277" r:id="rId19"/>
-    <p:sldId id="278" r:id="rId20"/>
-    <p:sldId id="280" r:id="rId21"/>
+    <p:sldId id="283" r:id="rId4"/>
+    <p:sldId id="281" r:id="rId5"/>
+    <p:sldId id="282" r:id="rId6"/>
+    <p:sldId id="264" r:id="rId7"/>
+    <p:sldId id="265" r:id="rId8"/>
+    <p:sldId id="266" r:id="rId9"/>
+    <p:sldId id="267" r:id="rId10"/>
+    <p:sldId id="268" r:id="rId11"/>
+    <p:sldId id="269" r:id="rId12"/>
+    <p:sldId id="270" r:id="rId13"/>
+    <p:sldId id="271" r:id="rId14"/>
+    <p:sldId id="274" r:id="rId15"/>
+    <p:sldId id="272" r:id="rId16"/>
+    <p:sldId id="273" r:id="rId17"/>
+    <p:sldId id="275" r:id="rId18"/>
+    <p:sldId id="276" r:id="rId19"/>
+    <p:sldId id="277" r:id="rId20"/>
+    <p:sldId id="278" r:id="rId21"/>
+    <p:sldId id="280" r:id="rId22"/>
   </p:sldIdLst>
   <p:sldSz cx="12192000" cy="6858000"/>
   <p:notesSz cx="6858000" cy="9144000"/>
@@ -128,7 +129,18 @@
   </p:defaultTextStyle>
   <p:extLst>
     <p:ext uri="{EFAFB233-063F-42B5-8137-9DF3F51BA10A}">
-      <p15:sldGuideLst xmlns:p15="http://schemas.microsoft.com/office/powerpoint/2012/main" xmlns=""/>
+      <p15:sldGuideLst xmlns:p15="http://schemas.microsoft.com/office/powerpoint/2012/main">
+        <p15:guide id="1" orient="horz" pos="2160">
+          <p15:clr>
+            <a:srgbClr val="A4A3A4"/>
+          </p15:clr>
+        </p15:guide>
+        <p15:guide id="2" pos="3840">
+          <p15:clr>
+            <a:srgbClr val="A4A3A4"/>
+          </p15:clr>
+        </p15:guide>
+      </p15:sldGuideLst>
     </p:ext>
   </p:extLst>
 </p:presentation>
@@ -216,7 +228,7 @@
           <a:p>
             <a:fld id="{2F789F46-98E8-004C-A60D-397E90BF4073}" type="datetimeFigureOut">
               <a:rPr kumimoji="1" lang="zh-CN" altLang="en-US" smtClean="0"/>
-              <a:t>19/12/16</a:t>
+              <a:t>2019/12/21</a:t>
             </a:fld>
             <a:endParaRPr kumimoji="1" lang="zh-CN" altLang="en-US"/>
           </a:p>
@@ -1491,6 +1503,90 @@
 </p:notes>
 </file>
 
+<file path=ppt/notesSlides/notesSlide20.xml><?xml version="1.0" encoding="utf-8"?>
+<p:notes xmlns:a="http://schemas.openxmlformats.org/drawingml/2006/main" xmlns:r="http://schemas.openxmlformats.org/officeDocument/2006/relationships" xmlns:p="http://schemas.openxmlformats.org/presentationml/2006/main">
+  <p:cSld>
+    <p:spTree>
+      <p:nvGrpSpPr>
+        <p:cNvPr id="1" name=""/>
+        <p:cNvGrpSpPr/>
+        <p:nvPr/>
+      </p:nvGrpSpPr>
+      <p:grpSpPr>
+        <a:xfrm>
+          <a:off x="0" y="0"/>
+          <a:ext cx="0" cy="0"/>
+          <a:chOff x="0" y="0"/>
+          <a:chExt cx="0" cy="0"/>
+        </a:xfrm>
+      </p:grpSpPr>
+      <p:sp>
+        <p:nvSpPr>
+          <p:cNvPr id="2" name="幻灯片图像占位符 1"/>
+          <p:cNvSpPr>
+            <a:spLocks noGrp="1" noRot="1" noChangeAspect="1"/>
+          </p:cNvSpPr>
+          <p:nvPr>
+            <p:ph type="sldImg"/>
+          </p:nvPr>
+        </p:nvSpPr>
+        <p:spPr/>
+      </p:sp>
+      <p:sp>
+        <p:nvSpPr>
+          <p:cNvPr id="3" name="备注占位符 2"/>
+          <p:cNvSpPr>
+            <a:spLocks noGrp="1"/>
+          </p:cNvSpPr>
+          <p:nvPr>
+            <p:ph type="body" idx="1"/>
+          </p:nvPr>
+        </p:nvSpPr>
+        <p:spPr/>
+        <p:txBody>
+          <a:bodyPr/>
+          <a:lstStyle/>
+          <a:p>
+            <a:endParaRPr lang="zh-CN" altLang="en-US"/>
+          </a:p>
+        </p:txBody>
+      </p:sp>
+      <p:sp>
+        <p:nvSpPr>
+          <p:cNvPr id="4" name="灯片编号占位符 3"/>
+          <p:cNvSpPr>
+            <a:spLocks noGrp="1"/>
+          </p:cNvSpPr>
+          <p:nvPr>
+            <p:ph type="sldNum" sz="quarter" idx="5"/>
+          </p:nvPr>
+        </p:nvSpPr>
+        <p:spPr/>
+        <p:txBody>
+          <a:bodyPr/>
+          <a:lstStyle/>
+          <a:p>
+            <a:fld id="{DBBB37BA-0AB3-4D4A-B865-6E343397AD79}" type="slidenum">
+              <a:rPr lang="zh-CN" altLang="en-US" smtClean="0"/>
+              <a:t>21</a:t>
+            </a:fld>
+            <a:endParaRPr lang="zh-CN" altLang="en-US"/>
+          </a:p>
+        </p:txBody>
+      </p:sp>
+    </p:spTree>
+    <p:extLst>
+      <p:ext uri="{BB962C8B-B14F-4D97-AF65-F5344CB8AC3E}">
+        <p14:creationId xmlns:p14="http://schemas.microsoft.com/office/powerpoint/2010/main" val="3602663340"/>
+      </p:ext>
+    </p:extLst>
+  </p:cSld>
+  <p:clrMapOvr>
+    <a:masterClrMapping/>
+  </p:clrMapOvr>
+</p:notes>
+</file>
+
 <file path=ppt/notesSlides/notesSlide3.xml><?xml version="1.0" encoding="utf-8"?>
 <p:notes xmlns:a="http://schemas.openxmlformats.org/drawingml/2006/main" xmlns:r="http://schemas.openxmlformats.org/officeDocument/2006/relationships" xmlns:p="http://schemas.openxmlformats.org/presentationml/2006/main">
   <p:cSld>
@@ -1565,7 +1661,7 @@
     </p:spTree>
     <p:extLst>
       <p:ext uri="{BB962C8B-B14F-4D97-AF65-F5344CB8AC3E}">
-        <p14:creationId xmlns:p14="http://schemas.microsoft.com/office/powerpoint/2010/main" val="530214363"/>
+        <p14:creationId xmlns:p14="http://schemas.microsoft.com/office/powerpoint/2010/main" val="710789720"/>
       </p:ext>
     </p:extLst>
   </p:cSld>
@@ -1649,7 +1745,7 @@
     </p:spTree>
     <p:extLst>
       <p:ext uri="{BB962C8B-B14F-4D97-AF65-F5344CB8AC3E}">
-        <p14:creationId xmlns:p14="http://schemas.microsoft.com/office/powerpoint/2010/main" val="3602663340"/>
+        <p14:creationId xmlns:p14="http://schemas.microsoft.com/office/powerpoint/2010/main" val="2070479944"/>
       </p:ext>
     </p:extLst>
   </p:cSld>
@@ -1733,7 +1829,7 @@
     </p:spTree>
     <p:extLst>
       <p:ext uri="{BB962C8B-B14F-4D97-AF65-F5344CB8AC3E}">
-        <p14:creationId xmlns:p14="http://schemas.microsoft.com/office/powerpoint/2010/main" val="3602663340"/>
+        <p14:creationId xmlns:p14="http://schemas.microsoft.com/office/powerpoint/2010/main" val="530214363"/>
       </p:ext>
     </p:extLst>
   </p:cSld>
@@ -2101,7 +2197,7 @@
           <p:cNvPr id="2" name="标题 1">
             <a:extLst>
               <a:ext uri="{FF2B5EF4-FFF2-40B4-BE49-F238E27FC236}">
-                <a16:creationId xmlns:a16="http://schemas.microsoft.com/office/drawing/2014/main" xmlns="" id="{1ED35332-5092-3542-BFAC-FDA221B251D9}"/>
+                <a16:creationId xmlns:a16="http://schemas.microsoft.com/office/drawing/2014/main" id="{1ED35332-5092-3542-BFAC-FDA221B251D9}"/>
               </a:ext>
             </a:extLst>
           </p:cNvPr>
@@ -2138,7 +2234,7 @@
           <p:cNvPr id="3" name="副标题 2">
             <a:extLst>
               <a:ext uri="{FF2B5EF4-FFF2-40B4-BE49-F238E27FC236}">
-                <a16:creationId xmlns:a16="http://schemas.microsoft.com/office/drawing/2014/main" xmlns="" id="{AC44C303-D280-4D4E-94B9-B60CEDF83574}"/>
+                <a16:creationId xmlns:a16="http://schemas.microsoft.com/office/drawing/2014/main" id="{AC44C303-D280-4D4E-94B9-B60CEDF83574}"/>
               </a:ext>
             </a:extLst>
           </p:cNvPr>
@@ -2208,7 +2304,7 @@
           <p:cNvPr id="4" name="日期占位符 3">
             <a:extLst>
               <a:ext uri="{FF2B5EF4-FFF2-40B4-BE49-F238E27FC236}">
-                <a16:creationId xmlns:a16="http://schemas.microsoft.com/office/drawing/2014/main" xmlns="" id="{C788AD6F-7719-C24F-98B1-E07C9D9D02CC}"/>
+                <a16:creationId xmlns:a16="http://schemas.microsoft.com/office/drawing/2014/main" id="{C788AD6F-7719-C24F-98B1-E07C9D9D02CC}"/>
               </a:ext>
             </a:extLst>
           </p:cNvPr>
@@ -2226,7 +2322,7 @@
           <a:p>
             <a:fld id="{E0BAAF92-8925-9243-8254-AA3E76019C04}" type="datetimeFigureOut">
               <a:rPr kumimoji="1" lang="zh-CN" altLang="en-US" smtClean="0"/>
-              <a:t>19/12/16</a:t>
+              <a:t>2019/12/21</a:t>
             </a:fld>
             <a:endParaRPr kumimoji="1" lang="zh-CN" altLang="en-US"/>
           </a:p>
@@ -2237,7 +2333,7 @@
           <p:cNvPr id="5" name="页脚占位符 4">
             <a:extLst>
               <a:ext uri="{FF2B5EF4-FFF2-40B4-BE49-F238E27FC236}">
-                <a16:creationId xmlns:a16="http://schemas.microsoft.com/office/drawing/2014/main" xmlns="" id="{0D296C7F-1E4E-9C4D-B2A8-E9B557610F0E}"/>
+                <a16:creationId xmlns:a16="http://schemas.microsoft.com/office/drawing/2014/main" id="{0D296C7F-1E4E-9C4D-B2A8-E9B557610F0E}"/>
               </a:ext>
             </a:extLst>
           </p:cNvPr>
@@ -2262,7 +2358,7 @@
           <p:cNvPr id="6" name="灯片编号占位符 5">
             <a:extLst>
               <a:ext uri="{FF2B5EF4-FFF2-40B4-BE49-F238E27FC236}">
-                <a16:creationId xmlns:a16="http://schemas.microsoft.com/office/drawing/2014/main" xmlns="" id="{0D86E2B2-40BD-4D4D-A2E7-EEEC229D7066}"/>
+                <a16:creationId xmlns:a16="http://schemas.microsoft.com/office/drawing/2014/main" id="{0D86E2B2-40BD-4D4D-A2E7-EEEC229D7066}"/>
               </a:ext>
             </a:extLst>
           </p:cNvPr>
@@ -2321,7 +2417,7 @@
           <p:cNvPr id="2" name="标题 1">
             <a:extLst>
               <a:ext uri="{FF2B5EF4-FFF2-40B4-BE49-F238E27FC236}">
-                <a16:creationId xmlns:a16="http://schemas.microsoft.com/office/drawing/2014/main" xmlns="" id="{FB131106-B0D5-2F4D-BD0F-1601D51F6167}"/>
+                <a16:creationId xmlns:a16="http://schemas.microsoft.com/office/drawing/2014/main" id="{FB131106-B0D5-2F4D-BD0F-1601D51F6167}"/>
               </a:ext>
             </a:extLst>
           </p:cNvPr>
@@ -2349,7 +2445,7 @@
           <p:cNvPr id="3" name="竖排文字占位符 2">
             <a:extLst>
               <a:ext uri="{FF2B5EF4-FFF2-40B4-BE49-F238E27FC236}">
-                <a16:creationId xmlns:a16="http://schemas.microsoft.com/office/drawing/2014/main" xmlns="" id="{8256B3AC-6931-004D-9C50-42B880B8CE8E}"/>
+                <a16:creationId xmlns:a16="http://schemas.microsoft.com/office/drawing/2014/main" id="{8256B3AC-6931-004D-9C50-42B880B8CE8E}"/>
               </a:ext>
             </a:extLst>
           </p:cNvPr>
@@ -2406,7 +2502,7 @@
           <p:cNvPr id="4" name="日期占位符 3">
             <a:extLst>
               <a:ext uri="{FF2B5EF4-FFF2-40B4-BE49-F238E27FC236}">
-                <a16:creationId xmlns:a16="http://schemas.microsoft.com/office/drawing/2014/main" xmlns="" id="{5B8288CF-D21D-D94E-91E7-5B046C936EED}"/>
+                <a16:creationId xmlns:a16="http://schemas.microsoft.com/office/drawing/2014/main" id="{5B8288CF-D21D-D94E-91E7-5B046C936EED}"/>
               </a:ext>
             </a:extLst>
           </p:cNvPr>
@@ -2424,7 +2520,7 @@
           <a:p>
             <a:fld id="{E0BAAF92-8925-9243-8254-AA3E76019C04}" type="datetimeFigureOut">
               <a:rPr kumimoji="1" lang="zh-CN" altLang="en-US" smtClean="0"/>
-              <a:t>19/12/16</a:t>
+              <a:t>2019/12/21</a:t>
             </a:fld>
             <a:endParaRPr kumimoji="1" lang="zh-CN" altLang="en-US"/>
           </a:p>
@@ -2435,7 +2531,7 @@
           <p:cNvPr id="5" name="页脚占位符 4">
             <a:extLst>
               <a:ext uri="{FF2B5EF4-FFF2-40B4-BE49-F238E27FC236}">
-                <a16:creationId xmlns:a16="http://schemas.microsoft.com/office/drawing/2014/main" xmlns="" id="{350E6E1D-A752-4640-BC4F-F73D8F3EA83F}"/>
+                <a16:creationId xmlns:a16="http://schemas.microsoft.com/office/drawing/2014/main" id="{350E6E1D-A752-4640-BC4F-F73D8F3EA83F}"/>
               </a:ext>
             </a:extLst>
           </p:cNvPr>
@@ -2460,7 +2556,7 @@
           <p:cNvPr id="6" name="灯片编号占位符 5">
             <a:extLst>
               <a:ext uri="{FF2B5EF4-FFF2-40B4-BE49-F238E27FC236}">
-                <a16:creationId xmlns:a16="http://schemas.microsoft.com/office/drawing/2014/main" xmlns="" id="{48ED7199-0E24-ED44-8DAD-0F720B3AD90C}"/>
+                <a16:creationId xmlns:a16="http://schemas.microsoft.com/office/drawing/2014/main" id="{48ED7199-0E24-ED44-8DAD-0F720B3AD90C}"/>
               </a:ext>
             </a:extLst>
           </p:cNvPr>
@@ -2519,7 +2615,7 @@
           <p:cNvPr id="2" name="竖排标题 1">
             <a:extLst>
               <a:ext uri="{FF2B5EF4-FFF2-40B4-BE49-F238E27FC236}">
-                <a16:creationId xmlns:a16="http://schemas.microsoft.com/office/drawing/2014/main" xmlns="" id="{3EAB5A85-E3EA-DF4D-8970-C57AF04472B1}"/>
+                <a16:creationId xmlns:a16="http://schemas.microsoft.com/office/drawing/2014/main" id="{3EAB5A85-E3EA-DF4D-8970-C57AF04472B1}"/>
               </a:ext>
             </a:extLst>
           </p:cNvPr>
@@ -2552,7 +2648,7 @@
           <p:cNvPr id="3" name="竖排文字占位符 2">
             <a:extLst>
               <a:ext uri="{FF2B5EF4-FFF2-40B4-BE49-F238E27FC236}">
-                <a16:creationId xmlns:a16="http://schemas.microsoft.com/office/drawing/2014/main" xmlns="" id="{0F316016-6E6D-9543-9893-0028E666B41A}"/>
+                <a16:creationId xmlns:a16="http://schemas.microsoft.com/office/drawing/2014/main" id="{0F316016-6E6D-9543-9893-0028E666B41A}"/>
               </a:ext>
             </a:extLst>
           </p:cNvPr>
@@ -2614,7 +2710,7 @@
           <p:cNvPr id="4" name="日期占位符 3">
             <a:extLst>
               <a:ext uri="{FF2B5EF4-FFF2-40B4-BE49-F238E27FC236}">
-                <a16:creationId xmlns:a16="http://schemas.microsoft.com/office/drawing/2014/main" xmlns="" id="{63F8A457-201F-C843-B237-45AB2ED339D6}"/>
+                <a16:creationId xmlns:a16="http://schemas.microsoft.com/office/drawing/2014/main" id="{63F8A457-201F-C843-B237-45AB2ED339D6}"/>
               </a:ext>
             </a:extLst>
           </p:cNvPr>
@@ -2632,7 +2728,7 @@
           <a:p>
             <a:fld id="{E0BAAF92-8925-9243-8254-AA3E76019C04}" type="datetimeFigureOut">
               <a:rPr kumimoji="1" lang="zh-CN" altLang="en-US" smtClean="0"/>
-              <a:t>19/12/16</a:t>
+              <a:t>2019/12/21</a:t>
             </a:fld>
             <a:endParaRPr kumimoji="1" lang="zh-CN" altLang="en-US"/>
           </a:p>
@@ -2643,7 +2739,7 @@
           <p:cNvPr id="5" name="页脚占位符 4">
             <a:extLst>
               <a:ext uri="{FF2B5EF4-FFF2-40B4-BE49-F238E27FC236}">
-                <a16:creationId xmlns:a16="http://schemas.microsoft.com/office/drawing/2014/main" xmlns="" id="{A7C366BF-E3F6-564B-8F1B-F3B48E9BEAA0}"/>
+                <a16:creationId xmlns:a16="http://schemas.microsoft.com/office/drawing/2014/main" id="{A7C366BF-E3F6-564B-8F1B-F3B48E9BEAA0}"/>
               </a:ext>
             </a:extLst>
           </p:cNvPr>
@@ -2668,7 +2764,7 @@
           <p:cNvPr id="6" name="灯片编号占位符 5">
             <a:extLst>
               <a:ext uri="{FF2B5EF4-FFF2-40B4-BE49-F238E27FC236}">
-                <a16:creationId xmlns:a16="http://schemas.microsoft.com/office/drawing/2014/main" xmlns="" id="{7194F554-CC67-834C-BD97-827AB9B05D08}"/>
+                <a16:creationId xmlns:a16="http://schemas.microsoft.com/office/drawing/2014/main" id="{7194F554-CC67-834C-BD97-827AB9B05D08}"/>
               </a:ext>
             </a:extLst>
           </p:cNvPr>
@@ -2963,7 +3059,7 @@
           <p:cNvPr id="2" name="标题 1">
             <a:extLst>
               <a:ext uri="{FF2B5EF4-FFF2-40B4-BE49-F238E27FC236}">
-                <a16:creationId xmlns:a16="http://schemas.microsoft.com/office/drawing/2014/main" xmlns="" id="{E89F4D52-30E9-7543-AA54-30A38AF48AA9}"/>
+                <a16:creationId xmlns:a16="http://schemas.microsoft.com/office/drawing/2014/main" id="{E89F4D52-30E9-7543-AA54-30A38AF48AA9}"/>
               </a:ext>
             </a:extLst>
           </p:cNvPr>
@@ -2991,7 +3087,7 @@
           <p:cNvPr id="3" name="内容占位符 2">
             <a:extLst>
               <a:ext uri="{FF2B5EF4-FFF2-40B4-BE49-F238E27FC236}">
-                <a16:creationId xmlns:a16="http://schemas.microsoft.com/office/drawing/2014/main" xmlns="" id="{5BA7F026-5414-5047-93ED-362339BA43DB}"/>
+                <a16:creationId xmlns:a16="http://schemas.microsoft.com/office/drawing/2014/main" id="{5BA7F026-5414-5047-93ED-362339BA43DB}"/>
               </a:ext>
             </a:extLst>
           </p:cNvPr>
@@ -3048,7 +3144,7 @@
           <p:cNvPr id="4" name="日期占位符 3">
             <a:extLst>
               <a:ext uri="{FF2B5EF4-FFF2-40B4-BE49-F238E27FC236}">
-                <a16:creationId xmlns:a16="http://schemas.microsoft.com/office/drawing/2014/main" xmlns="" id="{98B084C4-1A77-9448-8C0C-76DFBE778F71}"/>
+                <a16:creationId xmlns:a16="http://schemas.microsoft.com/office/drawing/2014/main" id="{98B084C4-1A77-9448-8C0C-76DFBE778F71}"/>
               </a:ext>
             </a:extLst>
           </p:cNvPr>
@@ -3066,7 +3162,7 @@
           <a:p>
             <a:fld id="{E0BAAF92-8925-9243-8254-AA3E76019C04}" type="datetimeFigureOut">
               <a:rPr kumimoji="1" lang="zh-CN" altLang="en-US" smtClean="0"/>
-              <a:t>19/12/16</a:t>
+              <a:t>2019/12/21</a:t>
             </a:fld>
             <a:endParaRPr kumimoji="1" lang="zh-CN" altLang="en-US"/>
           </a:p>
@@ -3077,7 +3173,7 @@
           <p:cNvPr id="5" name="页脚占位符 4">
             <a:extLst>
               <a:ext uri="{FF2B5EF4-FFF2-40B4-BE49-F238E27FC236}">
-                <a16:creationId xmlns:a16="http://schemas.microsoft.com/office/drawing/2014/main" xmlns="" id="{C55DB9FD-894B-9F4C-88C0-7A2E182AE0B8}"/>
+                <a16:creationId xmlns:a16="http://schemas.microsoft.com/office/drawing/2014/main" id="{C55DB9FD-894B-9F4C-88C0-7A2E182AE0B8}"/>
               </a:ext>
             </a:extLst>
           </p:cNvPr>
@@ -3102,7 +3198,7 @@
           <p:cNvPr id="6" name="灯片编号占位符 5">
             <a:extLst>
               <a:ext uri="{FF2B5EF4-FFF2-40B4-BE49-F238E27FC236}">
-                <a16:creationId xmlns:a16="http://schemas.microsoft.com/office/drawing/2014/main" xmlns="" id="{B9B4AF4A-0FC1-A845-A93F-9D169217493C}"/>
+                <a16:creationId xmlns:a16="http://schemas.microsoft.com/office/drawing/2014/main" id="{B9B4AF4A-0FC1-A845-A93F-9D169217493C}"/>
               </a:ext>
             </a:extLst>
           </p:cNvPr>
@@ -3161,7 +3257,7 @@
           <p:cNvPr id="2" name="标题 1">
             <a:extLst>
               <a:ext uri="{FF2B5EF4-FFF2-40B4-BE49-F238E27FC236}">
-                <a16:creationId xmlns:a16="http://schemas.microsoft.com/office/drawing/2014/main" xmlns="" id="{DCA0D42C-647A-BC4B-98F5-43A27D0FC4D3}"/>
+                <a16:creationId xmlns:a16="http://schemas.microsoft.com/office/drawing/2014/main" id="{DCA0D42C-647A-BC4B-98F5-43A27D0FC4D3}"/>
               </a:ext>
             </a:extLst>
           </p:cNvPr>
@@ -3198,7 +3294,7 @@
           <p:cNvPr id="3" name="文本占位符 2">
             <a:extLst>
               <a:ext uri="{FF2B5EF4-FFF2-40B4-BE49-F238E27FC236}">
-                <a16:creationId xmlns:a16="http://schemas.microsoft.com/office/drawing/2014/main" xmlns="" id="{F94FCCC2-5520-AA44-A5B4-B6445A389B4C}"/>
+                <a16:creationId xmlns:a16="http://schemas.microsoft.com/office/drawing/2014/main" id="{F94FCCC2-5520-AA44-A5B4-B6445A389B4C}"/>
               </a:ext>
             </a:extLst>
           </p:cNvPr>
@@ -3323,7 +3419,7 @@
           <p:cNvPr id="4" name="日期占位符 3">
             <a:extLst>
               <a:ext uri="{FF2B5EF4-FFF2-40B4-BE49-F238E27FC236}">
-                <a16:creationId xmlns:a16="http://schemas.microsoft.com/office/drawing/2014/main" xmlns="" id="{3B065396-0397-6743-9544-06E10A2A7D45}"/>
+                <a16:creationId xmlns:a16="http://schemas.microsoft.com/office/drawing/2014/main" id="{3B065396-0397-6743-9544-06E10A2A7D45}"/>
               </a:ext>
             </a:extLst>
           </p:cNvPr>
@@ -3341,7 +3437,7 @@
           <a:p>
             <a:fld id="{E0BAAF92-8925-9243-8254-AA3E76019C04}" type="datetimeFigureOut">
               <a:rPr kumimoji="1" lang="zh-CN" altLang="en-US" smtClean="0"/>
-              <a:t>19/12/16</a:t>
+              <a:t>2019/12/21</a:t>
             </a:fld>
             <a:endParaRPr kumimoji="1" lang="zh-CN" altLang="en-US"/>
           </a:p>
@@ -3352,7 +3448,7 @@
           <p:cNvPr id="5" name="页脚占位符 4">
             <a:extLst>
               <a:ext uri="{FF2B5EF4-FFF2-40B4-BE49-F238E27FC236}">
-                <a16:creationId xmlns:a16="http://schemas.microsoft.com/office/drawing/2014/main" xmlns="" id="{6C2A8A84-3D56-A843-B99F-9BEE8CE9690D}"/>
+                <a16:creationId xmlns:a16="http://schemas.microsoft.com/office/drawing/2014/main" id="{6C2A8A84-3D56-A843-B99F-9BEE8CE9690D}"/>
               </a:ext>
             </a:extLst>
           </p:cNvPr>
@@ -3377,7 +3473,7 @@
           <p:cNvPr id="6" name="灯片编号占位符 5">
             <a:extLst>
               <a:ext uri="{FF2B5EF4-FFF2-40B4-BE49-F238E27FC236}">
-                <a16:creationId xmlns:a16="http://schemas.microsoft.com/office/drawing/2014/main" xmlns="" id="{6800F5E7-6DE7-E041-BD80-CF3A3D5B6378}"/>
+                <a16:creationId xmlns:a16="http://schemas.microsoft.com/office/drawing/2014/main" id="{6800F5E7-6DE7-E041-BD80-CF3A3D5B6378}"/>
               </a:ext>
             </a:extLst>
           </p:cNvPr>
@@ -3436,7 +3532,7 @@
           <p:cNvPr id="2" name="标题 1">
             <a:extLst>
               <a:ext uri="{FF2B5EF4-FFF2-40B4-BE49-F238E27FC236}">
-                <a16:creationId xmlns:a16="http://schemas.microsoft.com/office/drawing/2014/main" xmlns="" id="{E7539437-5264-264A-8A55-494578CF2F0F}"/>
+                <a16:creationId xmlns:a16="http://schemas.microsoft.com/office/drawing/2014/main" id="{E7539437-5264-264A-8A55-494578CF2F0F}"/>
               </a:ext>
             </a:extLst>
           </p:cNvPr>
@@ -3464,7 +3560,7 @@
           <p:cNvPr id="3" name="内容占位符 2">
             <a:extLst>
               <a:ext uri="{FF2B5EF4-FFF2-40B4-BE49-F238E27FC236}">
-                <a16:creationId xmlns:a16="http://schemas.microsoft.com/office/drawing/2014/main" xmlns="" id="{6A43823D-B8CB-D74E-9B59-B0AEE2F12941}"/>
+                <a16:creationId xmlns:a16="http://schemas.microsoft.com/office/drawing/2014/main" id="{6A43823D-B8CB-D74E-9B59-B0AEE2F12941}"/>
               </a:ext>
             </a:extLst>
           </p:cNvPr>
@@ -3526,7 +3622,7 @@
           <p:cNvPr id="4" name="内容占位符 3">
             <a:extLst>
               <a:ext uri="{FF2B5EF4-FFF2-40B4-BE49-F238E27FC236}">
-                <a16:creationId xmlns:a16="http://schemas.microsoft.com/office/drawing/2014/main" xmlns="" id="{33569750-11A3-1F48-92C5-D8F6366916A5}"/>
+                <a16:creationId xmlns:a16="http://schemas.microsoft.com/office/drawing/2014/main" id="{33569750-11A3-1F48-92C5-D8F6366916A5}"/>
               </a:ext>
             </a:extLst>
           </p:cNvPr>
@@ -3588,7 +3684,7 @@
           <p:cNvPr id="5" name="日期占位符 4">
             <a:extLst>
               <a:ext uri="{FF2B5EF4-FFF2-40B4-BE49-F238E27FC236}">
-                <a16:creationId xmlns:a16="http://schemas.microsoft.com/office/drawing/2014/main" xmlns="" id="{C4CC9D54-24BF-FD49-BB9E-80E5B245CD93}"/>
+                <a16:creationId xmlns:a16="http://schemas.microsoft.com/office/drawing/2014/main" id="{C4CC9D54-24BF-FD49-BB9E-80E5B245CD93}"/>
               </a:ext>
             </a:extLst>
           </p:cNvPr>
@@ -3606,7 +3702,7 @@
           <a:p>
             <a:fld id="{E0BAAF92-8925-9243-8254-AA3E76019C04}" type="datetimeFigureOut">
               <a:rPr kumimoji="1" lang="zh-CN" altLang="en-US" smtClean="0"/>
-              <a:t>19/12/16</a:t>
+              <a:t>2019/12/21</a:t>
             </a:fld>
             <a:endParaRPr kumimoji="1" lang="zh-CN" altLang="en-US"/>
           </a:p>
@@ -3617,7 +3713,7 @@
           <p:cNvPr id="6" name="页脚占位符 5">
             <a:extLst>
               <a:ext uri="{FF2B5EF4-FFF2-40B4-BE49-F238E27FC236}">
-                <a16:creationId xmlns:a16="http://schemas.microsoft.com/office/drawing/2014/main" xmlns="" id="{39F0A3D4-AC74-B642-A2A0-43C596C7B504}"/>
+                <a16:creationId xmlns:a16="http://schemas.microsoft.com/office/drawing/2014/main" id="{39F0A3D4-AC74-B642-A2A0-43C596C7B504}"/>
               </a:ext>
             </a:extLst>
           </p:cNvPr>
@@ -3642,7 +3738,7 @@
           <p:cNvPr id="7" name="灯片编号占位符 6">
             <a:extLst>
               <a:ext uri="{FF2B5EF4-FFF2-40B4-BE49-F238E27FC236}">
-                <a16:creationId xmlns:a16="http://schemas.microsoft.com/office/drawing/2014/main" xmlns="" id="{2E75ED15-C67C-DB43-A1DC-24E64D9DB25E}"/>
+                <a16:creationId xmlns:a16="http://schemas.microsoft.com/office/drawing/2014/main" id="{2E75ED15-C67C-DB43-A1DC-24E64D9DB25E}"/>
               </a:ext>
             </a:extLst>
           </p:cNvPr>
@@ -3701,7 +3797,7 @@
           <p:cNvPr id="2" name="标题 1">
             <a:extLst>
               <a:ext uri="{FF2B5EF4-FFF2-40B4-BE49-F238E27FC236}">
-                <a16:creationId xmlns:a16="http://schemas.microsoft.com/office/drawing/2014/main" xmlns="" id="{5C5BBE39-1B3F-EA47-BE2B-7ED51EEB82D8}"/>
+                <a16:creationId xmlns:a16="http://schemas.microsoft.com/office/drawing/2014/main" id="{5C5BBE39-1B3F-EA47-BE2B-7ED51EEB82D8}"/>
               </a:ext>
             </a:extLst>
           </p:cNvPr>
@@ -3734,7 +3830,7 @@
           <p:cNvPr id="3" name="文本占位符 2">
             <a:extLst>
               <a:ext uri="{FF2B5EF4-FFF2-40B4-BE49-F238E27FC236}">
-                <a16:creationId xmlns:a16="http://schemas.microsoft.com/office/drawing/2014/main" xmlns="" id="{89BF779D-2520-2147-8EC3-042E560435D4}"/>
+                <a16:creationId xmlns:a16="http://schemas.microsoft.com/office/drawing/2014/main" id="{89BF779D-2520-2147-8EC3-042E560435D4}"/>
               </a:ext>
             </a:extLst>
           </p:cNvPr>
@@ -3805,7 +3901,7 @@
           <p:cNvPr id="4" name="内容占位符 3">
             <a:extLst>
               <a:ext uri="{FF2B5EF4-FFF2-40B4-BE49-F238E27FC236}">
-                <a16:creationId xmlns:a16="http://schemas.microsoft.com/office/drawing/2014/main" xmlns="" id="{42240A4C-DCB3-E844-B54F-9A02748A2694}"/>
+                <a16:creationId xmlns:a16="http://schemas.microsoft.com/office/drawing/2014/main" id="{42240A4C-DCB3-E844-B54F-9A02748A2694}"/>
               </a:ext>
             </a:extLst>
           </p:cNvPr>
@@ -3867,7 +3963,7 @@
           <p:cNvPr id="5" name="文本占位符 4">
             <a:extLst>
               <a:ext uri="{FF2B5EF4-FFF2-40B4-BE49-F238E27FC236}">
-                <a16:creationId xmlns:a16="http://schemas.microsoft.com/office/drawing/2014/main" xmlns="" id="{A62A011D-925D-5943-99DC-276526E9266E}"/>
+                <a16:creationId xmlns:a16="http://schemas.microsoft.com/office/drawing/2014/main" id="{A62A011D-925D-5943-99DC-276526E9266E}"/>
               </a:ext>
             </a:extLst>
           </p:cNvPr>
@@ -3938,7 +4034,7 @@
           <p:cNvPr id="6" name="内容占位符 5">
             <a:extLst>
               <a:ext uri="{FF2B5EF4-FFF2-40B4-BE49-F238E27FC236}">
-                <a16:creationId xmlns:a16="http://schemas.microsoft.com/office/drawing/2014/main" xmlns="" id="{2F3A6A22-F685-1841-8033-27007A4F0BB0}"/>
+                <a16:creationId xmlns:a16="http://schemas.microsoft.com/office/drawing/2014/main" id="{2F3A6A22-F685-1841-8033-27007A4F0BB0}"/>
               </a:ext>
             </a:extLst>
           </p:cNvPr>
@@ -4000,7 +4096,7 @@
           <p:cNvPr id="7" name="日期占位符 6">
             <a:extLst>
               <a:ext uri="{FF2B5EF4-FFF2-40B4-BE49-F238E27FC236}">
-                <a16:creationId xmlns:a16="http://schemas.microsoft.com/office/drawing/2014/main" xmlns="" id="{433A90C3-A1D0-E947-BE11-6CE0AD350AFD}"/>
+                <a16:creationId xmlns:a16="http://schemas.microsoft.com/office/drawing/2014/main" id="{433A90C3-A1D0-E947-BE11-6CE0AD350AFD}"/>
               </a:ext>
             </a:extLst>
           </p:cNvPr>
@@ -4018,7 +4114,7 @@
           <a:p>
             <a:fld id="{E0BAAF92-8925-9243-8254-AA3E76019C04}" type="datetimeFigureOut">
               <a:rPr kumimoji="1" lang="zh-CN" altLang="en-US" smtClean="0"/>
-              <a:t>19/12/16</a:t>
+              <a:t>2019/12/21</a:t>
             </a:fld>
             <a:endParaRPr kumimoji="1" lang="zh-CN" altLang="en-US"/>
           </a:p>
@@ -4029,7 +4125,7 @@
           <p:cNvPr id="8" name="页脚占位符 7">
             <a:extLst>
               <a:ext uri="{FF2B5EF4-FFF2-40B4-BE49-F238E27FC236}">
-                <a16:creationId xmlns:a16="http://schemas.microsoft.com/office/drawing/2014/main" xmlns="" id="{7C001F93-6CD2-3547-AA4A-2442544BE78E}"/>
+                <a16:creationId xmlns:a16="http://schemas.microsoft.com/office/drawing/2014/main" id="{7C001F93-6CD2-3547-AA4A-2442544BE78E}"/>
               </a:ext>
             </a:extLst>
           </p:cNvPr>
@@ -4054,7 +4150,7 @@
           <p:cNvPr id="9" name="灯片编号占位符 8">
             <a:extLst>
               <a:ext uri="{FF2B5EF4-FFF2-40B4-BE49-F238E27FC236}">
-                <a16:creationId xmlns:a16="http://schemas.microsoft.com/office/drawing/2014/main" xmlns="" id="{3EE5777C-852D-714B-8D0B-66491B9710DC}"/>
+                <a16:creationId xmlns:a16="http://schemas.microsoft.com/office/drawing/2014/main" id="{3EE5777C-852D-714B-8D0B-66491B9710DC}"/>
               </a:ext>
             </a:extLst>
           </p:cNvPr>
@@ -4113,7 +4209,7 @@
           <p:cNvPr id="2" name="标题 1">
             <a:extLst>
               <a:ext uri="{FF2B5EF4-FFF2-40B4-BE49-F238E27FC236}">
-                <a16:creationId xmlns:a16="http://schemas.microsoft.com/office/drawing/2014/main" xmlns="" id="{9E5F92B3-1F48-1E46-AB21-B106C6A95585}"/>
+                <a16:creationId xmlns:a16="http://schemas.microsoft.com/office/drawing/2014/main" id="{9E5F92B3-1F48-1E46-AB21-B106C6A95585}"/>
               </a:ext>
             </a:extLst>
           </p:cNvPr>
@@ -4141,7 +4237,7 @@
           <p:cNvPr id="3" name="日期占位符 2">
             <a:extLst>
               <a:ext uri="{FF2B5EF4-FFF2-40B4-BE49-F238E27FC236}">
-                <a16:creationId xmlns:a16="http://schemas.microsoft.com/office/drawing/2014/main" xmlns="" id="{D705BE60-62F4-274C-9B35-1BA7D9BB8B1E}"/>
+                <a16:creationId xmlns:a16="http://schemas.microsoft.com/office/drawing/2014/main" id="{D705BE60-62F4-274C-9B35-1BA7D9BB8B1E}"/>
               </a:ext>
             </a:extLst>
           </p:cNvPr>
@@ -4159,7 +4255,7 @@
           <a:p>
             <a:fld id="{E0BAAF92-8925-9243-8254-AA3E76019C04}" type="datetimeFigureOut">
               <a:rPr kumimoji="1" lang="zh-CN" altLang="en-US" smtClean="0"/>
-              <a:t>19/12/16</a:t>
+              <a:t>2019/12/21</a:t>
             </a:fld>
             <a:endParaRPr kumimoji="1" lang="zh-CN" altLang="en-US"/>
           </a:p>
@@ -4170,7 +4266,7 @@
           <p:cNvPr id="4" name="页脚占位符 3">
             <a:extLst>
               <a:ext uri="{FF2B5EF4-FFF2-40B4-BE49-F238E27FC236}">
-                <a16:creationId xmlns:a16="http://schemas.microsoft.com/office/drawing/2014/main" xmlns="" id="{5437B122-D5D0-4947-9A27-C594BC316100}"/>
+                <a16:creationId xmlns:a16="http://schemas.microsoft.com/office/drawing/2014/main" id="{5437B122-D5D0-4947-9A27-C594BC316100}"/>
               </a:ext>
             </a:extLst>
           </p:cNvPr>
@@ -4195,7 +4291,7 @@
           <p:cNvPr id="5" name="灯片编号占位符 4">
             <a:extLst>
               <a:ext uri="{FF2B5EF4-FFF2-40B4-BE49-F238E27FC236}">
-                <a16:creationId xmlns:a16="http://schemas.microsoft.com/office/drawing/2014/main" xmlns="" id="{E3D857A9-C2A3-5641-9F65-016AC76FC24A}"/>
+                <a16:creationId xmlns:a16="http://schemas.microsoft.com/office/drawing/2014/main" id="{E3D857A9-C2A3-5641-9F65-016AC76FC24A}"/>
               </a:ext>
             </a:extLst>
           </p:cNvPr>
@@ -4254,7 +4350,7 @@
           <p:cNvPr id="2" name="日期占位符 1">
             <a:extLst>
               <a:ext uri="{FF2B5EF4-FFF2-40B4-BE49-F238E27FC236}">
-                <a16:creationId xmlns:a16="http://schemas.microsoft.com/office/drawing/2014/main" xmlns="" id="{56B80AD3-B773-5745-B514-AF8DE67FE95D}"/>
+                <a16:creationId xmlns:a16="http://schemas.microsoft.com/office/drawing/2014/main" id="{56B80AD3-B773-5745-B514-AF8DE67FE95D}"/>
               </a:ext>
             </a:extLst>
           </p:cNvPr>
@@ -4272,7 +4368,7 @@
           <a:p>
             <a:fld id="{E0BAAF92-8925-9243-8254-AA3E76019C04}" type="datetimeFigureOut">
               <a:rPr kumimoji="1" lang="zh-CN" altLang="en-US" smtClean="0"/>
-              <a:t>19/12/16</a:t>
+              <a:t>2019/12/21</a:t>
             </a:fld>
             <a:endParaRPr kumimoji="1" lang="zh-CN" altLang="en-US"/>
           </a:p>
@@ -4283,7 +4379,7 @@
           <p:cNvPr id="3" name="页脚占位符 2">
             <a:extLst>
               <a:ext uri="{FF2B5EF4-FFF2-40B4-BE49-F238E27FC236}">
-                <a16:creationId xmlns:a16="http://schemas.microsoft.com/office/drawing/2014/main" xmlns="" id="{86BDCF18-2CF1-E245-86D2-223F3F0DCFC5}"/>
+                <a16:creationId xmlns:a16="http://schemas.microsoft.com/office/drawing/2014/main" id="{86BDCF18-2CF1-E245-86D2-223F3F0DCFC5}"/>
               </a:ext>
             </a:extLst>
           </p:cNvPr>
@@ -4308,7 +4404,7 @@
           <p:cNvPr id="4" name="灯片编号占位符 3">
             <a:extLst>
               <a:ext uri="{FF2B5EF4-FFF2-40B4-BE49-F238E27FC236}">
-                <a16:creationId xmlns:a16="http://schemas.microsoft.com/office/drawing/2014/main" xmlns="" id="{0A928ABC-96ED-144D-89FB-841B8FB117AF}"/>
+                <a16:creationId xmlns:a16="http://schemas.microsoft.com/office/drawing/2014/main" id="{0A928ABC-96ED-144D-89FB-841B8FB117AF}"/>
               </a:ext>
             </a:extLst>
           </p:cNvPr>
@@ -4367,7 +4463,7 @@
           <p:cNvPr id="2" name="标题 1">
             <a:extLst>
               <a:ext uri="{FF2B5EF4-FFF2-40B4-BE49-F238E27FC236}">
-                <a16:creationId xmlns:a16="http://schemas.microsoft.com/office/drawing/2014/main" xmlns="" id="{8359C605-5879-0B48-8F87-DEDAFAFD33D0}"/>
+                <a16:creationId xmlns:a16="http://schemas.microsoft.com/office/drawing/2014/main" id="{8359C605-5879-0B48-8F87-DEDAFAFD33D0}"/>
               </a:ext>
             </a:extLst>
           </p:cNvPr>
@@ -4404,7 +4500,7 @@
           <p:cNvPr id="3" name="内容占位符 2">
             <a:extLst>
               <a:ext uri="{FF2B5EF4-FFF2-40B4-BE49-F238E27FC236}">
-                <a16:creationId xmlns:a16="http://schemas.microsoft.com/office/drawing/2014/main" xmlns="" id="{25893F92-1BB8-2148-B4A3-DC437A386E14}"/>
+                <a16:creationId xmlns:a16="http://schemas.microsoft.com/office/drawing/2014/main" id="{25893F92-1BB8-2148-B4A3-DC437A386E14}"/>
               </a:ext>
             </a:extLst>
           </p:cNvPr>
@@ -4494,7 +4590,7 @@
           <p:cNvPr id="4" name="文本占位符 3">
             <a:extLst>
               <a:ext uri="{FF2B5EF4-FFF2-40B4-BE49-F238E27FC236}">
-                <a16:creationId xmlns:a16="http://schemas.microsoft.com/office/drawing/2014/main" xmlns="" id="{0244F092-5EC3-CA4E-874F-4952A96D5090}"/>
+                <a16:creationId xmlns:a16="http://schemas.microsoft.com/office/drawing/2014/main" id="{0244F092-5EC3-CA4E-874F-4952A96D5090}"/>
               </a:ext>
             </a:extLst>
           </p:cNvPr>
@@ -4565,7 +4661,7 @@
           <p:cNvPr id="5" name="日期占位符 4">
             <a:extLst>
               <a:ext uri="{FF2B5EF4-FFF2-40B4-BE49-F238E27FC236}">
-                <a16:creationId xmlns:a16="http://schemas.microsoft.com/office/drawing/2014/main" xmlns="" id="{96DE331A-03F2-A34A-9479-D860E662BC35}"/>
+                <a16:creationId xmlns:a16="http://schemas.microsoft.com/office/drawing/2014/main" id="{96DE331A-03F2-A34A-9479-D860E662BC35}"/>
               </a:ext>
             </a:extLst>
           </p:cNvPr>
@@ -4583,7 +4679,7 @@
           <a:p>
             <a:fld id="{E0BAAF92-8925-9243-8254-AA3E76019C04}" type="datetimeFigureOut">
               <a:rPr kumimoji="1" lang="zh-CN" altLang="en-US" smtClean="0"/>
-              <a:t>19/12/16</a:t>
+              <a:t>2019/12/21</a:t>
             </a:fld>
             <a:endParaRPr kumimoji="1" lang="zh-CN" altLang="en-US"/>
           </a:p>
@@ -4594,7 +4690,7 @@
           <p:cNvPr id="6" name="页脚占位符 5">
             <a:extLst>
               <a:ext uri="{FF2B5EF4-FFF2-40B4-BE49-F238E27FC236}">
-                <a16:creationId xmlns:a16="http://schemas.microsoft.com/office/drawing/2014/main" xmlns="" id="{F07868C0-FC23-044D-8BC3-79BBD377A58A}"/>
+                <a16:creationId xmlns:a16="http://schemas.microsoft.com/office/drawing/2014/main" id="{F07868C0-FC23-044D-8BC3-79BBD377A58A}"/>
               </a:ext>
             </a:extLst>
           </p:cNvPr>
@@ -4619,7 +4715,7 @@
           <p:cNvPr id="7" name="灯片编号占位符 6">
             <a:extLst>
               <a:ext uri="{FF2B5EF4-FFF2-40B4-BE49-F238E27FC236}">
-                <a16:creationId xmlns:a16="http://schemas.microsoft.com/office/drawing/2014/main" xmlns="" id="{D92D7D18-5796-5C41-896C-806BD718E7DB}"/>
+                <a16:creationId xmlns:a16="http://schemas.microsoft.com/office/drawing/2014/main" id="{D92D7D18-5796-5C41-896C-806BD718E7DB}"/>
               </a:ext>
             </a:extLst>
           </p:cNvPr>
@@ -4678,7 +4774,7 @@
           <p:cNvPr id="2" name="标题 1">
             <a:extLst>
               <a:ext uri="{FF2B5EF4-FFF2-40B4-BE49-F238E27FC236}">
-                <a16:creationId xmlns:a16="http://schemas.microsoft.com/office/drawing/2014/main" xmlns="" id="{1691BF59-C7AE-C34E-BCE9-346AB39A593D}"/>
+                <a16:creationId xmlns:a16="http://schemas.microsoft.com/office/drawing/2014/main" id="{1691BF59-C7AE-C34E-BCE9-346AB39A593D}"/>
               </a:ext>
             </a:extLst>
           </p:cNvPr>
@@ -4715,7 +4811,7 @@
           <p:cNvPr id="3" name="图片占位符 2">
             <a:extLst>
               <a:ext uri="{FF2B5EF4-FFF2-40B4-BE49-F238E27FC236}">
-                <a16:creationId xmlns:a16="http://schemas.microsoft.com/office/drawing/2014/main" xmlns="" id="{C963D694-386E-7A46-A81F-99BADEB91CFF}"/>
+                <a16:creationId xmlns:a16="http://schemas.microsoft.com/office/drawing/2014/main" id="{C963D694-386E-7A46-A81F-99BADEB91CFF}"/>
               </a:ext>
             </a:extLst>
           </p:cNvPr>
@@ -4782,7 +4878,7 @@
           <p:cNvPr id="4" name="文本占位符 3">
             <a:extLst>
               <a:ext uri="{FF2B5EF4-FFF2-40B4-BE49-F238E27FC236}">
-                <a16:creationId xmlns:a16="http://schemas.microsoft.com/office/drawing/2014/main" xmlns="" id="{58E217E5-3B95-6A40-AA85-95645686CA6D}"/>
+                <a16:creationId xmlns:a16="http://schemas.microsoft.com/office/drawing/2014/main" id="{58E217E5-3B95-6A40-AA85-95645686CA6D}"/>
               </a:ext>
             </a:extLst>
           </p:cNvPr>
@@ -4853,7 +4949,7 @@
           <p:cNvPr id="5" name="日期占位符 4">
             <a:extLst>
               <a:ext uri="{FF2B5EF4-FFF2-40B4-BE49-F238E27FC236}">
-                <a16:creationId xmlns:a16="http://schemas.microsoft.com/office/drawing/2014/main" xmlns="" id="{4983495F-4059-DB4F-A118-9C2A12985834}"/>
+                <a16:creationId xmlns:a16="http://schemas.microsoft.com/office/drawing/2014/main" id="{4983495F-4059-DB4F-A118-9C2A12985834}"/>
               </a:ext>
             </a:extLst>
           </p:cNvPr>
@@ -4871,7 +4967,7 @@
           <a:p>
             <a:fld id="{E0BAAF92-8925-9243-8254-AA3E76019C04}" type="datetimeFigureOut">
               <a:rPr kumimoji="1" lang="zh-CN" altLang="en-US" smtClean="0"/>
-              <a:t>19/12/16</a:t>
+              <a:t>2019/12/21</a:t>
             </a:fld>
             <a:endParaRPr kumimoji="1" lang="zh-CN" altLang="en-US"/>
           </a:p>
@@ -4882,7 +4978,7 @@
           <p:cNvPr id="6" name="页脚占位符 5">
             <a:extLst>
               <a:ext uri="{FF2B5EF4-FFF2-40B4-BE49-F238E27FC236}">
-                <a16:creationId xmlns:a16="http://schemas.microsoft.com/office/drawing/2014/main" xmlns="" id="{D1C70DBF-34E5-FB46-AE82-D6F29588BF40}"/>
+                <a16:creationId xmlns:a16="http://schemas.microsoft.com/office/drawing/2014/main" id="{D1C70DBF-34E5-FB46-AE82-D6F29588BF40}"/>
               </a:ext>
             </a:extLst>
           </p:cNvPr>
@@ -4907,7 +5003,7 @@
           <p:cNvPr id="7" name="灯片编号占位符 6">
             <a:extLst>
               <a:ext uri="{FF2B5EF4-FFF2-40B4-BE49-F238E27FC236}">
-                <a16:creationId xmlns:a16="http://schemas.microsoft.com/office/drawing/2014/main" xmlns="" id="{BB82D43E-D4AC-5A44-A292-2DD0AEBB5140}"/>
+                <a16:creationId xmlns:a16="http://schemas.microsoft.com/office/drawing/2014/main" id="{BB82D43E-D4AC-5A44-A292-2DD0AEBB5140}"/>
               </a:ext>
             </a:extLst>
           </p:cNvPr>
@@ -4971,7 +5067,7 @@
           <p:cNvPr id="2" name="标题占位符 1">
             <a:extLst>
               <a:ext uri="{FF2B5EF4-FFF2-40B4-BE49-F238E27FC236}">
-                <a16:creationId xmlns:a16="http://schemas.microsoft.com/office/drawing/2014/main" xmlns="" id="{1DFA18A8-7E4D-7C42-B99F-11DA77B56FAA}"/>
+                <a16:creationId xmlns:a16="http://schemas.microsoft.com/office/drawing/2014/main" id="{1DFA18A8-7E4D-7C42-B99F-11DA77B56FAA}"/>
               </a:ext>
             </a:extLst>
           </p:cNvPr>
@@ -5009,7 +5105,7 @@
           <p:cNvPr id="3" name="文本占位符 2">
             <a:extLst>
               <a:ext uri="{FF2B5EF4-FFF2-40B4-BE49-F238E27FC236}">
-                <a16:creationId xmlns:a16="http://schemas.microsoft.com/office/drawing/2014/main" xmlns="" id="{A8EDAD83-FE71-FB4C-B28A-D7DFC088A5BA}"/>
+                <a16:creationId xmlns:a16="http://schemas.microsoft.com/office/drawing/2014/main" id="{A8EDAD83-FE71-FB4C-B28A-D7DFC088A5BA}"/>
               </a:ext>
             </a:extLst>
           </p:cNvPr>
@@ -5076,7 +5172,7 @@
           <p:cNvPr id="4" name="日期占位符 3">
             <a:extLst>
               <a:ext uri="{FF2B5EF4-FFF2-40B4-BE49-F238E27FC236}">
-                <a16:creationId xmlns:a16="http://schemas.microsoft.com/office/drawing/2014/main" xmlns="" id="{F0FCDD56-8ECD-834D-8C4D-0FC6A8F9EF60}"/>
+                <a16:creationId xmlns:a16="http://schemas.microsoft.com/office/drawing/2014/main" id="{F0FCDD56-8ECD-834D-8C4D-0FC6A8F9EF60}"/>
               </a:ext>
             </a:extLst>
           </p:cNvPr>
@@ -5112,7 +5208,7 @@
           <a:p>
             <a:fld id="{E0BAAF92-8925-9243-8254-AA3E76019C04}" type="datetimeFigureOut">
               <a:rPr kumimoji="1" lang="zh-CN" altLang="en-US" smtClean="0"/>
-              <a:t>19/12/16</a:t>
+              <a:t>2019/12/21</a:t>
             </a:fld>
             <a:endParaRPr kumimoji="1" lang="zh-CN" altLang="en-US"/>
           </a:p>
@@ -5123,7 +5219,7 @@
           <p:cNvPr id="5" name="页脚占位符 4">
             <a:extLst>
               <a:ext uri="{FF2B5EF4-FFF2-40B4-BE49-F238E27FC236}">
-                <a16:creationId xmlns:a16="http://schemas.microsoft.com/office/drawing/2014/main" xmlns="" id="{BFC18503-9B2D-8F49-B093-73863F85E217}"/>
+                <a16:creationId xmlns:a16="http://schemas.microsoft.com/office/drawing/2014/main" id="{BFC18503-9B2D-8F49-B093-73863F85E217}"/>
               </a:ext>
             </a:extLst>
           </p:cNvPr>
@@ -5166,7 +5262,7 @@
           <p:cNvPr id="6" name="灯片编号占位符 5">
             <a:extLst>
               <a:ext uri="{FF2B5EF4-FFF2-40B4-BE49-F238E27FC236}">
-                <a16:creationId xmlns:a16="http://schemas.microsoft.com/office/drawing/2014/main" xmlns="" id="{98D98167-1AB6-2042-A9EB-2EA4CF92D341}"/>
+                <a16:creationId xmlns:a16="http://schemas.microsoft.com/office/drawing/2014/main" id="{98D98167-1AB6-2042-A9EB-2EA4CF92D341}"/>
               </a:ext>
             </a:extLst>
           </p:cNvPr>
@@ -6940,13 +7036,357 @@
   <p:clrMapOvr>
     <a:masterClrMapping/>
   </p:clrMapOvr>
-  <p:transition xmlns:p14="http://schemas.microsoft.com/office/powerpoint/2010/main" spd="med" advClick="0" advTm="1000">
+  <p:transition spd="med" advClick="0" advTm="1000">
     <p:fade/>
   </p:transition>
 </p:sld>
 </file>
 
 <file path=ppt/slides/slide10.xml><?xml version="1.0" encoding="utf-8"?>
+<p:sld xmlns:a="http://schemas.openxmlformats.org/drawingml/2006/main" xmlns:r="http://schemas.openxmlformats.org/officeDocument/2006/relationships" xmlns:p="http://schemas.openxmlformats.org/presentationml/2006/main">
+  <p:cSld>
+    <p:spTree>
+      <p:nvGrpSpPr>
+        <p:cNvPr id="1" name=""/>
+        <p:cNvGrpSpPr/>
+        <p:nvPr/>
+      </p:nvGrpSpPr>
+      <p:grpSpPr>
+        <a:xfrm>
+          <a:off x="0" y="0"/>
+          <a:ext cx="0" cy="0"/>
+          <a:chOff x="0" y="0"/>
+          <a:chExt cx="0" cy="0"/>
+        </a:xfrm>
+      </p:grpSpPr>
+      <p:grpSp>
+        <p:nvGrpSpPr>
+          <p:cNvPr id="38" name="组合 37"/>
+          <p:cNvGrpSpPr/>
+          <p:nvPr/>
+        </p:nvGrpSpPr>
+        <p:grpSpPr>
+          <a:xfrm>
+            <a:off x="672374" y="631535"/>
+            <a:ext cx="4356129" cy="536573"/>
+            <a:chOff x="1007305" y="947449"/>
+            <a:chExt cx="6535202" cy="804983"/>
+          </a:xfrm>
+        </p:grpSpPr>
+        <p:sp>
+          <p:nvSpPr>
+            <p:cNvPr id="39" name="文本框 38"/>
+            <p:cNvSpPr txBox="1"/>
+            <p:nvPr/>
+          </p:nvSpPr>
+          <p:spPr>
+            <a:xfrm>
+              <a:off x="1007305" y="947449"/>
+              <a:ext cx="6535202" cy="692604"/>
+            </a:xfrm>
+            <a:prstGeom prst="rect">
+              <a:avLst/>
+            </a:prstGeom>
+            <a:noFill/>
+          </p:spPr>
+          <p:txBody>
+            <a:bodyPr wrap="square" rtlCol="0">
+              <a:spAutoFit/>
+            </a:bodyPr>
+            <a:lstStyle/>
+            <a:p>
+              <a:r>
+                <a:rPr lang="zh-CN" altLang="en-US" sz="2400" dirty="0">
+                  <a:solidFill>
+                    <a:prstClr val="white"/>
+                  </a:solidFill>
+                  <a:latin typeface="+mn-ea"/>
+                </a:rPr>
+                <a:t>执行</a:t>
+              </a:r>
+              <a:r>
+                <a:rPr lang="en-US" altLang="zh-CN" sz="2400" dirty="0">
+                  <a:solidFill>
+                    <a:prstClr val="white"/>
+                  </a:solidFill>
+                  <a:latin typeface="+mn-ea"/>
+                </a:rPr>
+                <a:t>Spark</a:t>
+              </a:r>
+              <a:r>
+                <a:rPr lang="zh-CN" altLang="en-US" sz="2400" dirty="0">
+                  <a:solidFill>
+                    <a:prstClr val="white"/>
+                  </a:solidFill>
+                  <a:latin typeface="+mn-ea"/>
+                </a:rPr>
+                <a:t> </a:t>
+              </a:r>
+              <a:r>
+                <a:rPr lang="en-US" altLang="zh-CN" sz="2400" dirty="0">
+                  <a:solidFill>
+                    <a:prstClr val="white"/>
+                  </a:solidFill>
+                  <a:latin typeface="+mn-ea"/>
+                </a:rPr>
+                <a:t>SQL</a:t>
+              </a:r>
+              <a:endParaRPr lang="zh-CN" altLang="en-US" sz="2400" dirty="0">
+                <a:solidFill>
+                  <a:prstClr val="white"/>
+                </a:solidFill>
+                <a:latin typeface="+mn-ea"/>
+              </a:endParaRPr>
+            </a:p>
+          </p:txBody>
+        </p:sp>
+        <p:cxnSp>
+          <p:nvCxnSpPr>
+            <p:cNvPr id="40" name="直线连接符 5"/>
+            <p:cNvCxnSpPr/>
+            <p:nvPr/>
+          </p:nvCxnSpPr>
+          <p:spPr>
+            <a:xfrm>
+              <a:off x="1007305" y="1752432"/>
+              <a:ext cx="3742116" cy="0"/>
+            </a:xfrm>
+            <a:prstGeom prst="line">
+              <a:avLst/>
+            </a:prstGeom>
+            <a:ln>
+              <a:solidFill>
+                <a:schemeClr val="bg1"/>
+              </a:solidFill>
+              <a:headEnd type="oval"/>
+              <a:tailEnd type="oval"/>
+            </a:ln>
+          </p:spPr>
+          <p:style>
+            <a:lnRef idx="1">
+              <a:schemeClr val="accent1"/>
+            </a:lnRef>
+            <a:fillRef idx="0">
+              <a:schemeClr val="accent1"/>
+            </a:fillRef>
+            <a:effectRef idx="0">
+              <a:schemeClr val="accent1"/>
+            </a:effectRef>
+            <a:fontRef idx="minor">
+              <a:schemeClr val="tx1"/>
+            </a:fontRef>
+          </p:style>
+        </p:cxnSp>
+      </p:grpSp>
+      <p:sp>
+        <p:nvSpPr>
+          <p:cNvPr id="4" name="矩形 3"/>
+          <p:cNvSpPr/>
+          <p:nvPr/>
+        </p:nvSpPr>
+        <p:spPr>
+          <a:xfrm>
+            <a:off x="936054" y="1736857"/>
+            <a:ext cx="9181960" cy="2031325"/>
+          </a:xfrm>
+          <a:prstGeom prst="rect">
+            <a:avLst/>
+          </a:prstGeom>
+        </p:spPr>
+        <p:txBody>
+          <a:bodyPr wrap="square">
+            <a:spAutoFit/>
+          </a:bodyPr>
+          <a:lstStyle/>
+          <a:p>
+            <a:r>
+              <a:rPr lang="en-US" altLang="zh-TW">
+                <a:solidFill>
+                  <a:srgbClr val="FFFFFF"/>
+                </a:solidFill>
+                <a:latin typeface="黑体"/>
+                <a:ea typeface="黑体"/>
+                <a:cs typeface="黑体"/>
+              </a:rPr>
+              <a:t>DataFrame</a:t>
+            </a:r>
+            <a:r>
+              <a:rPr lang="zh-TW" altLang="en-US">
+                <a:solidFill>
+                  <a:srgbClr val="FFFFFF"/>
+                </a:solidFill>
+                <a:latin typeface="黑体"/>
+                <a:ea typeface="黑体"/>
+                <a:cs typeface="黑体"/>
+              </a:rPr>
+              <a:t>注册为一个表，就可以像关系型数据库一样执行</a:t>
+            </a:r>
+            <a:r>
+              <a:rPr lang="en-US" altLang="zh-TW">
+                <a:solidFill>
+                  <a:srgbClr val="FFFFFF"/>
+                </a:solidFill>
+                <a:latin typeface="黑体"/>
+                <a:ea typeface="黑体"/>
+                <a:cs typeface="黑体"/>
+              </a:rPr>
+              <a:t>SQL</a:t>
+            </a:r>
+            <a:r>
+              <a:rPr lang="zh-TW" altLang="en-US">
+                <a:solidFill>
+                  <a:srgbClr val="FFFFFF"/>
+                </a:solidFill>
+                <a:latin typeface="黑体"/>
+                <a:ea typeface="黑体"/>
+                <a:cs typeface="黑体"/>
+              </a:rPr>
+              <a:t>语句，比如：</a:t>
+            </a:r>
+          </a:p>
+          <a:p>
+            <a:endParaRPr lang="zh-TW" altLang="en-US">
+              <a:solidFill>
+                <a:srgbClr val="FFFFFF"/>
+              </a:solidFill>
+              <a:latin typeface="黑体"/>
+              <a:ea typeface="黑体"/>
+              <a:cs typeface="黑体"/>
+            </a:endParaRPr>
+          </a:p>
+          <a:p>
+            <a:r>
+              <a:rPr lang="en-US" altLang="zh-TW">
+                <a:solidFill>
+                  <a:srgbClr val="FFFFFF"/>
+                </a:solidFill>
+                <a:latin typeface="黑体"/>
+                <a:ea typeface="黑体"/>
+                <a:cs typeface="黑体"/>
+              </a:rPr>
+              <a:t>statesDF.createOrReplaceTempView("states")</a:t>
+            </a:r>
+          </a:p>
+          <a:p>
+            <a:r>
+              <a:rPr lang="en-US" altLang="zh-TW">
+                <a:solidFill>
+                  <a:srgbClr val="FFFFFF"/>
+                </a:solidFill>
+                <a:latin typeface="黑体"/>
+                <a:ea typeface="黑体"/>
+                <a:cs typeface="黑体"/>
+              </a:rPr>
+              <a:t>statesDF.show()</a:t>
+            </a:r>
+          </a:p>
+          <a:p>
+            <a:r>
+              <a:rPr lang="en-US" altLang="zh-TW">
+                <a:solidFill>
+                  <a:srgbClr val="FFFFFF"/>
+                </a:solidFill>
+                <a:latin typeface="黑体"/>
+                <a:ea typeface="黑体"/>
+                <a:cs typeface="黑体"/>
+              </a:rPr>
+              <a:t>states.sql("select * from states limit 5").show()</a:t>
+            </a:r>
+          </a:p>
+          <a:p>
+            <a:endParaRPr lang="en-US" altLang="zh-TW">
+              <a:solidFill>
+                <a:srgbClr val="FFFFFF"/>
+              </a:solidFill>
+              <a:latin typeface="黑体"/>
+              <a:ea typeface="黑体"/>
+              <a:cs typeface="黑体"/>
+            </a:endParaRPr>
+          </a:p>
+          <a:p>
+            <a:r>
+              <a:rPr lang="zh-TW" altLang="en-US">
+                <a:solidFill>
+                  <a:srgbClr val="FFFFFF"/>
+                </a:solidFill>
+                <a:latin typeface="黑体"/>
+                <a:ea typeface="黑体"/>
+                <a:cs typeface="黑体"/>
+              </a:rPr>
+              <a:t>上述代码中，我们使用了</a:t>
+            </a:r>
+            <a:r>
+              <a:rPr lang="en-US" altLang="zh-TW">
+                <a:solidFill>
+                  <a:srgbClr val="FFFFFF"/>
+                </a:solidFill>
+                <a:latin typeface="黑体"/>
+                <a:ea typeface="黑体"/>
+                <a:cs typeface="黑体"/>
+              </a:rPr>
+              <a:t>SQL</a:t>
+            </a:r>
+            <a:r>
+              <a:rPr lang="zh-TW" altLang="en-US">
+                <a:solidFill>
+                  <a:srgbClr val="FFFFFF"/>
+                </a:solidFill>
+                <a:latin typeface="黑体"/>
+                <a:ea typeface="黑体"/>
+                <a:cs typeface="黑体"/>
+              </a:rPr>
+              <a:t>语句，并通过</a:t>
+            </a:r>
+            <a:r>
+              <a:rPr lang="en-US" altLang="zh-TW">
+                <a:solidFill>
+                  <a:srgbClr val="FFFFFF"/>
+                </a:solidFill>
+                <a:latin typeface="黑体"/>
+                <a:ea typeface="黑体"/>
+                <a:cs typeface="黑体"/>
+              </a:rPr>
+              <a:t>spark.sql API</a:t>
+            </a:r>
+            <a:r>
+              <a:rPr lang="zh-TW" altLang="en-US">
+                <a:solidFill>
+                  <a:srgbClr val="FFFFFF"/>
+                </a:solidFill>
+                <a:latin typeface="黑体"/>
+                <a:ea typeface="黑体"/>
+                <a:cs typeface="黑体"/>
+              </a:rPr>
+              <a:t>执行了该语句。</a:t>
+            </a:r>
+            <a:endParaRPr lang="zh-CN" altLang="en-US">
+              <a:solidFill>
+                <a:srgbClr val="FFFFFF"/>
+              </a:solidFill>
+              <a:latin typeface="黑体"/>
+              <a:ea typeface="黑体"/>
+              <a:cs typeface="黑体"/>
+            </a:endParaRPr>
+          </a:p>
+        </p:txBody>
+      </p:sp>
+    </p:spTree>
+    <p:extLst>
+      <p:ext uri="{BB962C8B-B14F-4D97-AF65-F5344CB8AC3E}">
+        <p14:creationId xmlns:p14="http://schemas.microsoft.com/office/powerpoint/2010/main" val="4095466596"/>
+      </p:ext>
+    </p:extLst>
+  </p:cSld>
+  <p:clrMapOvr>
+    <a:masterClrMapping/>
+  </p:clrMapOvr>
+  <p:transition spd="med" advClick="0" advTm="1000">
+    <p:fade/>
+  </p:transition>
+</p:sld>
+</file>
+
+<file path=ppt/slides/slide11.xml><?xml version="1.0" encoding="utf-8"?>
 <p:sld xmlns:a="http://schemas.openxmlformats.org/drawingml/2006/main" xmlns:r="http://schemas.openxmlformats.org/officeDocument/2006/relationships" xmlns:p="http://schemas.openxmlformats.org/presentationml/2006/main">
   <p:cSld>
     <p:spTree>
@@ -7069,7 +7509,7 @@
           <p:cNvPr id="3" name="文本框 2">
             <a:extLst>
               <a:ext uri="{FF2B5EF4-FFF2-40B4-BE49-F238E27FC236}">
-                <a16:creationId xmlns:a16="http://schemas.microsoft.com/office/drawing/2014/main" xmlns="" id="{2FBE2898-929C-3249-AA82-5E20134B90A6}"/>
+                <a16:creationId xmlns:a16="http://schemas.microsoft.com/office/drawing/2014/main" id="{2FBE2898-929C-3249-AA82-5E20134B90A6}"/>
               </a:ext>
             </a:extLst>
           </p:cNvPr>
@@ -7246,13 +7686,13 @@
   <p:clrMapOvr>
     <a:masterClrMapping/>
   </p:clrMapOvr>
-  <p:transition xmlns:p14="http://schemas.microsoft.com/office/powerpoint/2010/main" spd="med" advClick="0" advTm="1000">
+  <p:transition spd="med" advClick="0" advTm="1000">
     <p:fade/>
   </p:transition>
 </p:sld>
 </file>
 
-<file path=ppt/slides/slide11.xml><?xml version="1.0" encoding="utf-8"?>
+<file path=ppt/slides/slide12.xml><?xml version="1.0" encoding="utf-8"?>
 <p:sld xmlns:a="http://schemas.openxmlformats.org/drawingml/2006/main" xmlns:r="http://schemas.openxmlformats.org/officeDocument/2006/relationships" xmlns:p="http://schemas.openxmlformats.org/presentationml/2006/main">
   <p:cSld>
     <p:spTree>
@@ -7375,7 +7815,7 @@
           <p:cNvPr id="3" name="文本框 2">
             <a:extLst>
               <a:ext uri="{FF2B5EF4-FFF2-40B4-BE49-F238E27FC236}">
-                <a16:creationId xmlns:a16="http://schemas.microsoft.com/office/drawing/2014/main" xmlns="" id="{2FBE2898-929C-3249-AA82-5E20134B90A6}"/>
+                <a16:creationId xmlns:a16="http://schemas.microsoft.com/office/drawing/2014/main" id="{2FBE2898-929C-3249-AA82-5E20134B90A6}"/>
               </a:ext>
             </a:extLst>
           </p:cNvPr>
@@ -7524,13 +7964,13 @@
   <p:clrMapOvr>
     <a:masterClrMapping/>
   </p:clrMapOvr>
-  <p:transition xmlns:p14="http://schemas.microsoft.com/office/powerpoint/2010/main" spd="med" advClick="0" advTm="1000">
+  <p:transition spd="med" advClick="0" advTm="1000">
     <p:fade/>
   </p:transition>
 </p:sld>
 </file>
 
-<file path=ppt/slides/slide12.xml><?xml version="1.0" encoding="utf-8"?>
+<file path=ppt/slides/slide13.xml><?xml version="1.0" encoding="utf-8"?>
 <p:sld xmlns:a="http://schemas.openxmlformats.org/drawingml/2006/main" xmlns:r="http://schemas.openxmlformats.org/officeDocument/2006/relationships" xmlns:p="http://schemas.openxmlformats.org/presentationml/2006/main">
   <p:cSld>
     <p:spTree>
@@ -7653,7 +8093,7 @@
           <p:cNvPr id="3" name="文本框 2">
             <a:extLst>
               <a:ext uri="{FF2B5EF4-FFF2-40B4-BE49-F238E27FC236}">
-                <a16:creationId xmlns:a16="http://schemas.microsoft.com/office/drawing/2014/main" xmlns="" id="{2FBE2898-929C-3249-AA82-5E20134B90A6}"/>
+                <a16:creationId xmlns:a16="http://schemas.microsoft.com/office/drawing/2014/main" id="{2FBE2898-929C-3249-AA82-5E20134B90A6}"/>
               </a:ext>
             </a:extLst>
           </p:cNvPr>
@@ -7794,13 +8234,13 @@
   <p:clrMapOvr>
     <a:masterClrMapping/>
   </p:clrMapOvr>
-  <p:transition xmlns:p14="http://schemas.microsoft.com/office/powerpoint/2010/main" spd="med" advClick="0" advTm="1000">
+  <p:transition spd="med" advClick="0" advTm="1000">
     <p:fade/>
   </p:transition>
 </p:sld>
 </file>
 
-<file path=ppt/slides/slide13.xml><?xml version="1.0" encoding="utf-8"?>
+<file path=ppt/slides/slide14.xml><?xml version="1.0" encoding="utf-8"?>
 <p:sld xmlns:a="http://schemas.openxmlformats.org/drawingml/2006/main" xmlns:r="http://schemas.openxmlformats.org/officeDocument/2006/relationships" xmlns:p="http://schemas.openxmlformats.org/presentationml/2006/main">
   <p:cSld>
     <p:spTree>
@@ -7862,12 +8302,6 @@
                 </a:rPr>
                 <a:t>聚合操作</a:t>
               </a:r>
-              <a:endParaRPr lang="zh-CN" altLang="en-US" sz="2400" dirty="0">
-                <a:solidFill>
-                  <a:prstClr val="white"/>
-                </a:solidFill>
-                <a:latin typeface="+mn-ea"/>
-              </a:endParaRPr>
             </a:p>
           </p:txBody>
         </p:sp>
@@ -7914,7 +8348,7 @@
           <p:cNvPr id="3" name="文本框 2">
             <a:extLst>
               <a:ext uri="{FF2B5EF4-FFF2-40B4-BE49-F238E27FC236}">
-                <a16:creationId xmlns:a16="http://schemas.microsoft.com/office/drawing/2014/main" xmlns="" id="{2FBE2898-929C-3249-AA82-5E20134B90A6}"/>
+                <a16:creationId xmlns:a16="http://schemas.microsoft.com/office/drawing/2014/main" id="{2FBE2898-929C-3249-AA82-5E20134B90A6}"/>
               </a:ext>
             </a:extLst>
           </p:cNvPr>
@@ -8036,13 +8470,13 @@
   <p:clrMapOvr>
     <a:masterClrMapping/>
   </p:clrMapOvr>
-  <p:transition xmlns:p14="http://schemas.microsoft.com/office/powerpoint/2010/main" spd="med" advClick="0" advTm="1000">
+  <p:transition spd="med" advClick="0" advTm="1000">
     <p:fade/>
   </p:transition>
 </p:sld>
 </file>
 
-<file path=ppt/slides/slide14.xml><?xml version="1.0" encoding="utf-8"?>
+<file path=ppt/slides/slide15.xml><?xml version="1.0" encoding="utf-8"?>
 <p:sld xmlns:a="http://schemas.openxmlformats.org/drawingml/2006/main" xmlns:r="http://schemas.openxmlformats.org/officeDocument/2006/relationships" xmlns:p="http://schemas.openxmlformats.org/presentationml/2006/main">
   <p:cSld>
     <p:spTree>
@@ -8165,7 +8599,7 @@
           <p:cNvPr id="3" name="文本框 2">
             <a:extLst>
               <a:ext uri="{FF2B5EF4-FFF2-40B4-BE49-F238E27FC236}">
-                <a16:creationId xmlns:a16="http://schemas.microsoft.com/office/drawing/2014/main" xmlns="" id="{2FBE2898-929C-3249-AA82-5E20134B90A6}"/>
+                <a16:creationId xmlns:a16="http://schemas.microsoft.com/office/drawing/2014/main" id="{2FBE2898-929C-3249-AA82-5E20134B90A6}"/>
               </a:ext>
             </a:extLst>
           </p:cNvPr>
@@ -8402,13 +8836,13 @@
   <p:clrMapOvr>
     <a:masterClrMapping/>
   </p:clrMapOvr>
-  <p:transition xmlns:p14="http://schemas.microsoft.com/office/powerpoint/2010/main" spd="med" advClick="0" advTm="1000">
+  <p:transition spd="med" advClick="0" advTm="1000">
     <p:fade/>
   </p:transition>
 </p:sld>
 </file>
 
-<file path=ppt/slides/slide15.xml><?xml version="1.0" encoding="utf-8"?>
+<file path=ppt/slides/slide16.xml><?xml version="1.0" encoding="utf-8"?>
 <p:sld xmlns:a="http://schemas.openxmlformats.org/drawingml/2006/main" xmlns:r="http://schemas.openxmlformats.org/officeDocument/2006/relationships" xmlns:p="http://schemas.openxmlformats.org/presentationml/2006/main">
   <p:cSld>
     <p:spTree>
@@ -8576,7 +9010,7 @@
           <p:cNvPr id="3" name="文本框 2">
             <a:extLst>
               <a:ext uri="{FF2B5EF4-FFF2-40B4-BE49-F238E27FC236}">
-                <a16:creationId xmlns:a16="http://schemas.microsoft.com/office/drawing/2014/main" xmlns="" id="{2FBE2898-929C-3249-AA82-5E20134B90A6}"/>
+                <a16:creationId xmlns:a16="http://schemas.microsoft.com/office/drawing/2014/main" id="{2FBE2898-929C-3249-AA82-5E20134B90A6}"/>
               </a:ext>
             </a:extLst>
           </p:cNvPr>
@@ -8805,315 +9239,7 @@
   <p:clrMapOvr>
     <a:masterClrMapping/>
   </p:clrMapOvr>
-  <p:transition xmlns:p14="http://schemas.microsoft.com/office/powerpoint/2010/main" spd="med" advClick="0" advTm="1000">
-    <p:fade/>
-  </p:transition>
-</p:sld>
-</file>
-
-<file path=ppt/slides/slide16.xml><?xml version="1.0" encoding="utf-8"?>
-<p:sld xmlns:a="http://schemas.openxmlformats.org/drawingml/2006/main" xmlns:r="http://schemas.openxmlformats.org/officeDocument/2006/relationships" xmlns:p="http://schemas.openxmlformats.org/presentationml/2006/main">
-  <p:cSld>
-    <p:spTree>
-      <p:nvGrpSpPr>
-        <p:cNvPr id="1" name=""/>
-        <p:cNvGrpSpPr/>
-        <p:nvPr/>
-      </p:nvGrpSpPr>
-      <p:grpSpPr>
-        <a:xfrm>
-          <a:off x="0" y="0"/>
-          <a:ext cx="0" cy="0"/>
-          <a:chOff x="0" y="0"/>
-          <a:chExt cx="0" cy="0"/>
-        </a:xfrm>
-      </p:grpSpPr>
-      <p:grpSp>
-        <p:nvGrpSpPr>
-          <p:cNvPr id="38" name="组合 37"/>
-          <p:cNvGrpSpPr/>
-          <p:nvPr/>
-        </p:nvGrpSpPr>
-        <p:grpSpPr>
-          <a:xfrm>
-            <a:off x="672374" y="631535"/>
-            <a:ext cx="4356129" cy="536573"/>
-            <a:chOff x="1007305" y="947449"/>
-            <a:chExt cx="6535202" cy="804983"/>
-          </a:xfrm>
-        </p:grpSpPr>
-        <p:sp>
-          <p:nvSpPr>
-            <p:cNvPr id="39" name="文本框 38"/>
-            <p:cNvSpPr txBox="1"/>
-            <p:nvPr/>
-          </p:nvSpPr>
-          <p:spPr>
-            <a:xfrm>
-              <a:off x="1007305" y="947449"/>
-              <a:ext cx="6535202" cy="692604"/>
-            </a:xfrm>
-            <a:prstGeom prst="rect">
-              <a:avLst/>
-            </a:prstGeom>
-            <a:noFill/>
-          </p:spPr>
-          <p:txBody>
-            <a:bodyPr wrap="square" rtlCol="0">
-              <a:spAutoFit/>
-            </a:bodyPr>
-            <a:lstStyle/>
-            <a:p>
-              <a:r>
-                <a:rPr lang="zh-CN" altLang="en-US" sz="2400" dirty="0">
-                  <a:solidFill>
-                    <a:prstClr val="white"/>
-                  </a:solidFill>
-                  <a:latin typeface="+mn-ea"/>
-                </a:rPr>
-                <a:t>连接操作</a:t>
-              </a:r>
-              <a:endParaRPr lang="zh-CN" altLang="en-US" sz="2400" dirty="0">
-                <a:solidFill>
-                  <a:prstClr val="white"/>
-                </a:solidFill>
-                <a:latin typeface="+mn-ea"/>
-              </a:endParaRPr>
-            </a:p>
-          </p:txBody>
-        </p:sp>
-        <p:cxnSp>
-          <p:nvCxnSpPr>
-            <p:cNvPr id="40" name="直线连接符 5"/>
-            <p:cNvCxnSpPr/>
-            <p:nvPr/>
-          </p:nvCxnSpPr>
-          <p:spPr>
-            <a:xfrm>
-              <a:off x="1007305" y="1752432"/>
-              <a:ext cx="3742116" cy="0"/>
-            </a:xfrm>
-            <a:prstGeom prst="line">
-              <a:avLst/>
-            </a:prstGeom>
-            <a:ln>
-              <a:solidFill>
-                <a:schemeClr val="bg1"/>
-              </a:solidFill>
-              <a:headEnd type="oval"/>
-              <a:tailEnd type="oval"/>
-            </a:ln>
-          </p:spPr>
-          <p:style>
-            <a:lnRef idx="1">
-              <a:schemeClr val="accent1"/>
-            </a:lnRef>
-            <a:fillRef idx="0">
-              <a:schemeClr val="accent1"/>
-            </a:fillRef>
-            <a:effectRef idx="0">
-              <a:schemeClr val="accent1"/>
-            </a:effectRef>
-            <a:fontRef idx="minor">
-              <a:schemeClr val="tx1"/>
-            </a:fontRef>
-          </p:style>
-        </p:cxnSp>
-      </p:grpSp>
-      <p:sp>
-        <p:nvSpPr>
-          <p:cNvPr id="3" name="文本框 2">
-            <a:extLst>
-              <a:ext uri="{FF2B5EF4-FFF2-40B4-BE49-F238E27FC236}">
-                <a16:creationId xmlns:a16="http://schemas.microsoft.com/office/drawing/2014/main" xmlns="" id="{2FBE2898-929C-3249-AA82-5E20134B90A6}"/>
-              </a:ext>
-            </a:extLst>
-          </p:cNvPr>
-          <p:cNvSpPr txBox="1"/>
-          <p:nvPr/>
-        </p:nvSpPr>
-        <p:spPr>
-          <a:xfrm>
-            <a:off x="901786" y="1671613"/>
-            <a:ext cx="10572463" cy="3693319"/>
-          </a:xfrm>
-          <a:prstGeom prst="rect">
-            <a:avLst/>
-          </a:prstGeom>
-          <a:noFill/>
-        </p:spPr>
-        <p:txBody>
-          <a:bodyPr wrap="none" rtlCol="0">
-            <a:spAutoFit/>
-          </a:bodyPr>
-          <a:lstStyle/>
-          <a:p>
-            <a:r>
-              <a:rPr lang="en-US" altLang="zh-CN" dirty="0">
-                <a:solidFill>
-                  <a:schemeClr val="bg1"/>
-                </a:solidFill>
-              </a:rPr>
-              <a:t>DataFrame</a:t>
-            </a:r>
-            <a:r>
-              <a:rPr lang="zh-CN" altLang="en-US" dirty="0">
-                <a:solidFill>
-                  <a:schemeClr val="bg1"/>
-                </a:solidFill>
-              </a:rPr>
-              <a:t>的连接操作</a:t>
-            </a:r>
-          </a:p>
-          <a:p>
-            <a:r>
-              <a:rPr lang="zh-CN" altLang="en-US" dirty="0">
-                <a:solidFill>
-                  <a:schemeClr val="bg1"/>
-                </a:solidFill>
-              </a:rPr>
-              <a:t>在传统数据库中，连接一般将一个事务表与另一个查找表连接，以生成更完整的视图。</a:t>
-            </a:r>
-          </a:p>
-          <a:p>
-            <a:r>
-              <a:rPr lang="zh-CN" altLang="en-US" dirty="0">
-                <a:solidFill>
-                  <a:schemeClr val="bg1"/>
-                </a:solidFill>
-              </a:rPr>
-              <a:t>连接的内部工作机制。</a:t>
-            </a:r>
-          </a:p>
-          <a:p>
-            <a:r>
-              <a:rPr lang="zh-CN" altLang="en-US" dirty="0">
-                <a:solidFill>
-                  <a:schemeClr val="bg1"/>
-                </a:solidFill>
-              </a:rPr>
-              <a:t>利用多个连接器对</a:t>
-            </a:r>
-            <a:r>
-              <a:rPr lang="en-US" altLang="zh-CN" dirty="0">
-                <a:solidFill>
-                  <a:schemeClr val="bg1"/>
-                </a:solidFill>
-              </a:rPr>
-              <a:t>DataFrame</a:t>
-            </a:r>
-            <a:r>
-              <a:rPr lang="zh-CN" altLang="en-US" dirty="0">
-                <a:solidFill>
-                  <a:schemeClr val="bg1"/>
-                </a:solidFill>
-              </a:rPr>
-              <a:t>分区进行操作。当然连接操作的速度取决于数据集的大小和连接的类型。</a:t>
-            </a:r>
-          </a:p>
-          <a:p>
-            <a:r>
-              <a:rPr lang="zh-CN" altLang="en-US" dirty="0">
-                <a:solidFill>
-                  <a:schemeClr val="bg1"/>
-                </a:solidFill>
-              </a:rPr>
-              <a:t>连接类型</a:t>
-            </a:r>
-          </a:p>
-          <a:p>
-            <a:r>
-              <a:rPr lang="zh-CN" altLang="en-US" dirty="0">
-                <a:solidFill>
-                  <a:schemeClr val="bg1"/>
-                </a:solidFill>
-              </a:rPr>
-              <a:t>内连接</a:t>
-            </a:r>
-          </a:p>
-          <a:p>
-            <a:r>
-              <a:rPr lang="zh-CN" altLang="en-US" dirty="0">
-                <a:solidFill>
-                  <a:schemeClr val="bg1"/>
-                </a:solidFill>
-              </a:rPr>
-              <a:t>外连接、全连接</a:t>
-            </a:r>
-          </a:p>
-          <a:p>
-            <a:r>
-              <a:rPr lang="zh-CN" altLang="en-US" dirty="0">
-                <a:solidFill>
-                  <a:schemeClr val="bg1"/>
-                </a:solidFill>
-              </a:rPr>
-              <a:t>左连接、左外连接</a:t>
-            </a:r>
-          </a:p>
-          <a:p>
-            <a:r>
-              <a:rPr lang="zh-CN" altLang="en-US" dirty="0">
-                <a:solidFill>
-                  <a:schemeClr val="bg1"/>
-                </a:solidFill>
-              </a:rPr>
-              <a:t>右连接、右外连接</a:t>
-            </a:r>
-          </a:p>
-          <a:p>
-            <a:r>
-              <a:rPr lang="zh-CN" altLang="en-US" dirty="0">
-                <a:solidFill>
-                  <a:schemeClr val="bg1"/>
-                </a:solidFill>
-              </a:rPr>
-              <a:t>内连接</a:t>
-            </a:r>
-          </a:p>
-          <a:p>
-            <a:r>
-              <a:rPr lang="zh-CN" altLang="en-US" dirty="0">
-                <a:solidFill>
-                  <a:schemeClr val="bg1"/>
-                </a:solidFill>
-              </a:rPr>
-              <a:t>左外连接</a:t>
-            </a:r>
-          </a:p>
-          <a:p>
-            <a:r>
-              <a:rPr lang="zh-CN" altLang="en-US" dirty="0">
-                <a:solidFill>
-                  <a:schemeClr val="bg1"/>
-                </a:solidFill>
-              </a:rPr>
-              <a:t>右外连接</a:t>
-            </a:r>
-          </a:p>
-          <a:p>
-            <a:r>
-              <a:rPr lang="zh-CN" altLang="en-US" dirty="0">
-                <a:solidFill>
-                  <a:schemeClr val="bg1"/>
-                </a:solidFill>
-              </a:rPr>
-              <a:t>全连接</a:t>
-            </a:r>
-          </a:p>
-        </p:txBody>
-      </p:sp>
-    </p:spTree>
-    <p:extLst>
-      <p:ext uri="{BB962C8B-B14F-4D97-AF65-F5344CB8AC3E}">
-        <p14:creationId xmlns:p14="http://schemas.microsoft.com/office/powerpoint/2010/main" val="4095466596"/>
-      </p:ext>
-    </p:extLst>
-  </p:cSld>
-  <p:clrMapOvr>
-    <a:masterClrMapping/>
-  </p:clrMapOvr>
-  <p:transition xmlns:p14="http://schemas.microsoft.com/office/powerpoint/2010/main" spd="med" advClick="0" advTm="1000">
+  <p:transition spd="med" advClick="0" advTm="1000">
     <p:fade/>
   </p:transition>
 </p:sld>
@@ -9179,14 +9305,8 @@
                   </a:solidFill>
                   <a:latin typeface="+mn-ea"/>
                 </a:rPr>
-                <a:t>内连接</a:t>
+                <a:t>连接操作</a:t>
               </a:r>
-              <a:endParaRPr lang="zh-CN" altLang="en-US" sz="2400" dirty="0">
-                <a:solidFill>
-                  <a:prstClr val="white"/>
-                </a:solidFill>
-                <a:latin typeface="+mn-ea"/>
-              </a:endParaRPr>
             </a:p>
           </p:txBody>
         </p:sp>
@@ -9230,14 +9350,20 @@
       </p:grpSp>
       <p:sp>
         <p:nvSpPr>
-          <p:cNvPr id="4" name="文本框 3"/>
+          <p:cNvPr id="3" name="文本框 2">
+            <a:extLst>
+              <a:ext uri="{FF2B5EF4-FFF2-40B4-BE49-F238E27FC236}">
+                <a16:creationId xmlns:a16="http://schemas.microsoft.com/office/drawing/2014/main" id="{2FBE2898-929C-3249-AA82-5E20134B90A6}"/>
+              </a:ext>
+            </a:extLst>
+          </p:cNvPr>
           <p:cNvSpPr txBox="1"/>
           <p:nvPr/>
         </p:nvSpPr>
         <p:spPr>
           <a:xfrm>
-            <a:off x="800607" y="1698106"/>
-            <a:ext cx="8099105" cy="3139321"/>
+            <a:off x="901786" y="1671613"/>
+            <a:ext cx="10572463" cy="3693319"/>
           </a:xfrm>
           <a:prstGeom prst="rect">
             <a:avLst/>
@@ -9251,9 +9377,83 @@
           <a:lstStyle/>
           <a:p>
             <a:r>
-              <a:rPr kumimoji="1" lang="zh-CN" altLang="en-US">
-                <a:solidFill>
-                  <a:srgbClr val="FFFFFF"/>
+              <a:rPr lang="en-US" altLang="zh-CN" dirty="0">
+                <a:solidFill>
+                  <a:schemeClr val="bg1"/>
+                </a:solidFill>
+              </a:rPr>
+              <a:t>DataFrame</a:t>
+            </a:r>
+            <a:r>
+              <a:rPr lang="zh-CN" altLang="en-US" dirty="0">
+                <a:solidFill>
+                  <a:schemeClr val="bg1"/>
+                </a:solidFill>
+              </a:rPr>
+              <a:t>的连接操作</a:t>
+            </a:r>
+          </a:p>
+          <a:p>
+            <a:r>
+              <a:rPr lang="zh-CN" altLang="en-US" dirty="0">
+                <a:solidFill>
+                  <a:schemeClr val="bg1"/>
+                </a:solidFill>
+              </a:rPr>
+              <a:t>在传统数据库中，连接一般将一个事务表与另一个查找表连接，以生成更完整的视图。</a:t>
+            </a:r>
+          </a:p>
+          <a:p>
+            <a:r>
+              <a:rPr lang="zh-CN" altLang="en-US" dirty="0">
+                <a:solidFill>
+                  <a:schemeClr val="bg1"/>
+                </a:solidFill>
+              </a:rPr>
+              <a:t>连接的内部工作机制。</a:t>
+            </a:r>
+          </a:p>
+          <a:p>
+            <a:r>
+              <a:rPr lang="zh-CN" altLang="en-US" dirty="0">
+                <a:solidFill>
+                  <a:schemeClr val="bg1"/>
+                </a:solidFill>
+              </a:rPr>
+              <a:t>利用多个连接器对</a:t>
+            </a:r>
+            <a:r>
+              <a:rPr lang="en-US" altLang="zh-CN" dirty="0">
+                <a:solidFill>
+                  <a:schemeClr val="bg1"/>
+                </a:solidFill>
+              </a:rPr>
+              <a:t>DataFrame</a:t>
+            </a:r>
+            <a:r>
+              <a:rPr lang="zh-CN" altLang="en-US" dirty="0">
+                <a:solidFill>
+                  <a:schemeClr val="bg1"/>
+                </a:solidFill>
+              </a:rPr>
+              <a:t>分区进行操作。当然连接操作的速度取决于数据集的大小和连接的类型。</a:t>
+            </a:r>
+          </a:p>
+          <a:p>
+            <a:r>
+              <a:rPr lang="zh-CN" altLang="en-US" dirty="0">
+                <a:solidFill>
+                  <a:schemeClr val="bg1"/>
+                </a:solidFill>
+              </a:rPr>
+              <a:t>连接类型</a:t>
+            </a:r>
+          </a:p>
+          <a:p>
+            <a:r>
+              <a:rPr lang="zh-CN" altLang="en-US" dirty="0">
+                <a:solidFill>
+                  <a:schemeClr val="bg1"/>
                 </a:solidFill>
               </a:rPr>
               <a:t>内连接</a:t>
@@ -9261,172 +9461,87 @@
           </a:p>
           <a:p>
             <a:r>
-              <a:rPr kumimoji="1" lang="en-US" altLang="zh-CN">
-                <a:solidFill>
-                  <a:srgbClr val="FFFFFF"/>
-                </a:solidFill>
-              </a:rPr>
-              <a:t>val joinDF = statesPopulationDF.join(statesTaxRatesDF,</a:t>
-            </a:r>
-          </a:p>
-          <a:p>
-            <a:r>
-              <a:rPr kumimoji="1" lang="en-US" altLang="zh-CN">
-                <a:solidFill>
-                  <a:srgbClr val="FFFFFF"/>
-                </a:solidFill>
-              </a:rPr>
-              <a:t> statesPopulationDF("State") === statesTaxRatesDF("State"), "inner")</a:t>
-            </a:r>
-          </a:p>
-          <a:p>
-            <a:endParaRPr kumimoji="1" lang="en-US" altLang="zh-CN">
-              <a:solidFill>
-                <a:srgbClr val="FFFFFF"/>
-              </a:solidFill>
-            </a:endParaRPr>
-          </a:p>
-          <a:p>
-            <a:r>
-              <a:rPr kumimoji="1" lang="zh-CN" altLang="en-US">
-                <a:solidFill>
-                  <a:srgbClr val="FFFFFF"/>
-                </a:solidFill>
-              </a:rPr>
-              <a:t>执行</a:t>
-            </a:r>
-            <a:r>
-              <a:rPr kumimoji="1" lang="en-US" altLang="zh-CN">
-                <a:solidFill>
-                  <a:srgbClr val="FFFFFF"/>
-                </a:solidFill>
-              </a:rPr>
-              <a:t>Spark</a:t>
-            </a:r>
-            <a:r>
-              <a:rPr kumimoji="1" lang="zh-CN" altLang="en-US">
-                <a:solidFill>
-                  <a:srgbClr val="FFFFFF"/>
-                </a:solidFill>
-              </a:rPr>
-              <a:t> </a:t>
-            </a:r>
-            <a:r>
-              <a:rPr kumimoji="1" lang="en-US" altLang="zh-CN">
-                <a:solidFill>
-                  <a:srgbClr val="FFFFFF"/>
-                </a:solidFill>
-              </a:rPr>
-              <a:t>SQL</a:t>
-            </a:r>
-            <a:endParaRPr kumimoji="1" lang="en-US" altLang="zh-CN">
-              <a:solidFill>
-                <a:srgbClr val="FFFFFF"/>
-              </a:solidFill>
-            </a:endParaRPr>
-          </a:p>
-          <a:p>
-            <a:r>
-              <a:rPr kumimoji="1" lang="en-US" altLang="zh-CN">
-                <a:solidFill>
-                  <a:srgbClr val="FFFFFF"/>
-                </a:solidFill>
-              </a:rPr>
-              <a:t> val joinDF = spark.sql("SELECT * FROM statesPopulationDF INNER JOIN</a:t>
-            </a:r>
-          </a:p>
-          <a:p>
-            <a:r>
-              <a:rPr kumimoji="1" lang="en-US" altLang="zh-CN">
-                <a:solidFill>
-                  <a:srgbClr val="FFFFFF"/>
-                </a:solidFill>
-              </a:rPr>
-              <a:t> statesTaxRatesDF ON statesPopulationDF.State = statesTaxRatesDF.State")</a:t>
-            </a:r>
-          </a:p>
-          <a:p>
-            <a:r>
-              <a:rPr kumimoji="1" lang="en-US" altLang="zh-CN">
-                <a:solidFill>
-                  <a:srgbClr val="FFFFFF"/>
-                </a:solidFill>
-              </a:rPr>
-              <a:t>joinDF.count</a:t>
-            </a:r>
-          </a:p>
-          <a:p>
-            <a:r>
-              <a:rPr kumimoji="1" lang="en-US" altLang="zh-CN">
-                <a:solidFill>
-                  <a:srgbClr val="FFFFFF"/>
-                </a:solidFill>
-              </a:rPr>
-              <a:t>joinDF.show</a:t>
-            </a:r>
-          </a:p>
-          <a:p>
-            <a:r>
-              <a:rPr kumimoji="1" lang="en-US" altLang="zh-CN">
-                <a:solidFill>
-                  <a:srgbClr val="FFFFFF"/>
-                </a:solidFill>
-              </a:rPr>
-              <a:t>#</a:t>
-            </a:r>
-            <a:r>
-              <a:rPr kumimoji="1" lang="zh-CN" altLang="en-US">
-                <a:solidFill>
-                  <a:srgbClr val="FFFFFF"/>
-                </a:solidFill>
-              </a:rPr>
-              <a:t>查看</a:t>
-            </a:r>
-            <a:r>
-              <a:rPr kumimoji="1" lang="en-US" altLang="zh-CN">
-                <a:solidFill>
-                  <a:srgbClr val="FFFFFF"/>
-                </a:solidFill>
-              </a:rPr>
-              <a:t>joinDF</a:t>
-            </a:r>
-            <a:r>
-              <a:rPr kumimoji="1" lang="zh-CN" altLang="en-US">
-                <a:solidFill>
-                  <a:srgbClr val="FFFFFF"/>
-                </a:solidFill>
-              </a:rPr>
-              <a:t>的执行计划</a:t>
-            </a:r>
-          </a:p>
-          <a:p>
-            <a:r>
-              <a:rPr kumimoji="1" lang="en-US" altLang="zh-CN">
-                <a:solidFill>
-                  <a:srgbClr val="FFFFFF"/>
-                </a:solidFill>
-              </a:rPr>
-              <a:t>joinDF.explain</a:t>
-            </a:r>
-            <a:endParaRPr kumimoji="1" lang="zh-CN" altLang="en-US">
-              <a:solidFill>
-                <a:srgbClr val="FFFFFF"/>
-              </a:solidFill>
-            </a:endParaRPr>
+              <a:rPr lang="zh-CN" altLang="en-US" dirty="0">
+                <a:solidFill>
+                  <a:schemeClr val="bg1"/>
+                </a:solidFill>
+              </a:rPr>
+              <a:t>外连接、全连接</a:t>
+            </a:r>
+          </a:p>
+          <a:p>
+            <a:r>
+              <a:rPr lang="zh-CN" altLang="en-US" dirty="0">
+                <a:solidFill>
+                  <a:schemeClr val="bg1"/>
+                </a:solidFill>
+              </a:rPr>
+              <a:t>左连接、左外连接</a:t>
+            </a:r>
+          </a:p>
+          <a:p>
+            <a:r>
+              <a:rPr lang="zh-CN" altLang="en-US" dirty="0">
+                <a:solidFill>
+                  <a:schemeClr val="bg1"/>
+                </a:solidFill>
+              </a:rPr>
+              <a:t>右连接、右外连接</a:t>
+            </a:r>
+          </a:p>
+          <a:p>
+            <a:r>
+              <a:rPr lang="zh-CN" altLang="en-US" dirty="0">
+                <a:solidFill>
+                  <a:schemeClr val="bg1"/>
+                </a:solidFill>
+              </a:rPr>
+              <a:t>内连接</a:t>
+            </a:r>
+          </a:p>
+          <a:p>
+            <a:r>
+              <a:rPr lang="zh-CN" altLang="en-US" dirty="0">
+                <a:solidFill>
+                  <a:schemeClr val="bg1"/>
+                </a:solidFill>
+              </a:rPr>
+              <a:t>左外连接</a:t>
+            </a:r>
+          </a:p>
+          <a:p>
+            <a:r>
+              <a:rPr lang="zh-CN" altLang="en-US" dirty="0">
+                <a:solidFill>
+                  <a:schemeClr val="bg1"/>
+                </a:solidFill>
+              </a:rPr>
+              <a:t>右外连接</a:t>
+            </a:r>
+          </a:p>
+          <a:p>
+            <a:r>
+              <a:rPr lang="zh-CN" altLang="en-US" dirty="0">
+                <a:solidFill>
+                  <a:schemeClr val="bg1"/>
+                </a:solidFill>
+              </a:rPr>
+              <a:t>全连接</a:t>
+            </a:r>
           </a:p>
         </p:txBody>
       </p:sp>
     </p:spTree>
     <p:extLst>
       <p:ext uri="{BB962C8B-B14F-4D97-AF65-F5344CB8AC3E}">
-        <p14:creationId xmlns:p14="http://schemas.microsoft.com/office/powerpoint/2010/main" val="774909449"/>
+        <p14:creationId xmlns:p14="http://schemas.microsoft.com/office/powerpoint/2010/main" val="4095466596"/>
       </p:ext>
     </p:extLst>
   </p:cSld>
   <p:clrMapOvr>
     <a:masterClrMapping/>
   </p:clrMapOvr>
-  <p:transition xmlns:p14="http://schemas.microsoft.com/office/powerpoint/2010/main" spd="med" advClick="0" advTm="1000">
+  <p:transition spd="med" advClick="0" advTm="1000">
     <p:fade/>
   </p:transition>
 </p:sld>
@@ -9492,14 +9607,8 @@
                   </a:solidFill>
                   <a:latin typeface="+mn-ea"/>
                 </a:rPr>
-                <a:t>左外连接</a:t>
+                <a:t>内连接</a:t>
               </a:r>
-              <a:endParaRPr lang="zh-CN" altLang="en-US" sz="2400" dirty="0">
-                <a:solidFill>
-                  <a:prstClr val="white"/>
-                </a:solidFill>
-                <a:latin typeface="+mn-ea"/>
-              </a:endParaRPr>
             </a:p>
           </p:txBody>
         </p:sp>
@@ -9543,14 +9652,14 @@
       </p:grpSp>
       <p:sp>
         <p:nvSpPr>
-          <p:cNvPr id="3" name="文本框 2"/>
+          <p:cNvPr id="4" name="文本框 3"/>
           <p:cNvSpPr txBox="1"/>
           <p:nvPr/>
         </p:nvSpPr>
         <p:spPr>
           <a:xfrm>
-            <a:off x="1021464" y="2084666"/>
-            <a:ext cx="8589736" cy="1754327"/>
+            <a:off x="800607" y="1698106"/>
+            <a:ext cx="8099105" cy="3139321"/>
           </a:xfrm>
           <a:prstGeom prst="rect">
             <a:avLst/>
@@ -9564,6 +9673,16 @@
           <a:lstStyle/>
           <a:p>
             <a:r>
+              <a:rPr kumimoji="1" lang="zh-CN" altLang="en-US">
+                <a:solidFill>
+                  <a:srgbClr val="FFFFFF"/>
+                </a:solidFill>
+              </a:rPr>
+              <a:t>内连接</a:t>
+            </a:r>
+          </a:p>
+          <a:p>
+            <a:r>
               <a:rPr kumimoji="1" lang="en-US" altLang="zh-CN">
                 <a:solidFill>
                   <a:srgbClr val="FFFFFF"/>
@@ -9579,8 +9698,15 @@
                   <a:srgbClr val="FFFFFF"/>
                 </a:solidFill>
               </a:rPr>
-              <a:t> statesPopulationDF("State") === statesTaxRatesDF("State"), "leftouter")</a:t>
-            </a:r>
+              <a:t> statesPopulationDF("State") === statesTaxRatesDF("State"), "inner")</a:t>
+            </a:r>
+          </a:p>
+          <a:p>
+            <a:endParaRPr kumimoji="1" lang="en-US" altLang="zh-CN">
+              <a:solidFill>
+                <a:srgbClr val="FFFFFF"/>
+              </a:solidFill>
+            </a:endParaRPr>
           </a:p>
           <a:p>
             <a:r>
@@ -9597,17 +9723,23 @@
                   <a:srgbClr val="FFFFFF"/>
                 </a:solidFill>
               </a:rPr>
-              <a:t>Spark SQL</a:t>
-            </a:r>
-          </a:p>
-          <a:p>
+              <a:t>Spark</a:t>
+            </a:r>
+            <a:r>
+              <a:rPr kumimoji="1" lang="zh-CN" altLang="en-US">
+                <a:solidFill>
+                  <a:srgbClr val="FFFFFF"/>
+                </a:solidFill>
+              </a:rPr>
+              <a:t> </a:t>
+            </a:r>
             <a:r>
               <a:rPr kumimoji="1" lang="en-US" altLang="zh-CN">
                 <a:solidFill>
                   <a:srgbClr val="FFFFFF"/>
                 </a:solidFill>
               </a:rPr>
-              <a:t> val joinDF = spark.sql("SELECT * FROM statesPopulationDF LEFT OUTER JOIN</a:t>
+              <a:t>SQL</a:t>
             </a:r>
           </a:p>
           <a:p>
@@ -9617,7 +9749,7 @@
                   <a:srgbClr val="FFFFFF"/>
                 </a:solidFill>
               </a:rPr>
-              <a:t>statesTaxRatesDF ON statesPopulationDF.State = statesTaxRatesDF.State")</a:t>
+              <a:t> val joinDF = spark.sql("SELECT * FROM statesPopulationDF INNER JOIN</a:t>
             </a:r>
           </a:p>
           <a:p>
@@ -9627,7 +9759,71 @@
                   <a:srgbClr val="FFFFFF"/>
                 </a:solidFill>
               </a:rPr>
+              <a:t> statesTaxRatesDF ON statesPopulationDF.State = statesTaxRatesDF.State")</a:t>
+            </a:r>
+          </a:p>
+          <a:p>
+            <a:r>
+              <a:rPr kumimoji="1" lang="en-US" altLang="zh-CN">
+                <a:solidFill>
+                  <a:srgbClr val="FFFFFF"/>
+                </a:solidFill>
+              </a:rPr>
               <a:t>joinDF.count</a:t>
+            </a:r>
+          </a:p>
+          <a:p>
+            <a:r>
+              <a:rPr kumimoji="1" lang="en-US" altLang="zh-CN">
+                <a:solidFill>
+                  <a:srgbClr val="FFFFFF"/>
+                </a:solidFill>
+              </a:rPr>
+              <a:t>joinDF.show</a:t>
+            </a:r>
+          </a:p>
+          <a:p>
+            <a:r>
+              <a:rPr kumimoji="1" lang="en-US" altLang="zh-CN">
+                <a:solidFill>
+                  <a:srgbClr val="FFFFFF"/>
+                </a:solidFill>
+              </a:rPr>
+              <a:t>#</a:t>
+            </a:r>
+            <a:r>
+              <a:rPr kumimoji="1" lang="zh-CN" altLang="en-US">
+                <a:solidFill>
+                  <a:srgbClr val="FFFFFF"/>
+                </a:solidFill>
+              </a:rPr>
+              <a:t>查看</a:t>
+            </a:r>
+            <a:r>
+              <a:rPr kumimoji="1" lang="en-US" altLang="zh-CN">
+                <a:solidFill>
+                  <a:srgbClr val="FFFFFF"/>
+                </a:solidFill>
+              </a:rPr>
+              <a:t>joinDF</a:t>
+            </a:r>
+            <a:r>
+              <a:rPr kumimoji="1" lang="zh-CN" altLang="en-US">
+                <a:solidFill>
+                  <a:srgbClr val="FFFFFF"/>
+                </a:solidFill>
+              </a:rPr>
+              <a:t>的执行计划</a:t>
+            </a:r>
+          </a:p>
+          <a:p>
+            <a:r>
+              <a:rPr kumimoji="1" lang="en-US" altLang="zh-CN">
+                <a:solidFill>
+                  <a:srgbClr val="FFFFFF"/>
+                </a:solidFill>
+              </a:rPr>
+              <a:t>joinDF.explain</a:t>
             </a:r>
             <a:endParaRPr kumimoji="1" lang="zh-CN" altLang="en-US">
               <a:solidFill>
@@ -9640,14 +9836,14 @@
     </p:spTree>
     <p:extLst>
       <p:ext uri="{BB962C8B-B14F-4D97-AF65-F5344CB8AC3E}">
-        <p14:creationId xmlns:p14="http://schemas.microsoft.com/office/powerpoint/2010/main" val="89079506"/>
+        <p14:creationId xmlns:p14="http://schemas.microsoft.com/office/powerpoint/2010/main" val="774909449"/>
       </p:ext>
     </p:extLst>
   </p:cSld>
   <p:clrMapOvr>
     <a:masterClrMapping/>
   </p:clrMapOvr>
-  <p:transition xmlns:p14="http://schemas.microsoft.com/office/powerpoint/2010/main" spd="med" advClick="0" advTm="1000">
+  <p:transition spd="med" advClick="0" advTm="1000">
     <p:fade/>
   </p:transition>
 </p:sld>
@@ -9713,14 +9909,8 @@
                   </a:solidFill>
                   <a:latin typeface="+mn-ea"/>
                 </a:rPr>
-                <a:t>右外连接</a:t>
+                <a:t>左外连接</a:t>
               </a:r>
-              <a:endParaRPr lang="zh-CN" altLang="en-US" sz="2400" dirty="0">
-                <a:solidFill>
-                  <a:prstClr val="white"/>
-                </a:solidFill>
-                <a:latin typeface="+mn-ea"/>
-              </a:endParaRPr>
             </a:p>
           </p:txBody>
         </p:sp>
@@ -9764,14 +9954,14 @@
       </p:grpSp>
       <p:sp>
         <p:nvSpPr>
-          <p:cNvPr id="4" name="文本框 3"/>
+          <p:cNvPr id="3" name="文本框 2"/>
           <p:cNvSpPr txBox="1"/>
           <p:nvPr/>
         </p:nvSpPr>
         <p:spPr>
           <a:xfrm>
-            <a:off x="911036" y="1877580"/>
-            <a:ext cx="8743475" cy="2031325"/>
+            <a:off x="1021464" y="2084666"/>
+            <a:ext cx="8589736" cy="1754327"/>
           </a:xfrm>
           <a:prstGeom prst="rect">
             <a:avLst/>
@@ -9800,7 +9990,7 @@
                   <a:srgbClr val="FFFFFF"/>
                 </a:solidFill>
               </a:rPr>
-              <a:t> statesPopulationDF("State") === statesTaxRatesDF("State"), "rightouter")</a:t>
+              <a:t> statesPopulationDF("State") === statesTaxRatesDF("State"), "leftouter")</a:t>
             </a:r>
           </a:p>
           <a:p>
@@ -9828,7 +10018,7 @@
                   <a:srgbClr val="FFFFFF"/>
                 </a:solidFill>
               </a:rPr>
-              <a:t> val joinDF = spark.sql("SELECT * FROM statesPopulationDF RIGHT OUTER JOIN</a:t>
+              <a:t> val joinDF = spark.sql("SELECT * FROM statesPopulationDF LEFT OUTER JOIN</a:t>
             </a:r>
           </a:p>
           <a:p>
@@ -9838,7 +10028,7 @@
                   <a:srgbClr val="FFFFFF"/>
                 </a:solidFill>
               </a:rPr>
-              <a:t> statesTaxRatesDF ON statesPopulationDF.State = statesTaxRatesDF.State")</a:t>
+              <a:t>statesTaxRatesDF ON statesPopulationDF.State = statesTaxRatesDF.State")</a:t>
             </a:r>
           </a:p>
           <a:p>
@@ -9849,16 +10039,6 @@
                 </a:solidFill>
               </a:rPr>
               <a:t>joinDF.count</a:t>
-            </a:r>
-          </a:p>
-          <a:p>
-            <a:r>
-              <a:rPr kumimoji="1" lang="en-US" altLang="zh-CN">
-                <a:solidFill>
-                  <a:srgbClr val="FFFFFF"/>
-                </a:solidFill>
-              </a:rPr>
-              <a:t>joinDF.show</a:t>
             </a:r>
             <a:endParaRPr kumimoji="1" lang="zh-CN" altLang="en-US">
               <a:solidFill>
@@ -9878,7 +10058,7 @@
   <p:clrMapOvr>
     <a:masterClrMapping/>
   </p:clrMapOvr>
-  <p:transition xmlns:p14="http://schemas.microsoft.com/office/powerpoint/2010/main" spd="med" advClick="0" advTm="1000">
+  <p:transition spd="med" advClick="0" advTm="1000">
     <p:fade/>
   </p:transition>
 </p:sld>
@@ -13445,13 +13625,6 @@
                 </a:rPr>
                 <a:t>的概念</a:t>
               </a:r>
-              <a:endParaRPr lang="zh-CN" altLang="en-US" sz="2400" b="1" dirty="0">
-                <a:solidFill>
-                  <a:schemeClr val="bg1"/>
-                </a:solidFill>
-                <a:latin typeface="微软雅黑" panose="020B0503020204020204" pitchFamily="34" charset="-122"/>
-                <a:ea typeface="微软雅黑" panose="020B0503020204020204" pitchFamily="34" charset="-122"/>
-              </a:endParaRPr>
             </a:p>
           </p:txBody>
         </p:sp>
@@ -13591,7 +13764,7 @@
           <p:cNvPr id="103" name="椭圆 102">
             <a:extLst>
               <a:ext uri="{FF2B5EF4-FFF2-40B4-BE49-F238E27FC236}">
-                <a16:creationId xmlns:a16="http://schemas.microsoft.com/office/drawing/2014/main" xmlns="" id="{D96E7E03-C567-A74E-9ECC-5E9306B65724}"/>
+                <a16:creationId xmlns:a16="http://schemas.microsoft.com/office/drawing/2014/main" id="{D96E7E03-C567-A74E-9ECC-5E9306B65724}"/>
               </a:ext>
             </a:extLst>
           </p:cNvPr>
@@ -13667,7 +13840,7 @@
           <p:cNvPr id="106" name="椭圆 105">
             <a:extLst>
               <a:ext uri="{FF2B5EF4-FFF2-40B4-BE49-F238E27FC236}">
-                <a16:creationId xmlns:a16="http://schemas.microsoft.com/office/drawing/2014/main" xmlns="" id="{EA33DAE6-0C9C-234D-AD5B-69432AB71103}"/>
+                <a16:creationId xmlns:a16="http://schemas.microsoft.com/office/drawing/2014/main" id="{EA33DAE6-0C9C-234D-AD5B-69432AB71103}"/>
               </a:ext>
             </a:extLst>
           </p:cNvPr>
@@ -13743,7 +13916,7 @@
           <p:cNvPr id="112" name="组合 111">
             <a:extLst>
               <a:ext uri="{FF2B5EF4-FFF2-40B4-BE49-F238E27FC236}">
-                <a16:creationId xmlns:a16="http://schemas.microsoft.com/office/drawing/2014/main" xmlns="" id="{90112C03-6C47-A44B-8DCA-D875C087286E}"/>
+                <a16:creationId xmlns:a16="http://schemas.microsoft.com/office/drawing/2014/main" id="{90112C03-6C47-A44B-8DCA-D875C087286E}"/>
               </a:ext>
             </a:extLst>
           </p:cNvPr>
@@ -13763,7 +13936,7 @@
             <p:cNvPr id="119" name="矩形 118">
               <a:extLst>
                 <a:ext uri="{FF2B5EF4-FFF2-40B4-BE49-F238E27FC236}">
-                  <a16:creationId xmlns:a16="http://schemas.microsoft.com/office/drawing/2014/main" xmlns="" id="{FA2FD451-E459-7C41-9853-04461289D502}"/>
+                  <a16:creationId xmlns:a16="http://schemas.microsoft.com/office/drawing/2014/main" id="{FA2FD451-E459-7C41-9853-04461289D502}"/>
                 </a:ext>
               </a:extLst>
             </p:cNvPr>
@@ -13818,7 +13991,7 @@
             <p:cNvPr id="120" name="文本框 119">
               <a:extLst>
                 <a:ext uri="{FF2B5EF4-FFF2-40B4-BE49-F238E27FC236}">
-                  <a16:creationId xmlns:a16="http://schemas.microsoft.com/office/drawing/2014/main" xmlns="" id="{EDA182E2-4EF7-504F-A3A0-2C841D0F57CC}"/>
+                  <a16:creationId xmlns:a16="http://schemas.microsoft.com/office/drawing/2014/main" id="{EDA182E2-4EF7-504F-A3A0-2C841D0F57CC}"/>
                 </a:ext>
               </a:extLst>
             </p:cNvPr>
@@ -13901,7 +14074,7 @@
           <p:cNvPr id="121" name="组合 120">
             <a:extLst>
               <a:ext uri="{FF2B5EF4-FFF2-40B4-BE49-F238E27FC236}">
-                <a16:creationId xmlns:a16="http://schemas.microsoft.com/office/drawing/2014/main" xmlns="" id="{1F0BA7F7-01BA-3B41-B9BA-D76FCE3B6071}"/>
+                <a16:creationId xmlns:a16="http://schemas.microsoft.com/office/drawing/2014/main" id="{1F0BA7F7-01BA-3B41-B9BA-D76FCE3B6071}"/>
               </a:ext>
             </a:extLst>
           </p:cNvPr>
@@ -13921,7 +14094,7 @@
             <p:cNvPr id="122" name="矩形 121">
               <a:extLst>
                 <a:ext uri="{FF2B5EF4-FFF2-40B4-BE49-F238E27FC236}">
-                  <a16:creationId xmlns:a16="http://schemas.microsoft.com/office/drawing/2014/main" xmlns="" id="{141D0133-8692-9649-A273-7A02A2B74EC3}"/>
+                  <a16:creationId xmlns:a16="http://schemas.microsoft.com/office/drawing/2014/main" id="{141D0133-8692-9649-A273-7A02A2B74EC3}"/>
                 </a:ext>
               </a:extLst>
             </p:cNvPr>
@@ -13976,7 +14149,7 @@
             <p:cNvPr id="131" name="文本框 130">
               <a:extLst>
                 <a:ext uri="{FF2B5EF4-FFF2-40B4-BE49-F238E27FC236}">
-                  <a16:creationId xmlns:a16="http://schemas.microsoft.com/office/drawing/2014/main" xmlns="" id="{C513544E-A3E4-104E-8E3A-C0B6B2E07EF0}"/>
+                  <a16:creationId xmlns:a16="http://schemas.microsoft.com/office/drawing/2014/main" id="{C513544E-A3E4-104E-8E3A-C0B6B2E07EF0}"/>
                 </a:ext>
               </a:extLst>
             </p:cNvPr>
@@ -14027,6 +14200,220 @@
           </p:txBody>
         </p:sp>
       </p:grpSp>
+      <p:sp>
+        <p:nvSpPr>
+          <p:cNvPr id="89" name="椭圆 88">
+            <a:extLst>
+              <a:ext uri="{FF2B5EF4-FFF2-40B4-BE49-F238E27FC236}">
+                <a16:creationId xmlns:a16="http://schemas.microsoft.com/office/drawing/2014/main" id="{128343E6-361E-C94E-A7DB-587A728DD84A}"/>
+              </a:ext>
+            </a:extLst>
+          </p:cNvPr>
+          <p:cNvSpPr/>
+          <p:nvPr/>
+        </p:nvSpPr>
+        <p:spPr>
+          <a:xfrm>
+            <a:off x="6551555" y="1611054"/>
+            <a:ext cx="582666" cy="582666"/>
+          </a:xfrm>
+          <a:prstGeom prst="ellipse">
+            <a:avLst/>
+          </a:prstGeom>
+          <a:gradFill flip="none" rotWithShape="1">
+            <a:gsLst>
+              <a:gs pos="0">
+                <a:schemeClr val="bg1"/>
+              </a:gs>
+              <a:gs pos="50000">
+                <a:srgbClr val="FBFDFE">
+                  <a:alpha val="25000"/>
+                </a:srgbClr>
+              </a:gs>
+              <a:gs pos="100000">
+                <a:schemeClr val="bg1">
+                  <a:alpha val="0"/>
+                </a:schemeClr>
+              </a:gs>
+            </a:gsLst>
+            <a:path path="shape">
+              <a:fillToRect l="50000" t="50000" r="50000" b="50000"/>
+            </a:path>
+            <a:tileRect/>
+          </a:gradFill>
+          <a:ln>
+            <a:noFill/>
+          </a:ln>
+          <a:effectLst>
+            <a:softEdge rad="12700"/>
+          </a:effectLst>
+        </p:spPr>
+        <p:style>
+          <a:lnRef idx="2">
+            <a:schemeClr val="accent1">
+              <a:shade val="50000"/>
+            </a:schemeClr>
+          </a:lnRef>
+          <a:fillRef idx="1">
+            <a:schemeClr val="accent1"/>
+          </a:fillRef>
+          <a:effectRef idx="0">
+            <a:schemeClr val="accent1"/>
+          </a:effectRef>
+          <a:fontRef idx="minor">
+            <a:schemeClr val="lt1"/>
+          </a:fontRef>
+        </p:style>
+        <p:txBody>
+          <a:bodyPr rtlCol="0" anchor="ctr"/>
+          <a:lstStyle/>
+          <a:p>
+            <a:pPr algn="ctr"/>
+            <a:endParaRPr lang="zh-CN" altLang="en-US" sz="2700" dirty="0">
+              <a:latin typeface="微软雅黑" panose="020B0503020204020204" pitchFamily="34" charset="-122"/>
+              <a:ea typeface="微软雅黑" panose="020B0503020204020204" pitchFamily="34" charset="-122"/>
+            </a:endParaRPr>
+          </a:p>
+        </p:txBody>
+      </p:sp>
+      <p:grpSp>
+        <p:nvGrpSpPr>
+          <p:cNvPr id="92" name="组合 91">
+            <a:extLst>
+              <a:ext uri="{FF2B5EF4-FFF2-40B4-BE49-F238E27FC236}">
+                <a16:creationId xmlns:a16="http://schemas.microsoft.com/office/drawing/2014/main" id="{4BD5ADBC-866B-144C-8F14-289CB783DB8D}"/>
+              </a:ext>
+            </a:extLst>
+          </p:cNvPr>
+          <p:cNvGrpSpPr/>
+          <p:nvPr/>
+        </p:nvGrpSpPr>
+        <p:grpSpPr>
+          <a:xfrm>
+            <a:off x="7536277" y="1634508"/>
+            <a:ext cx="3481687" cy="495224"/>
+            <a:chOff x="8858444" y="2013481"/>
+            <a:chExt cx="2357190" cy="495300"/>
+          </a:xfrm>
+        </p:grpSpPr>
+        <p:sp>
+          <p:nvSpPr>
+            <p:cNvPr id="93" name="矩形 92">
+              <a:extLst>
+                <a:ext uri="{FF2B5EF4-FFF2-40B4-BE49-F238E27FC236}">
+                  <a16:creationId xmlns:a16="http://schemas.microsoft.com/office/drawing/2014/main" id="{502DE367-E976-504E-A0FA-FBB72C1D7E54}"/>
+                </a:ext>
+              </a:extLst>
+            </p:cNvPr>
+            <p:cNvSpPr/>
+            <p:nvPr/>
+          </p:nvSpPr>
+          <p:spPr>
+            <a:xfrm>
+              <a:off x="8858444" y="2013481"/>
+              <a:ext cx="2357190" cy="495300"/>
+            </a:xfrm>
+            <a:prstGeom prst="rect">
+              <a:avLst/>
+            </a:prstGeom>
+            <a:solidFill>
+              <a:schemeClr val="bg1">
+                <a:alpha val="20000"/>
+              </a:schemeClr>
+            </a:solidFill>
+            <a:ln>
+              <a:noFill/>
+            </a:ln>
+          </p:spPr>
+          <p:style>
+            <a:lnRef idx="2">
+              <a:schemeClr val="dk1"/>
+            </a:lnRef>
+            <a:fillRef idx="1">
+              <a:schemeClr val="lt1"/>
+            </a:fillRef>
+            <a:effectRef idx="0">
+              <a:schemeClr val="dk1"/>
+            </a:effectRef>
+            <a:fontRef idx="minor">
+              <a:schemeClr val="dk1"/>
+            </a:fontRef>
+          </p:style>
+          <p:txBody>
+            <a:bodyPr rtlCol="0" anchor="ctr"/>
+            <a:lstStyle/>
+            <a:p>
+              <a:pPr algn="ctr"/>
+              <a:endParaRPr lang="zh-CN" altLang="en-US" sz="2700" dirty="0">
+                <a:latin typeface="微软雅黑" panose="020B0503020204020204" pitchFamily="34" charset="-122"/>
+                <a:ea typeface="微软雅黑" panose="020B0503020204020204" pitchFamily="34" charset="-122"/>
+              </a:endParaRPr>
+            </a:p>
+          </p:txBody>
+        </p:sp>
+        <p:sp>
+          <p:nvSpPr>
+            <p:cNvPr id="94" name="文本框 93">
+              <a:extLst>
+                <a:ext uri="{FF2B5EF4-FFF2-40B4-BE49-F238E27FC236}">
+                  <a16:creationId xmlns:a16="http://schemas.microsoft.com/office/drawing/2014/main" id="{9A87E91B-A5FA-6642-81FB-BC0329719E4B}"/>
+                </a:ext>
+              </a:extLst>
+            </p:cNvPr>
+            <p:cNvSpPr txBox="1"/>
+            <p:nvPr/>
+          </p:nvSpPr>
+          <p:spPr>
+            <a:xfrm>
+              <a:off x="8870160" y="2038139"/>
+              <a:ext cx="2345474" cy="461736"/>
+            </a:xfrm>
+            <a:prstGeom prst="rect">
+              <a:avLst/>
+            </a:prstGeom>
+            <a:noFill/>
+            <a:ln>
+              <a:noFill/>
+            </a:ln>
+          </p:spPr>
+          <p:txBody>
+            <a:bodyPr wrap="square" rtlCol="0">
+              <a:spAutoFit/>
+            </a:bodyPr>
+            <a:lstStyle/>
+            <a:p>
+              <a:pPr algn="ctr"/>
+              <a:r>
+                <a:rPr lang="zh-CN" altLang="en-US" sz="2400" b="1" dirty="0">
+                  <a:solidFill>
+                    <a:schemeClr val="bg1"/>
+                  </a:solidFill>
+                  <a:latin typeface="微软雅黑" panose="020B0503020204020204" pitchFamily="34" charset="-122"/>
+                  <a:ea typeface="微软雅黑" panose="020B0503020204020204" pitchFamily="34" charset="-122"/>
+                </a:rPr>
+                <a:t>快速安装</a:t>
+              </a:r>
+              <a:r>
+                <a:rPr lang="en-US" altLang="zh-CN" sz="2400" b="1" dirty="0">
+                  <a:solidFill>
+                    <a:schemeClr val="bg1"/>
+                  </a:solidFill>
+                  <a:latin typeface="微软雅黑" panose="020B0503020204020204" pitchFamily="34" charset="-122"/>
+                  <a:ea typeface="微软雅黑" panose="020B0503020204020204" pitchFamily="34" charset="-122"/>
+                </a:rPr>
+                <a:t>Spark</a:t>
+              </a:r>
+              <a:endParaRPr lang="zh-CN" altLang="en-US" sz="2400" b="1" dirty="0">
+                <a:solidFill>
+                  <a:schemeClr val="bg1"/>
+                </a:solidFill>
+                <a:latin typeface="微软雅黑" panose="020B0503020204020204" pitchFamily="34" charset="-122"/>
+                <a:ea typeface="微软雅黑" panose="020B0503020204020204" pitchFamily="34" charset="-122"/>
+              </a:endParaRPr>
+            </a:p>
+          </p:txBody>
+        </p:sp>
+      </p:grpSp>
     </p:spTree>
     <p:extLst>
       <p:ext uri="{BB962C8B-B14F-4D97-AF65-F5344CB8AC3E}">
@@ -14037,13 +14424,13 @@
   <p:clrMapOvr>
     <a:masterClrMapping/>
   </p:clrMapOvr>
-  <p:transition xmlns:p14="http://schemas.microsoft.com/office/powerpoint/2010/main" spd="med" advClick="0" advTm="1000">
+  <p:transition spd="med" advClick="0" advTm="1000">
     <p:fade/>
   </p:transition>
   <p:timing>
     <p:tnLst>
       <p:par>
-        <p:cTn xmlns:p14="http://schemas.microsoft.com/office/powerpoint/2010/main" id="1" dur="indefinite" restart="never" nodeType="tmRoot">
+        <p:cTn id="1" dur="indefinite" restart="never" nodeType="tmRoot">
           <p:childTnLst>
             <p:seq concurrent="1" nextAc="seek">
               <p:cTn id="2" dur="indefinite" nodeType="mainSeq">
@@ -14374,6 +14761,97 @@
                       </p:childTnLst>
                     </p:cTn>
                   </p:par>
+                  <p:par>
+                    <p:cTn id="26" fill="hold">
+                      <p:stCondLst>
+                        <p:cond delay="indefinite"/>
+                      </p:stCondLst>
+                      <p:childTnLst>
+                        <p:par>
+                          <p:cTn id="27" fill="hold">
+                            <p:stCondLst>
+                              <p:cond delay="0"/>
+                            </p:stCondLst>
+                            <p:childTnLst>
+                              <p:par>
+                                <p:cTn id="28" presetID="2" presetClass="entr" presetSubtype="4" fill="hold" nodeType="clickEffect">
+                                  <p:stCondLst>
+                                    <p:cond delay="0"/>
+                                  </p:stCondLst>
+                                  <p:childTnLst>
+                                    <p:set>
+                                      <p:cBhvr>
+                                        <p:cTn id="29" dur="1" fill="hold">
+                                          <p:stCondLst>
+                                            <p:cond delay="0"/>
+                                          </p:stCondLst>
+                                        </p:cTn>
+                                        <p:tgtEl>
+                                          <p:spTgt spid="92"/>
+                                        </p:tgtEl>
+                                        <p:attrNameLst>
+                                          <p:attrName>style.visibility</p:attrName>
+                                        </p:attrNameLst>
+                                      </p:cBhvr>
+                                      <p:to>
+                                        <p:strVal val="visible"/>
+                                      </p:to>
+                                    </p:set>
+                                    <p:anim calcmode="lin" valueType="num">
+                                      <p:cBhvr additive="base">
+                                        <p:cTn id="30" dur="500" fill="hold"/>
+                                        <p:tgtEl>
+                                          <p:spTgt spid="92"/>
+                                        </p:tgtEl>
+                                        <p:attrNameLst>
+                                          <p:attrName>ppt_x</p:attrName>
+                                        </p:attrNameLst>
+                                      </p:cBhvr>
+                                      <p:tavLst>
+                                        <p:tav tm="0">
+                                          <p:val>
+                                            <p:strVal val="#ppt_x"/>
+                                          </p:val>
+                                        </p:tav>
+                                        <p:tav tm="100000">
+                                          <p:val>
+                                            <p:strVal val="#ppt_x"/>
+                                          </p:val>
+                                        </p:tav>
+                                      </p:tavLst>
+                                    </p:anim>
+                                    <p:anim calcmode="lin" valueType="num">
+                                      <p:cBhvr additive="base">
+                                        <p:cTn id="31" dur="500" fill="hold"/>
+                                        <p:tgtEl>
+                                          <p:spTgt spid="92"/>
+                                        </p:tgtEl>
+                                        <p:attrNameLst>
+                                          <p:attrName>ppt_y</p:attrName>
+                                        </p:attrNameLst>
+                                      </p:cBhvr>
+                                      <p:tavLst>
+                                        <p:tav tm="0">
+                                          <p:val>
+                                            <p:strVal val="1+#ppt_h/2"/>
+                                          </p:val>
+                                        </p:tav>
+                                        <p:tav tm="100000">
+                                          <p:val>
+                                            <p:strVal val="#ppt_y"/>
+                                          </p:val>
+                                        </p:tav>
+                                      </p:tavLst>
+                                    </p:anim>
+                                  </p:childTnLst>
+                                </p:cTn>
+                              </p:par>
+                            </p:childTnLst>
+                          </p:cTn>
+                        </p:par>
+                      </p:childTnLst>
+                    </p:cTn>
+                  </p:par>
                 </p:childTnLst>
               </p:cTn>
               <p:prevCondLst>
@@ -14459,14 +14937,8 @@
                   </a:solidFill>
                   <a:latin typeface="+mn-ea"/>
                 </a:rPr>
-                <a:t>本章小结</a:t>
+                <a:t>右外连接</a:t>
               </a:r>
-              <a:endParaRPr lang="zh-CN" altLang="en-US" sz="2400" dirty="0">
-                <a:solidFill>
-                  <a:prstClr val="white"/>
-                </a:solidFill>
-                <a:latin typeface="+mn-ea"/>
-              </a:endParaRPr>
             </a:p>
           </p:txBody>
         </p:sp>
@@ -14510,6 +14982,231 @@
       </p:grpSp>
       <p:sp>
         <p:nvSpPr>
+          <p:cNvPr id="4" name="文本框 3"/>
+          <p:cNvSpPr txBox="1"/>
+          <p:nvPr/>
+        </p:nvSpPr>
+        <p:spPr>
+          <a:xfrm>
+            <a:off x="911036" y="1877580"/>
+            <a:ext cx="8743475" cy="2031325"/>
+          </a:xfrm>
+          <a:prstGeom prst="rect">
+            <a:avLst/>
+          </a:prstGeom>
+          <a:noFill/>
+        </p:spPr>
+        <p:txBody>
+          <a:bodyPr wrap="none" rtlCol="0">
+            <a:spAutoFit/>
+          </a:bodyPr>
+          <a:lstStyle/>
+          <a:p>
+            <a:r>
+              <a:rPr kumimoji="1" lang="en-US" altLang="zh-CN">
+                <a:solidFill>
+                  <a:srgbClr val="FFFFFF"/>
+                </a:solidFill>
+              </a:rPr>
+              <a:t>val joinDF = statesPopulationDF.join(statesTaxRatesDF,</a:t>
+            </a:r>
+          </a:p>
+          <a:p>
+            <a:r>
+              <a:rPr kumimoji="1" lang="en-US" altLang="zh-CN">
+                <a:solidFill>
+                  <a:srgbClr val="FFFFFF"/>
+                </a:solidFill>
+              </a:rPr>
+              <a:t> statesPopulationDF("State") === statesTaxRatesDF("State"), "rightouter")</a:t>
+            </a:r>
+          </a:p>
+          <a:p>
+            <a:r>
+              <a:rPr kumimoji="1" lang="zh-CN" altLang="en-US">
+                <a:solidFill>
+                  <a:srgbClr val="FFFFFF"/>
+                </a:solidFill>
+              </a:rPr>
+              <a:t>执行</a:t>
+            </a:r>
+            <a:r>
+              <a:rPr kumimoji="1" lang="en-US" altLang="zh-CN">
+                <a:solidFill>
+                  <a:srgbClr val="FFFFFF"/>
+                </a:solidFill>
+              </a:rPr>
+              <a:t>Spark SQL</a:t>
+            </a:r>
+          </a:p>
+          <a:p>
+            <a:r>
+              <a:rPr kumimoji="1" lang="en-US" altLang="zh-CN">
+                <a:solidFill>
+                  <a:srgbClr val="FFFFFF"/>
+                </a:solidFill>
+              </a:rPr>
+              <a:t> val joinDF = spark.sql("SELECT * FROM statesPopulationDF RIGHT OUTER JOIN</a:t>
+            </a:r>
+          </a:p>
+          <a:p>
+            <a:r>
+              <a:rPr kumimoji="1" lang="en-US" altLang="zh-CN">
+                <a:solidFill>
+                  <a:srgbClr val="FFFFFF"/>
+                </a:solidFill>
+              </a:rPr>
+              <a:t> statesTaxRatesDF ON statesPopulationDF.State = statesTaxRatesDF.State")</a:t>
+            </a:r>
+          </a:p>
+          <a:p>
+            <a:r>
+              <a:rPr kumimoji="1" lang="en-US" altLang="zh-CN">
+                <a:solidFill>
+                  <a:srgbClr val="FFFFFF"/>
+                </a:solidFill>
+              </a:rPr>
+              <a:t>joinDF.count</a:t>
+            </a:r>
+          </a:p>
+          <a:p>
+            <a:r>
+              <a:rPr kumimoji="1" lang="en-US" altLang="zh-CN">
+                <a:solidFill>
+                  <a:srgbClr val="FFFFFF"/>
+                </a:solidFill>
+              </a:rPr>
+              <a:t>joinDF.show</a:t>
+            </a:r>
+            <a:endParaRPr kumimoji="1" lang="zh-CN" altLang="en-US">
+              <a:solidFill>
+                <a:srgbClr val="FFFFFF"/>
+              </a:solidFill>
+            </a:endParaRPr>
+          </a:p>
+        </p:txBody>
+      </p:sp>
+    </p:spTree>
+    <p:extLst>
+      <p:ext uri="{BB962C8B-B14F-4D97-AF65-F5344CB8AC3E}">
+        <p14:creationId xmlns:p14="http://schemas.microsoft.com/office/powerpoint/2010/main" val="89079506"/>
+      </p:ext>
+    </p:extLst>
+  </p:cSld>
+  <p:clrMapOvr>
+    <a:masterClrMapping/>
+  </p:clrMapOvr>
+  <p:transition spd="med" advClick="0" advTm="1000">
+    <p:fade/>
+  </p:transition>
+</p:sld>
+</file>
+
+<file path=ppt/slides/slide21.xml><?xml version="1.0" encoding="utf-8"?>
+<p:sld xmlns:a="http://schemas.openxmlformats.org/drawingml/2006/main" xmlns:r="http://schemas.openxmlformats.org/officeDocument/2006/relationships" xmlns:p="http://schemas.openxmlformats.org/presentationml/2006/main">
+  <p:cSld>
+    <p:spTree>
+      <p:nvGrpSpPr>
+        <p:cNvPr id="1" name=""/>
+        <p:cNvGrpSpPr/>
+        <p:nvPr/>
+      </p:nvGrpSpPr>
+      <p:grpSpPr>
+        <a:xfrm>
+          <a:off x="0" y="0"/>
+          <a:ext cx="0" cy="0"/>
+          <a:chOff x="0" y="0"/>
+          <a:chExt cx="0" cy="0"/>
+        </a:xfrm>
+      </p:grpSpPr>
+      <p:grpSp>
+        <p:nvGrpSpPr>
+          <p:cNvPr id="38" name="组合 37"/>
+          <p:cNvGrpSpPr/>
+          <p:nvPr/>
+        </p:nvGrpSpPr>
+        <p:grpSpPr>
+          <a:xfrm>
+            <a:off x="672374" y="631535"/>
+            <a:ext cx="4356129" cy="536573"/>
+            <a:chOff x="1007305" y="947449"/>
+            <a:chExt cx="6535202" cy="804983"/>
+          </a:xfrm>
+        </p:grpSpPr>
+        <p:sp>
+          <p:nvSpPr>
+            <p:cNvPr id="39" name="文本框 38"/>
+            <p:cNvSpPr txBox="1"/>
+            <p:nvPr/>
+          </p:nvSpPr>
+          <p:spPr>
+            <a:xfrm>
+              <a:off x="1007305" y="947449"/>
+              <a:ext cx="6535202" cy="692604"/>
+            </a:xfrm>
+            <a:prstGeom prst="rect">
+              <a:avLst/>
+            </a:prstGeom>
+            <a:noFill/>
+          </p:spPr>
+          <p:txBody>
+            <a:bodyPr wrap="square" rtlCol="0">
+              <a:spAutoFit/>
+            </a:bodyPr>
+            <a:lstStyle/>
+            <a:p>
+              <a:r>
+                <a:rPr lang="zh-CN" altLang="en-US" sz="2400" dirty="0">
+                  <a:solidFill>
+                    <a:prstClr val="white"/>
+                  </a:solidFill>
+                  <a:latin typeface="+mn-ea"/>
+                </a:rPr>
+                <a:t>本章小结</a:t>
+              </a:r>
+            </a:p>
+          </p:txBody>
+        </p:sp>
+        <p:cxnSp>
+          <p:nvCxnSpPr>
+            <p:cNvPr id="40" name="直线连接符 5"/>
+            <p:cNvCxnSpPr/>
+            <p:nvPr/>
+          </p:nvCxnSpPr>
+          <p:spPr>
+            <a:xfrm>
+              <a:off x="1007305" y="1752432"/>
+              <a:ext cx="3742116" cy="0"/>
+            </a:xfrm>
+            <a:prstGeom prst="line">
+              <a:avLst/>
+            </a:prstGeom>
+            <a:ln>
+              <a:solidFill>
+                <a:schemeClr val="bg1"/>
+              </a:solidFill>
+              <a:headEnd type="oval"/>
+              <a:tailEnd type="oval"/>
+            </a:ln>
+          </p:spPr>
+          <p:style>
+            <a:lnRef idx="1">
+              <a:schemeClr val="accent1"/>
+            </a:lnRef>
+            <a:fillRef idx="0">
+              <a:schemeClr val="accent1"/>
+            </a:fillRef>
+            <a:effectRef idx="0">
+              <a:schemeClr val="accent1"/>
+            </a:effectRef>
+            <a:fontRef idx="minor">
+              <a:schemeClr val="tx1"/>
+            </a:fontRef>
+          </p:style>
+        </p:cxnSp>
+      </p:grpSp>
+      <p:sp>
+        <p:nvSpPr>
           <p:cNvPr id="2" name="文本框 1"/>
           <p:cNvSpPr txBox="1"/>
           <p:nvPr/>
@@ -14636,7 +15333,15 @@
                   <a:srgbClr val="FFFFFF"/>
                 </a:solidFill>
               </a:rPr>
-              <a:t> 	</a:t>
+              <a:t> 	执行时间比基于</a:t>
+            </a:r>
+            <a:r>
+              <a:rPr kumimoji="1" lang="en-US" altLang="zh-CN">
+                <a:solidFill>
+                  <a:srgbClr val="FFFFFF"/>
+                </a:solidFill>
+              </a:rPr>
+              <a:t>RDD</a:t>
             </a:r>
             <a:r>
               <a:rPr kumimoji="1" lang="zh-CN" altLang="en-US">
@@ -14644,7 +15349,17 @@
                   <a:srgbClr val="FFFFFF"/>
                 </a:solidFill>
               </a:rPr>
-              <a:t>执行时间比基于</a:t>
+              <a:t>的计算相比明显降低。</a:t>
+            </a:r>
+          </a:p>
+          <a:p>
+            <a:r>
+              <a:rPr kumimoji="1" lang="zh-CN" altLang="en-US">
+                <a:solidFill>
+                  <a:srgbClr val="FFFFFF"/>
+                </a:solidFill>
+              </a:rPr>
+              <a:t>	另外，还包含了简单的</a:t>
             </a:r>
             <a:r>
               <a:rPr kumimoji="1" lang="en-US" altLang="zh-CN">
@@ -14652,7 +15367,7 @@
                   <a:srgbClr val="FFFFFF"/>
                 </a:solidFill>
               </a:rPr>
-              <a:t>RDD</a:t>
+              <a:t>SQL</a:t>
             </a:r>
             <a:r>
               <a:rPr kumimoji="1" lang="zh-CN" altLang="en-US">
@@ -14660,17 +15375,25 @@
                   <a:srgbClr val="FFFFFF"/>
                 </a:solidFill>
               </a:rPr>
-              <a:t>的计算相比明显降低。</a:t>
-            </a:r>
-          </a:p>
-          <a:p>
+              <a:t>接口，功能得到进一步的提升。</a:t>
+            </a:r>
+          </a:p>
+          <a:p>
+            <a:r>
+              <a:rPr kumimoji="1" lang="en-US" altLang="zh-CN">
+                <a:solidFill>
+                  <a:srgbClr val="FFFFFF"/>
+                </a:solidFill>
+              </a:rPr>
+              <a:t>3.</a:t>
+            </a:r>
             <a:r>
               <a:rPr kumimoji="1" lang="zh-CN" altLang="en-US">
                 <a:solidFill>
                   <a:srgbClr val="FFFFFF"/>
                 </a:solidFill>
               </a:rPr>
-              <a:t>	另外，还包含了简单的</a:t>
+              <a:t> 除此之外，本章还讲述了各种</a:t>
             </a:r>
             <a:r>
               <a:rPr kumimoji="1" lang="en-US" altLang="zh-CN">
@@ -14678,7 +15401,7 @@
                   <a:srgbClr val="FFFFFF"/>
                 </a:solidFill>
               </a:rPr>
-              <a:t>SQL</a:t>
+              <a:t>API</a:t>
             </a:r>
             <a:r>
               <a:rPr kumimoji="1" lang="zh-CN" altLang="en-US">
@@ -14686,17 +15409,25 @@
                   <a:srgbClr val="FFFFFF"/>
                 </a:solidFill>
               </a:rPr>
-              <a:t>接口，功能得到进一步的提升。</a:t>
-            </a:r>
-          </a:p>
-          <a:p>
+              <a:t>操作，以及聚合的高级特性：</a:t>
+            </a:r>
+          </a:p>
+          <a:p>
+            <a:r>
+              <a:rPr kumimoji="1" lang="zh-CN" altLang="en-US">
+                <a:solidFill>
+                  <a:srgbClr val="FFFFFF"/>
+                </a:solidFill>
+              </a:rPr>
+              <a:t>	包括</a:t>
+            </a:r>
             <a:r>
               <a:rPr kumimoji="1" lang="en-US" altLang="zh-CN">
                 <a:solidFill>
                   <a:srgbClr val="FFFFFF"/>
                 </a:solidFill>
               </a:rPr>
-              <a:t>3.</a:t>
+              <a:t>groupBy</a:t>
             </a:r>
             <a:r>
               <a:rPr kumimoji="1" lang="zh-CN" altLang="en-US">
@@ -14704,7 +15435,15 @@
                   <a:srgbClr val="FFFFFF"/>
                 </a:solidFill>
               </a:rPr>
-              <a:t> </a:t>
+              <a:t>、</a:t>
+            </a:r>
+            <a:r>
+              <a:rPr kumimoji="1" lang="en-US" altLang="zh-CN">
+                <a:solidFill>
+                  <a:srgbClr val="FFFFFF"/>
+                </a:solidFill>
+              </a:rPr>
+              <a:t>WIndow</a:t>
             </a:r>
             <a:r>
               <a:rPr kumimoji="1" lang="zh-CN" altLang="en-US">
@@ -14712,7 +15451,7 @@
                   <a:srgbClr val="FFFFFF"/>
                 </a:solidFill>
               </a:rPr>
-              <a:t>除此之外，本章还讲述了各种</a:t>
+              <a:t>、</a:t>
             </a:r>
             <a:r>
               <a:rPr kumimoji="1" lang="en-US" altLang="zh-CN">
@@ -14720,7 +15459,7 @@
                   <a:srgbClr val="FFFFFF"/>
                 </a:solidFill>
               </a:rPr>
-              <a:t>API</a:t>
+              <a:t>rullup</a:t>
             </a:r>
             <a:r>
               <a:rPr kumimoji="1" lang="zh-CN" altLang="en-US">
@@ -14728,7 +15467,15 @@
                   <a:srgbClr val="FFFFFF"/>
                 </a:solidFill>
               </a:rPr>
-              <a:t>操作，以及聚合的高级特性</a:t>
+              <a:t>和</a:t>
+            </a:r>
+            <a:r>
+              <a:rPr kumimoji="1" lang="en-US" altLang="zh-CN">
+                <a:solidFill>
+                  <a:srgbClr val="FFFFFF"/>
+                </a:solidFill>
+              </a:rPr>
+              <a:t>cube</a:t>
             </a:r>
             <a:r>
               <a:rPr kumimoji="1" lang="zh-CN" altLang="en-US">
@@ -14736,107 +15483,25 @@
                   <a:srgbClr val="FFFFFF"/>
                 </a:solidFill>
               </a:rPr>
-              <a:t>：</a:t>
-            </a:r>
-          </a:p>
-          <a:p>
+              <a:t>。</a:t>
+            </a:r>
+          </a:p>
+          <a:p>
+            <a:r>
+              <a:rPr kumimoji="1" lang="en-US" altLang="zh-CN">
+                <a:solidFill>
+                  <a:srgbClr val="FFFFFF"/>
+                </a:solidFill>
+              </a:rPr>
+              <a:t>4.</a:t>
+            </a:r>
             <a:r>
               <a:rPr kumimoji="1" lang="zh-CN" altLang="en-US">
                 <a:solidFill>
                   <a:srgbClr val="FFFFFF"/>
                 </a:solidFill>
               </a:rPr>
-              <a:t>	包括</a:t>
-            </a:r>
-            <a:r>
-              <a:rPr kumimoji="1" lang="en-US" altLang="zh-CN">
-                <a:solidFill>
-                  <a:srgbClr val="FFFFFF"/>
-                </a:solidFill>
-              </a:rPr>
-              <a:t>groupBy</a:t>
-            </a:r>
-            <a:r>
-              <a:rPr kumimoji="1" lang="zh-CN" altLang="en-US">
-                <a:solidFill>
-                  <a:srgbClr val="FFFFFF"/>
-                </a:solidFill>
-              </a:rPr>
-              <a:t>、</a:t>
-            </a:r>
-            <a:r>
-              <a:rPr kumimoji="1" lang="en-US" altLang="zh-CN">
-                <a:solidFill>
-                  <a:srgbClr val="FFFFFF"/>
-                </a:solidFill>
-              </a:rPr>
-              <a:t>WIndow</a:t>
-            </a:r>
-            <a:r>
-              <a:rPr kumimoji="1" lang="zh-CN" altLang="en-US">
-                <a:solidFill>
-                  <a:srgbClr val="FFFFFF"/>
-                </a:solidFill>
-              </a:rPr>
-              <a:t>、</a:t>
-            </a:r>
-            <a:r>
-              <a:rPr kumimoji="1" lang="en-US" altLang="zh-CN">
-                <a:solidFill>
-                  <a:srgbClr val="FFFFFF"/>
-                </a:solidFill>
-              </a:rPr>
-              <a:t>rullup</a:t>
-            </a:r>
-            <a:r>
-              <a:rPr kumimoji="1" lang="zh-CN" altLang="en-US">
-                <a:solidFill>
-                  <a:srgbClr val="FFFFFF"/>
-                </a:solidFill>
-              </a:rPr>
-              <a:t>和</a:t>
-            </a:r>
-            <a:r>
-              <a:rPr kumimoji="1" lang="en-US" altLang="zh-CN">
-                <a:solidFill>
-                  <a:srgbClr val="FFFFFF"/>
-                </a:solidFill>
-              </a:rPr>
-              <a:t>cube</a:t>
-            </a:r>
-            <a:r>
-              <a:rPr kumimoji="1" lang="zh-CN" altLang="en-US">
-                <a:solidFill>
-                  <a:srgbClr val="FFFFFF"/>
-                </a:solidFill>
-              </a:rPr>
-              <a:t>。</a:t>
-            </a:r>
-          </a:p>
-          <a:p>
-            <a:r>
-              <a:rPr kumimoji="1" lang="en-US" altLang="zh-CN">
-                <a:solidFill>
-                  <a:srgbClr val="FFFFFF"/>
-                </a:solidFill>
-              </a:rPr>
-              <a:t>4.</a:t>
-            </a:r>
-            <a:r>
-              <a:rPr kumimoji="1" lang="zh-CN" altLang="en-US">
-                <a:solidFill>
-                  <a:srgbClr val="FFFFFF"/>
-                </a:solidFill>
-              </a:rPr>
-              <a:t> </a:t>
-            </a:r>
-            <a:r>
-              <a:rPr kumimoji="1" lang="zh-CN" altLang="en-US">
-                <a:solidFill>
-                  <a:srgbClr val="FFFFFF"/>
-                </a:solidFill>
-              </a:rPr>
-              <a:t>最后学习了数据连接相关的概念和操作。</a:t>
+              <a:t> 最后学习了数据连接相关的概念和操作。</a:t>
             </a:r>
           </a:p>
         </p:txBody>
@@ -14851,7 +15516,7 @@
   <p:clrMapOvr>
     <a:masterClrMapping/>
   </p:clrMapOvr>
-  <p:transition xmlns:p14="http://schemas.microsoft.com/office/powerpoint/2010/main" spd="med" advClick="0" advTm="1000">
+  <p:transition spd="med" advClick="0" advTm="1000">
     <p:fade/>
   </p:transition>
 </p:sld>
@@ -14874,6 +15539,904 @@
           <a:chExt cx="0" cy="0"/>
         </a:xfrm>
       </p:grpSpPr>
+      <p:grpSp>
+        <p:nvGrpSpPr>
+          <p:cNvPr id="38" name="组合 37"/>
+          <p:cNvGrpSpPr/>
+          <p:nvPr/>
+        </p:nvGrpSpPr>
+        <p:grpSpPr>
+          <a:xfrm>
+            <a:off x="672374" y="631535"/>
+            <a:ext cx="4356129" cy="536573"/>
+            <a:chOff x="1007305" y="947449"/>
+            <a:chExt cx="6535202" cy="804983"/>
+          </a:xfrm>
+        </p:grpSpPr>
+        <p:sp>
+          <p:nvSpPr>
+            <p:cNvPr id="39" name="文本框 38"/>
+            <p:cNvSpPr txBox="1"/>
+            <p:nvPr/>
+          </p:nvSpPr>
+          <p:spPr>
+            <a:xfrm>
+              <a:off x="1007305" y="947449"/>
+              <a:ext cx="6535202" cy="692604"/>
+            </a:xfrm>
+            <a:prstGeom prst="rect">
+              <a:avLst/>
+            </a:prstGeom>
+            <a:noFill/>
+          </p:spPr>
+          <p:txBody>
+            <a:bodyPr wrap="square" rtlCol="0">
+              <a:spAutoFit/>
+            </a:bodyPr>
+            <a:lstStyle/>
+            <a:p>
+              <a:r>
+                <a:rPr lang="zh-CN" altLang="en-US" sz="2400" dirty="0">
+                  <a:solidFill>
+                    <a:prstClr val="white"/>
+                  </a:solidFill>
+                  <a:latin typeface="+mn-ea"/>
+                </a:rPr>
+                <a:t>安装</a:t>
+              </a:r>
+              <a:r>
+                <a:rPr lang="en-US" altLang="zh-CN" sz="2400" dirty="0">
+                  <a:solidFill>
+                    <a:prstClr val="white"/>
+                  </a:solidFill>
+                  <a:latin typeface="+mn-ea"/>
+                </a:rPr>
+                <a:t>Spark</a:t>
+              </a:r>
+              <a:r>
+                <a:rPr lang="zh-CN" altLang="en-US" sz="2400" dirty="0">
+                  <a:solidFill>
+                    <a:prstClr val="white"/>
+                  </a:solidFill>
+                  <a:latin typeface="+mn-ea"/>
+                </a:rPr>
+                <a:t>运行环境</a:t>
+              </a:r>
+            </a:p>
+          </p:txBody>
+        </p:sp>
+        <p:cxnSp>
+          <p:nvCxnSpPr>
+            <p:cNvPr id="40" name="直线连接符 5"/>
+            <p:cNvCxnSpPr/>
+            <p:nvPr/>
+          </p:nvCxnSpPr>
+          <p:spPr>
+            <a:xfrm>
+              <a:off x="1007305" y="1752432"/>
+              <a:ext cx="3742116" cy="0"/>
+            </a:xfrm>
+            <a:prstGeom prst="line">
+              <a:avLst/>
+            </a:prstGeom>
+            <a:ln>
+              <a:solidFill>
+                <a:schemeClr val="bg1"/>
+              </a:solidFill>
+              <a:headEnd type="oval"/>
+              <a:tailEnd type="oval"/>
+            </a:ln>
+          </p:spPr>
+          <p:style>
+            <a:lnRef idx="1">
+              <a:schemeClr val="accent1"/>
+            </a:lnRef>
+            <a:fillRef idx="0">
+              <a:schemeClr val="accent1"/>
+            </a:fillRef>
+            <a:effectRef idx="0">
+              <a:schemeClr val="accent1"/>
+            </a:effectRef>
+            <a:fontRef idx="minor">
+              <a:schemeClr val="tx1"/>
+            </a:fontRef>
+          </p:style>
+        </p:cxnSp>
+      </p:grpSp>
+      <p:sp>
+        <p:nvSpPr>
+          <p:cNvPr id="2" name="文本框 1"/>
+          <p:cNvSpPr txBox="1"/>
+          <p:nvPr/>
+        </p:nvSpPr>
+        <p:spPr>
+          <a:xfrm>
+            <a:off x="911035" y="1753329"/>
+            <a:ext cx="3425938" cy="1477328"/>
+          </a:xfrm>
+          <a:prstGeom prst="rect">
+            <a:avLst/>
+          </a:prstGeom>
+          <a:noFill/>
+        </p:spPr>
+        <p:txBody>
+          <a:bodyPr wrap="none" rtlCol="0">
+            <a:spAutoFit/>
+          </a:bodyPr>
+          <a:lstStyle/>
+          <a:p>
+            <a:pPr marL="342900" indent="-342900">
+              <a:buAutoNum type="arabicPeriod"/>
+            </a:pPr>
+            <a:r>
+              <a:rPr kumimoji="1" lang="zh-CN" altLang="en-US" dirty="0">
+                <a:solidFill>
+                  <a:srgbClr val="FFFFFF"/>
+                </a:solidFill>
+              </a:rPr>
+              <a:t>下载</a:t>
+            </a:r>
+            <a:r>
+              <a:rPr kumimoji="1" lang="en-US" altLang="zh-CN" dirty="0">
+                <a:solidFill>
+                  <a:srgbClr val="FFFFFF"/>
+                </a:solidFill>
+              </a:rPr>
+              <a:t>Spark2.4.0</a:t>
+            </a:r>
+            <a:r>
+              <a:rPr kumimoji="1" lang="zh-CN" altLang="en-US" dirty="0">
+                <a:solidFill>
+                  <a:srgbClr val="FFFFFF"/>
+                </a:solidFill>
+              </a:rPr>
+              <a:t> 并解压</a:t>
+            </a:r>
+            <a:endParaRPr kumimoji="1" lang="en-US" altLang="zh-CN" dirty="0">
+              <a:solidFill>
+                <a:srgbClr val="FFFFFF"/>
+              </a:solidFill>
+            </a:endParaRPr>
+          </a:p>
+          <a:p>
+            <a:pPr marL="342900" indent="-342900">
+              <a:buAutoNum type="arabicPeriod"/>
+            </a:pPr>
+            <a:r>
+              <a:rPr kumimoji="1" lang="zh-CN" altLang="en-US" dirty="0">
+                <a:solidFill>
+                  <a:srgbClr val="FFFFFF"/>
+                </a:solidFill>
+              </a:rPr>
+              <a:t>编辑</a:t>
+            </a:r>
+            <a:r>
+              <a:rPr kumimoji="1" lang="en-US" altLang="zh-CN" dirty="0">
+                <a:solidFill>
+                  <a:srgbClr val="FFFFFF"/>
+                </a:solidFill>
+              </a:rPr>
+              <a:t>Spark</a:t>
+            </a:r>
+            <a:r>
+              <a:rPr kumimoji="1" lang="zh-CN" altLang="en-US" dirty="0">
+                <a:solidFill>
+                  <a:srgbClr val="FFFFFF"/>
+                </a:solidFill>
+              </a:rPr>
+              <a:t> </a:t>
+            </a:r>
+            <a:r>
+              <a:rPr kumimoji="1" lang="en-US" altLang="zh-CN" dirty="0">
+                <a:solidFill>
+                  <a:srgbClr val="FFFFFF"/>
+                </a:solidFill>
+              </a:rPr>
+              <a:t>conf</a:t>
+            </a:r>
+            <a:r>
+              <a:rPr kumimoji="1" lang="zh-CN" altLang="en-US" dirty="0">
+                <a:solidFill>
+                  <a:srgbClr val="FFFFFF"/>
+                </a:solidFill>
+              </a:rPr>
+              <a:t>中的配置文件</a:t>
+            </a:r>
+            <a:endParaRPr kumimoji="1" lang="en-US" altLang="zh-CN" dirty="0">
+              <a:solidFill>
+                <a:srgbClr val="FFFFFF"/>
+              </a:solidFill>
+            </a:endParaRPr>
+          </a:p>
+          <a:p>
+            <a:pPr marL="342900" indent="-342900">
+              <a:buAutoNum type="arabicPeriod"/>
+            </a:pPr>
+            <a:r>
+              <a:rPr kumimoji="1" lang="zh-CN" altLang="en-US" dirty="0">
+                <a:solidFill>
+                  <a:srgbClr val="FFFFFF"/>
+                </a:solidFill>
+              </a:rPr>
+              <a:t>配置</a:t>
+            </a:r>
+            <a:r>
+              <a:rPr kumimoji="1" lang="en-US" altLang="zh-CN" dirty="0">
+                <a:solidFill>
+                  <a:srgbClr val="FFFFFF"/>
+                </a:solidFill>
+              </a:rPr>
+              <a:t>Spark</a:t>
+            </a:r>
+            <a:r>
+              <a:rPr kumimoji="1" lang="zh-CN" altLang="en-US" dirty="0">
+                <a:solidFill>
+                  <a:srgbClr val="FFFFFF"/>
+                </a:solidFill>
+              </a:rPr>
+              <a:t>环境变量</a:t>
+            </a:r>
+            <a:endParaRPr kumimoji="1" lang="en-US" altLang="zh-CN" dirty="0">
+              <a:solidFill>
+                <a:srgbClr val="FFFFFF"/>
+              </a:solidFill>
+            </a:endParaRPr>
+          </a:p>
+          <a:p>
+            <a:pPr marL="342900" indent="-342900">
+              <a:buAutoNum type="arabicPeriod"/>
+            </a:pPr>
+            <a:r>
+              <a:rPr kumimoji="1" lang="zh-CN" altLang="en-US" dirty="0">
+                <a:solidFill>
+                  <a:srgbClr val="FFFFFF"/>
+                </a:solidFill>
+              </a:rPr>
+              <a:t>启动</a:t>
+            </a:r>
+            <a:r>
+              <a:rPr kumimoji="1" lang="en-US" altLang="zh-CN" dirty="0">
+                <a:solidFill>
+                  <a:srgbClr val="FFFFFF"/>
+                </a:solidFill>
+              </a:rPr>
+              <a:t>Spark</a:t>
+            </a:r>
+          </a:p>
+          <a:p>
+            <a:pPr marL="342900" indent="-342900">
+              <a:buAutoNum type="arabicPeriod"/>
+            </a:pPr>
+            <a:r>
+              <a:rPr kumimoji="1" lang="zh-CN" altLang="en-US" dirty="0">
+                <a:solidFill>
+                  <a:srgbClr val="FFFFFF"/>
+                </a:solidFill>
+              </a:rPr>
+              <a:t>运行</a:t>
+            </a:r>
+            <a:r>
+              <a:rPr kumimoji="1" lang="en-US" altLang="zh-CN" dirty="0">
+                <a:solidFill>
+                  <a:srgbClr val="FFFFFF"/>
+                </a:solidFill>
+              </a:rPr>
+              <a:t>example</a:t>
+            </a:r>
+            <a:r>
+              <a:rPr kumimoji="1" lang="zh-CN" altLang="en-US" dirty="0">
+                <a:solidFill>
+                  <a:srgbClr val="FFFFFF"/>
+                </a:solidFill>
+              </a:rPr>
+              <a:t>进行测试</a:t>
+            </a:r>
+            <a:endParaRPr kumimoji="1" lang="en-US" altLang="zh-CN" dirty="0">
+              <a:solidFill>
+                <a:srgbClr val="FFFFFF"/>
+              </a:solidFill>
+            </a:endParaRPr>
+          </a:p>
+        </p:txBody>
+      </p:sp>
+    </p:spTree>
+    <p:extLst>
+      <p:ext uri="{BB962C8B-B14F-4D97-AF65-F5344CB8AC3E}">
+        <p14:creationId xmlns:p14="http://schemas.microsoft.com/office/powerpoint/2010/main" val="2689771123"/>
+      </p:ext>
+    </p:extLst>
+  </p:cSld>
+  <p:clrMapOvr>
+    <a:masterClrMapping/>
+  </p:clrMapOvr>
+  <p:transition spd="med" advClick="0" advTm="1000">
+    <p:fade/>
+  </p:transition>
+</p:sld>
+</file>
+
+<file path=ppt/slides/slide4.xml><?xml version="1.0" encoding="utf-8"?>
+<p:sld xmlns:a="http://schemas.openxmlformats.org/drawingml/2006/main" xmlns:r="http://schemas.openxmlformats.org/officeDocument/2006/relationships" xmlns:p="http://schemas.openxmlformats.org/presentationml/2006/main">
+  <p:cSld>
+    <p:spTree>
+      <p:nvGrpSpPr>
+        <p:cNvPr id="1" name=""/>
+        <p:cNvGrpSpPr/>
+        <p:nvPr/>
+      </p:nvGrpSpPr>
+      <p:grpSpPr>
+        <a:xfrm>
+          <a:off x="0" y="0"/>
+          <a:ext cx="0" cy="0"/>
+          <a:chOff x="0" y="0"/>
+          <a:chExt cx="0" cy="0"/>
+        </a:xfrm>
+      </p:grpSpPr>
+      <p:grpSp>
+        <p:nvGrpSpPr>
+          <p:cNvPr id="38" name="组合 37"/>
+          <p:cNvGrpSpPr/>
+          <p:nvPr/>
+        </p:nvGrpSpPr>
+        <p:grpSpPr>
+          <a:xfrm>
+            <a:off x="672374" y="631535"/>
+            <a:ext cx="4356129" cy="536573"/>
+            <a:chOff x="1007305" y="947449"/>
+            <a:chExt cx="6535202" cy="804983"/>
+          </a:xfrm>
+        </p:grpSpPr>
+        <p:sp>
+          <p:nvSpPr>
+            <p:cNvPr id="39" name="文本框 38"/>
+            <p:cNvSpPr txBox="1"/>
+            <p:nvPr/>
+          </p:nvSpPr>
+          <p:spPr>
+            <a:xfrm>
+              <a:off x="1007305" y="947449"/>
+              <a:ext cx="6535202" cy="692604"/>
+            </a:xfrm>
+            <a:prstGeom prst="rect">
+              <a:avLst/>
+            </a:prstGeom>
+            <a:noFill/>
+          </p:spPr>
+          <p:txBody>
+            <a:bodyPr wrap="square" rtlCol="0">
+              <a:spAutoFit/>
+            </a:bodyPr>
+            <a:lstStyle/>
+            <a:p>
+              <a:r>
+                <a:rPr lang="zh-CN" altLang="en-US" sz="2400" dirty="0">
+                  <a:solidFill>
+                    <a:prstClr val="white"/>
+                  </a:solidFill>
+                  <a:latin typeface="+mn-ea"/>
+                </a:rPr>
+                <a:t>安装</a:t>
+              </a:r>
+              <a:r>
+                <a:rPr lang="en-US" altLang="zh-CN" sz="2400" dirty="0">
+                  <a:solidFill>
+                    <a:prstClr val="white"/>
+                  </a:solidFill>
+                  <a:latin typeface="+mn-ea"/>
+                </a:rPr>
+                <a:t>Scala</a:t>
+              </a:r>
+              <a:r>
+                <a:rPr lang="zh-CN" altLang="en-US" sz="2400" dirty="0">
+                  <a:solidFill>
+                    <a:prstClr val="white"/>
+                  </a:solidFill>
+                  <a:latin typeface="+mn-ea"/>
+                </a:rPr>
+                <a:t>插件</a:t>
+              </a:r>
+            </a:p>
+          </p:txBody>
+        </p:sp>
+        <p:cxnSp>
+          <p:nvCxnSpPr>
+            <p:cNvPr id="40" name="直线连接符 5"/>
+            <p:cNvCxnSpPr/>
+            <p:nvPr/>
+          </p:nvCxnSpPr>
+          <p:spPr>
+            <a:xfrm>
+              <a:off x="1007305" y="1752432"/>
+              <a:ext cx="3742116" cy="0"/>
+            </a:xfrm>
+            <a:prstGeom prst="line">
+              <a:avLst/>
+            </a:prstGeom>
+            <a:ln>
+              <a:solidFill>
+                <a:schemeClr val="bg1"/>
+              </a:solidFill>
+              <a:headEnd type="oval"/>
+              <a:tailEnd type="oval"/>
+            </a:ln>
+          </p:spPr>
+          <p:style>
+            <a:lnRef idx="1">
+              <a:schemeClr val="accent1"/>
+            </a:lnRef>
+            <a:fillRef idx="0">
+              <a:schemeClr val="accent1"/>
+            </a:fillRef>
+            <a:effectRef idx="0">
+              <a:schemeClr val="accent1"/>
+            </a:effectRef>
+            <a:fontRef idx="minor">
+              <a:schemeClr val="tx1"/>
+            </a:fontRef>
+          </p:style>
+        </p:cxnSp>
+      </p:grpSp>
+      <p:pic>
+        <p:nvPicPr>
+          <p:cNvPr id="2" name="图片 1">
+            <a:extLst>
+              <a:ext uri="{FF2B5EF4-FFF2-40B4-BE49-F238E27FC236}">
+                <a16:creationId xmlns:a16="http://schemas.microsoft.com/office/drawing/2014/main" id="{BEA6EABA-87B8-F34B-BDFF-A7A571F83C76}"/>
+              </a:ext>
+            </a:extLst>
+          </p:cNvPr>
+          <p:cNvPicPr>
+            <a:picLocks noChangeAspect="1"/>
+          </p:cNvPicPr>
+          <p:nvPr/>
+        </p:nvPicPr>
+        <p:blipFill>
+          <a:blip r:embed="rId3"/>
+          <a:stretch>
+            <a:fillRect/>
+          </a:stretch>
+        </p:blipFill>
+        <p:spPr>
+          <a:xfrm>
+            <a:off x="298489" y="2426961"/>
+            <a:ext cx="8691336" cy="3960112"/>
+          </a:xfrm>
+          <a:prstGeom prst="rect">
+            <a:avLst/>
+          </a:prstGeom>
+        </p:spPr>
+      </p:pic>
+      <p:sp>
+        <p:nvSpPr>
+          <p:cNvPr id="3" name="文本框 2">
+            <a:extLst>
+              <a:ext uri="{FF2B5EF4-FFF2-40B4-BE49-F238E27FC236}">
+                <a16:creationId xmlns:a16="http://schemas.microsoft.com/office/drawing/2014/main" id="{2FBE2898-929C-3249-AA82-5E20134B90A6}"/>
+              </a:ext>
+            </a:extLst>
+          </p:cNvPr>
+          <p:cNvSpPr txBox="1"/>
+          <p:nvPr/>
+        </p:nvSpPr>
+        <p:spPr>
+          <a:xfrm>
+            <a:off x="322036" y="1436915"/>
+            <a:ext cx="11069056" cy="646331"/>
+          </a:xfrm>
+          <a:prstGeom prst="rect">
+            <a:avLst/>
+          </a:prstGeom>
+          <a:noFill/>
+        </p:spPr>
+        <p:txBody>
+          <a:bodyPr wrap="none" rtlCol="0">
+            <a:spAutoFit/>
+          </a:bodyPr>
+          <a:lstStyle/>
+          <a:p>
+            <a:r>
+              <a:rPr lang="zh-CN" altLang="en-US" dirty="0">
+                <a:solidFill>
+                  <a:schemeClr val="bg1"/>
+                </a:solidFill>
+              </a:rPr>
+              <a:t>点击页面左下方的</a:t>
+            </a:r>
+            <a:r>
+              <a:rPr lang="en-US" altLang="zh-CN" dirty="0">
+                <a:solidFill>
+                  <a:schemeClr val="bg1"/>
+                </a:solidFill>
+              </a:rPr>
+              <a:t>Install JetBrains plugin...</a:t>
+            </a:r>
+            <a:r>
+              <a:rPr lang="zh-CN" altLang="en-US" dirty="0">
+                <a:solidFill>
+                  <a:schemeClr val="bg1"/>
+                </a:solidFill>
+              </a:rPr>
+              <a:t>按钮，然后来到安装插件的页面。</a:t>
+            </a:r>
+            <a:endParaRPr lang="en-US" altLang="zh-CN" dirty="0">
+              <a:solidFill>
+                <a:schemeClr val="bg1"/>
+              </a:solidFill>
+            </a:endParaRPr>
+          </a:p>
+          <a:p>
+            <a:r>
+              <a:rPr lang="zh-CN" altLang="en-US" dirty="0">
+                <a:solidFill>
+                  <a:schemeClr val="bg1"/>
+                </a:solidFill>
+              </a:rPr>
+              <a:t>在页面左上方的搜索框内搜索</a:t>
+            </a:r>
+            <a:r>
+              <a:rPr lang="en-US" altLang="zh-CN" dirty="0">
+                <a:solidFill>
+                  <a:schemeClr val="bg1"/>
+                </a:solidFill>
+              </a:rPr>
+              <a:t>“</a:t>
+            </a:r>
+            <a:r>
+              <a:rPr lang="en-US" altLang="zh-CN" dirty="0" err="1">
+                <a:solidFill>
+                  <a:schemeClr val="bg1"/>
+                </a:solidFill>
+              </a:rPr>
+              <a:t>scala</a:t>
+            </a:r>
+            <a:r>
+              <a:rPr lang="en-US" altLang="zh-CN" dirty="0">
+                <a:solidFill>
+                  <a:schemeClr val="bg1"/>
+                </a:solidFill>
+              </a:rPr>
+              <a:t>”</a:t>
+            </a:r>
+            <a:r>
+              <a:rPr lang="zh-CN" altLang="en-US" dirty="0">
+                <a:solidFill>
+                  <a:schemeClr val="bg1"/>
+                </a:solidFill>
+              </a:rPr>
+              <a:t>，即可出现</a:t>
+            </a:r>
+            <a:r>
+              <a:rPr lang="en-US" altLang="zh-CN" dirty="0">
+                <a:solidFill>
+                  <a:schemeClr val="bg1"/>
+                </a:solidFill>
+              </a:rPr>
+              <a:t>Scala</a:t>
+            </a:r>
+            <a:r>
+              <a:rPr lang="zh-CN" altLang="en-US" dirty="0">
+                <a:solidFill>
+                  <a:schemeClr val="bg1"/>
+                </a:solidFill>
+              </a:rPr>
+              <a:t>插件的安装界面，点击右侧页面中的</a:t>
+            </a:r>
+            <a:r>
+              <a:rPr lang="en-US" altLang="zh-CN" dirty="0">
+                <a:solidFill>
+                  <a:schemeClr val="bg1"/>
+                </a:solidFill>
+              </a:rPr>
+              <a:t>Install</a:t>
+            </a:r>
+            <a:r>
+              <a:rPr lang="zh-CN" altLang="en-US" dirty="0">
+                <a:solidFill>
+                  <a:schemeClr val="bg1"/>
+                </a:solidFill>
+              </a:rPr>
+              <a:t>进行安装</a:t>
+            </a:r>
+            <a:r>
+              <a:rPr kumimoji="1" lang="zh-CN" altLang="en-US" dirty="0">
+                <a:solidFill>
+                  <a:schemeClr val="bg1"/>
+                </a:solidFill>
+              </a:rPr>
+              <a:t>。</a:t>
+            </a:r>
+            <a:endParaRPr lang="zh-CN" altLang="en-US" dirty="0">
+              <a:solidFill>
+                <a:schemeClr val="bg1"/>
+              </a:solidFill>
+            </a:endParaRPr>
+          </a:p>
+        </p:txBody>
+      </p:sp>
+    </p:spTree>
+    <p:extLst>
+      <p:ext uri="{BB962C8B-B14F-4D97-AF65-F5344CB8AC3E}">
+        <p14:creationId xmlns:p14="http://schemas.microsoft.com/office/powerpoint/2010/main" val="2137435060"/>
+      </p:ext>
+    </p:extLst>
+  </p:cSld>
+  <p:clrMapOvr>
+    <a:masterClrMapping/>
+  </p:clrMapOvr>
+  <p:transition spd="med" advClick="0" advTm="1000">
+    <p:fade/>
+  </p:transition>
+</p:sld>
+</file>
+
+<file path=ppt/slides/slide5.xml><?xml version="1.0" encoding="utf-8"?>
+<p:sld xmlns:a="http://schemas.openxmlformats.org/drawingml/2006/main" xmlns:r="http://schemas.openxmlformats.org/officeDocument/2006/relationships" xmlns:p="http://schemas.openxmlformats.org/presentationml/2006/main">
+  <p:cSld>
+    <p:spTree>
+      <p:nvGrpSpPr>
+        <p:cNvPr id="1" name=""/>
+        <p:cNvGrpSpPr/>
+        <p:nvPr/>
+      </p:nvGrpSpPr>
+      <p:grpSpPr>
+        <a:xfrm>
+          <a:off x="0" y="0"/>
+          <a:ext cx="0" cy="0"/>
+          <a:chOff x="0" y="0"/>
+          <a:chExt cx="0" cy="0"/>
+        </a:xfrm>
+      </p:grpSpPr>
+      <p:sp>
+        <p:nvSpPr>
+          <p:cNvPr id="2" name="文本框 1">
+            <a:extLst>
+              <a:ext uri="{FF2B5EF4-FFF2-40B4-BE49-F238E27FC236}">
+                <a16:creationId xmlns:a16="http://schemas.microsoft.com/office/drawing/2014/main" id="{9F8A2339-3E2E-5446-8688-D37CD1DA8E61}"/>
+              </a:ext>
+            </a:extLst>
+          </p:cNvPr>
+          <p:cNvSpPr txBox="1"/>
+          <p:nvPr/>
+        </p:nvSpPr>
+        <p:spPr>
+          <a:xfrm>
+            <a:off x="1510748" y="2345635"/>
+            <a:ext cx="4418197" cy="1754326"/>
+          </a:xfrm>
+          <a:prstGeom prst="rect">
+            <a:avLst/>
+          </a:prstGeom>
+          <a:noFill/>
+        </p:spPr>
+        <p:txBody>
+          <a:bodyPr wrap="none" rtlCol="0">
+            <a:spAutoFit/>
+          </a:bodyPr>
+          <a:lstStyle/>
+          <a:p>
+            <a:r>
+              <a:rPr kumimoji="1" lang="en-US" altLang="zh-CN" dirty="0">
+                <a:solidFill>
+                  <a:schemeClr val="bg1"/>
+                </a:solidFill>
+              </a:rPr>
+              <a:t>&lt;dependency&gt;</a:t>
+            </a:r>
+          </a:p>
+          <a:p>
+            <a:r>
+              <a:rPr kumimoji="1" lang="en-US" altLang="zh-CN" dirty="0">
+                <a:solidFill>
+                  <a:schemeClr val="bg1"/>
+                </a:solidFill>
+              </a:rPr>
+              <a:t>    &lt;</a:t>
+            </a:r>
+            <a:r>
+              <a:rPr kumimoji="1" lang="en-US" altLang="zh-CN" dirty="0" err="1">
+                <a:solidFill>
+                  <a:schemeClr val="bg1"/>
+                </a:solidFill>
+              </a:rPr>
+              <a:t>groupId</a:t>
+            </a:r>
+            <a:r>
+              <a:rPr kumimoji="1" lang="en-US" altLang="zh-CN" dirty="0">
+                <a:solidFill>
+                  <a:schemeClr val="bg1"/>
+                </a:solidFill>
+              </a:rPr>
+              <a:t>&gt;</a:t>
+            </a:r>
+            <a:r>
+              <a:rPr kumimoji="1" lang="en-US" altLang="zh-CN" dirty="0" err="1">
+                <a:solidFill>
+                  <a:schemeClr val="bg1"/>
+                </a:solidFill>
+              </a:rPr>
+              <a:t>org.apache.spark</a:t>
+            </a:r>
+            <a:r>
+              <a:rPr kumimoji="1" lang="en-US" altLang="zh-CN" dirty="0">
+                <a:solidFill>
+                  <a:schemeClr val="bg1"/>
+                </a:solidFill>
+              </a:rPr>
+              <a:t>&lt;/</a:t>
+            </a:r>
+            <a:r>
+              <a:rPr kumimoji="1" lang="en-US" altLang="zh-CN" dirty="0" err="1">
+                <a:solidFill>
+                  <a:schemeClr val="bg1"/>
+                </a:solidFill>
+              </a:rPr>
+              <a:t>groupId</a:t>
+            </a:r>
+            <a:r>
+              <a:rPr kumimoji="1" lang="en-US" altLang="zh-CN" dirty="0">
+                <a:solidFill>
+                  <a:schemeClr val="bg1"/>
+                </a:solidFill>
+              </a:rPr>
+              <a:t>&gt;</a:t>
+            </a:r>
+          </a:p>
+          <a:p>
+            <a:r>
+              <a:rPr kumimoji="1" lang="en-US" altLang="zh-CN" dirty="0">
+                <a:solidFill>
+                  <a:schemeClr val="bg1"/>
+                </a:solidFill>
+              </a:rPr>
+              <a:t>    &lt;</a:t>
+            </a:r>
+            <a:r>
+              <a:rPr kumimoji="1" lang="en-US" altLang="zh-CN" dirty="0" err="1">
+                <a:solidFill>
+                  <a:schemeClr val="bg1"/>
+                </a:solidFill>
+              </a:rPr>
+              <a:t>artifactId</a:t>
+            </a:r>
+            <a:r>
+              <a:rPr kumimoji="1" lang="en-US" altLang="zh-CN" dirty="0">
+                <a:solidFill>
+                  <a:schemeClr val="bg1"/>
+                </a:solidFill>
+              </a:rPr>
+              <a:t>&gt;spark-sql_2.12&lt;/</a:t>
+            </a:r>
+            <a:r>
+              <a:rPr kumimoji="1" lang="en-US" altLang="zh-CN" dirty="0" err="1">
+                <a:solidFill>
+                  <a:schemeClr val="bg1"/>
+                </a:solidFill>
+              </a:rPr>
+              <a:t>artifactId</a:t>
+            </a:r>
+            <a:r>
+              <a:rPr kumimoji="1" lang="en-US" altLang="zh-CN" dirty="0">
+                <a:solidFill>
+                  <a:schemeClr val="bg1"/>
+                </a:solidFill>
+              </a:rPr>
+              <a:t>&gt;</a:t>
+            </a:r>
+          </a:p>
+          <a:p>
+            <a:r>
+              <a:rPr kumimoji="1" lang="en-US" altLang="zh-CN" dirty="0">
+                <a:solidFill>
+                  <a:schemeClr val="bg1"/>
+                </a:solidFill>
+              </a:rPr>
+              <a:t>    &lt;version&gt;2.4.0&lt;/version&gt;</a:t>
+            </a:r>
+          </a:p>
+          <a:p>
+            <a:r>
+              <a:rPr kumimoji="1" lang="en-US" altLang="zh-CN" dirty="0">
+                <a:solidFill>
+                  <a:schemeClr val="bg1"/>
+                </a:solidFill>
+              </a:rPr>
+              <a:t>&lt;/dependency&gt;</a:t>
+            </a:r>
+          </a:p>
+          <a:p>
+            <a:endParaRPr kumimoji="1" lang="zh-CN" altLang="en-US" dirty="0">
+              <a:solidFill>
+                <a:schemeClr val="bg1"/>
+              </a:solidFill>
+            </a:endParaRPr>
+          </a:p>
+        </p:txBody>
+      </p:sp>
+      <p:sp>
+        <p:nvSpPr>
+          <p:cNvPr id="4" name="文本框 3">
+            <a:extLst>
+              <a:ext uri="{FF2B5EF4-FFF2-40B4-BE49-F238E27FC236}">
+                <a16:creationId xmlns:a16="http://schemas.microsoft.com/office/drawing/2014/main" id="{0CAF91E6-109D-FC46-BC71-A61C569BB294}"/>
+              </a:ext>
+            </a:extLst>
+          </p:cNvPr>
+          <p:cNvSpPr txBox="1"/>
+          <p:nvPr/>
+        </p:nvSpPr>
+        <p:spPr>
+          <a:xfrm>
+            <a:off x="1520687" y="1272209"/>
+            <a:ext cx="1545616" cy="369332"/>
+          </a:xfrm>
+          <a:prstGeom prst="rect">
+            <a:avLst/>
+          </a:prstGeom>
+          <a:noFill/>
+        </p:spPr>
+        <p:txBody>
+          <a:bodyPr wrap="none" rtlCol="0">
+            <a:spAutoFit/>
+          </a:bodyPr>
+          <a:lstStyle/>
+          <a:p>
+            <a:r>
+              <a:rPr kumimoji="1" lang="zh-CN" altLang="en-US" dirty="0">
+                <a:solidFill>
+                  <a:schemeClr val="bg1"/>
+                </a:solidFill>
+              </a:rPr>
+              <a:t>添加</a:t>
+            </a:r>
+            <a:r>
+              <a:rPr kumimoji="1" lang="en-US" altLang="zh-CN" dirty="0">
+                <a:solidFill>
+                  <a:schemeClr val="bg1"/>
+                </a:solidFill>
+              </a:rPr>
+              <a:t>Maven</a:t>
+            </a:r>
+            <a:r>
+              <a:rPr kumimoji="1" lang="zh-CN" altLang="en-US" dirty="0">
+                <a:solidFill>
+                  <a:schemeClr val="bg1"/>
+                </a:solidFill>
+              </a:rPr>
+              <a:t>源</a:t>
+            </a:r>
+          </a:p>
+        </p:txBody>
+      </p:sp>
+    </p:spTree>
+    <p:extLst>
+      <p:ext uri="{BB962C8B-B14F-4D97-AF65-F5344CB8AC3E}">
+        <p14:creationId xmlns:p14="http://schemas.microsoft.com/office/powerpoint/2010/main" val="1957390080"/>
+      </p:ext>
+    </p:extLst>
+  </p:cSld>
+  <p:clrMapOvr>
+    <a:masterClrMapping/>
+  </p:clrMapOvr>
+</p:sld>
+</file>
+
+<file path=ppt/slides/slide6.xml><?xml version="1.0" encoding="utf-8"?>
+<p:sld xmlns:a="http://schemas.openxmlformats.org/drawingml/2006/main" xmlns:r="http://schemas.openxmlformats.org/officeDocument/2006/relationships" xmlns:p="http://schemas.openxmlformats.org/presentationml/2006/main">
+  <p:cSld>
+    <p:spTree>
+      <p:nvGrpSpPr>
+        <p:cNvPr id="1" name=""/>
+        <p:cNvGrpSpPr/>
+        <p:nvPr/>
+      </p:nvGrpSpPr>
+      <p:grpSpPr>
+        <a:xfrm>
+          <a:off x="0" y="0"/>
+          <a:ext cx="0" cy="0"/>
+          <a:chOff x="0" y="0"/>
+          <a:chExt cx="0" cy="0"/>
+        </a:xfrm>
+      </p:grpSpPr>
       <p:sp>
         <p:nvSpPr>
           <p:cNvPr id="46" name="文本框 45"/>
@@ -14954,14 +16517,6 @@
               </a:rPr>
               <a:t>的基本概念</a:t>
             </a:r>
-            <a:endParaRPr lang="zh-CN" altLang="en-US" sz="2400" b="1" dirty="0">
-              <a:solidFill>
-                <a:prstClr val="white"/>
-              </a:solidFill>
-              <a:latin typeface="+mn-ea"/>
-              <a:cs typeface="+mn-ea"/>
-              <a:sym typeface="+mn-lt"/>
-            </a:endParaRPr>
           </a:p>
         </p:txBody>
       </p:sp>
@@ -14970,7 +16525,7 @@
           <p:cNvPr id="2" name="文本框 1">
             <a:extLst>
               <a:ext uri="{FF2B5EF4-FFF2-40B4-BE49-F238E27FC236}">
-                <a16:creationId xmlns:a16="http://schemas.microsoft.com/office/drawing/2014/main" xmlns="" id="{D377A53E-725C-074E-B57D-9C9405BBAF96}"/>
+                <a16:creationId xmlns:a16="http://schemas.microsoft.com/office/drawing/2014/main" id="{D377A53E-725C-074E-B57D-9C9405BBAF96}"/>
               </a:ext>
             </a:extLst>
           </p:cNvPr>
@@ -15171,13 +16726,13 @@
   <p:clrMapOvr>
     <a:masterClrMapping/>
   </p:clrMapOvr>
-  <p:transition xmlns:p14="http://schemas.microsoft.com/office/powerpoint/2010/main" spd="med" advClick="0" advTm="1000">
+  <p:transition spd="med" advClick="0" advTm="1000">
     <p:fade/>
   </p:transition>
   <p:timing>
     <p:tnLst>
       <p:par>
-        <p:cTn xmlns:p14="http://schemas.microsoft.com/office/powerpoint/2010/main" id="1" dur="indefinite" restart="never" nodeType="tmRoot">
+        <p:cTn id="1" dur="indefinite" restart="never" nodeType="tmRoot">
           <p:childTnLst>
             <p:seq concurrent="1" nextAc="seek">
               <p:cTn id="2" dur="indefinite" nodeType="mainSeq">
@@ -15390,542 +16945,7 @@
 </p:sld>
 </file>
 
-<file path=ppt/slides/slide4.xml><?xml version="1.0" encoding="utf-8"?>
-<p:sld xmlns:a="http://schemas.openxmlformats.org/drawingml/2006/main" xmlns:r="http://schemas.openxmlformats.org/officeDocument/2006/relationships" xmlns:p="http://schemas.openxmlformats.org/presentationml/2006/main">
-  <p:cSld>
-    <p:spTree>
-      <p:nvGrpSpPr>
-        <p:cNvPr id="1" name=""/>
-        <p:cNvGrpSpPr/>
-        <p:nvPr/>
-      </p:nvGrpSpPr>
-      <p:grpSpPr>
-        <a:xfrm>
-          <a:off x="0" y="0"/>
-          <a:ext cx="0" cy="0"/>
-          <a:chOff x="0" y="0"/>
-          <a:chExt cx="0" cy="0"/>
-        </a:xfrm>
-      </p:grpSpPr>
-      <p:grpSp>
-        <p:nvGrpSpPr>
-          <p:cNvPr id="38" name="组合 37"/>
-          <p:cNvGrpSpPr/>
-          <p:nvPr/>
-        </p:nvGrpSpPr>
-        <p:grpSpPr>
-          <a:xfrm>
-            <a:off x="672374" y="631535"/>
-            <a:ext cx="4356129" cy="536573"/>
-            <a:chOff x="1007305" y="947449"/>
-            <a:chExt cx="6535202" cy="804983"/>
-          </a:xfrm>
-        </p:grpSpPr>
-        <p:sp>
-          <p:nvSpPr>
-            <p:cNvPr id="39" name="文本框 38"/>
-            <p:cNvSpPr txBox="1"/>
-            <p:nvPr/>
-          </p:nvSpPr>
-          <p:spPr>
-            <a:xfrm>
-              <a:off x="1007305" y="947449"/>
-              <a:ext cx="6535202" cy="692604"/>
-            </a:xfrm>
-            <a:prstGeom prst="rect">
-              <a:avLst/>
-            </a:prstGeom>
-            <a:noFill/>
-          </p:spPr>
-          <p:txBody>
-            <a:bodyPr wrap="square" rtlCol="0">
-              <a:spAutoFit/>
-            </a:bodyPr>
-            <a:lstStyle/>
-            <a:p>
-              <a:r>
-                <a:rPr lang="zh-CN" altLang="en-US" sz="2400" dirty="0">
-                  <a:solidFill>
-                    <a:prstClr val="white"/>
-                  </a:solidFill>
-                  <a:latin typeface="+mn-ea"/>
-                </a:rPr>
-                <a:t>安装</a:t>
-              </a:r>
-              <a:r>
-                <a:rPr lang="en-US" altLang="zh-CN" sz="2400" dirty="0">
-                  <a:solidFill>
-                    <a:prstClr val="white"/>
-                  </a:solidFill>
-                  <a:latin typeface="+mn-ea"/>
-                </a:rPr>
-                <a:t>Scala</a:t>
-              </a:r>
-              <a:r>
-                <a:rPr lang="zh-CN" altLang="en-US" sz="2400" dirty="0">
-                  <a:solidFill>
-                    <a:prstClr val="white"/>
-                  </a:solidFill>
-                  <a:latin typeface="+mn-ea"/>
-                </a:rPr>
-                <a:t>插件</a:t>
-              </a:r>
-            </a:p>
-          </p:txBody>
-        </p:sp>
-        <p:cxnSp>
-          <p:nvCxnSpPr>
-            <p:cNvPr id="40" name="直线连接符 5"/>
-            <p:cNvCxnSpPr/>
-            <p:nvPr/>
-          </p:nvCxnSpPr>
-          <p:spPr>
-            <a:xfrm>
-              <a:off x="1007305" y="1752432"/>
-              <a:ext cx="3742116" cy="0"/>
-            </a:xfrm>
-            <a:prstGeom prst="line">
-              <a:avLst/>
-            </a:prstGeom>
-            <a:ln>
-              <a:solidFill>
-                <a:schemeClr val="bg1"/>
-              </a:solidFill>
-              <a:headEnd type="oval"/>
-              <a:tailEnd type="oval"/>
-            </a:ln>
-          </p:spPr>
-          <p:style>
-            <a:lnRef idx="1">
-              <a:schemeClr val="accent1"/>
-            </a:lnRef>
-            <a:fillRef idx="0">
-              <a:schemeClr val="accent1"/>
-            </a:fillRef>
-            <a:effectRef idx="0">
-              <a:schemeClr val="accent1"/>
-            </a:effectRef>
-            <a:fontRef idx="minor">
-              <a:schemeClr val="tx1"/>
-            </a:fontRef>
-          </p:style>
-        </p:cxnSp>
-      </p:grpSp>
-      <p:sp>
-        <p:nvSpPr>
-          <p:cNvPr id="3" name="文本框 2">
-            <a:extLst>
-              <a:ext uri="{FF2B5EF4-FFF2-40B4-BE49-F238E27FC236}">
-                <a16:creationId xmlns:a16="http://schemas.microsoft.com/office/drawing/2014/main" xmlns="" id="{2FBE2898-929C-3249-AA82-5E20134B90A6}"/>
-              </a:ext>
-            </a:extLst>
-          </p:cNvPr>
-          <p:cNvSpPr txBox="1"/>
-          <p:nvPr/>
-        </p:nvSpPr>
-        <p:spPr>
-          <a:xfrm>
-            <a:off x="322036" y="1436915"/>
-            <a:ext cx="11069056" cy="646331"/>
-          </a:xfrm>
-          <a:prstGeom prst="rect">
-            <a:avLst/>
-          </a:prstGeom>
-          <a:noFill/>
-        </p:spPr>
-        <p:txBody>
-          <a:bodyPr wrap="none" rtlCol="0">
-            <a:spAutoFit/>
-          </a:bodyPr>
-          <a:lstStyle/>
-          <a:p>
-            <a:r>
-              <a:rPr lang="zh-CN" altLang="en-US" dirty="0">
-                <a:solidFill>
-                  <a:schemeClr val="bg1"/>
-                </a:solidFill>
-              </a:rPr>
-              <a:t>点击页面左下方的</a:t>
-            </a:r>
-            <a:r>
-              <a:rPr lang="en-US" altLang="zh-CN" dirty="0">
-                <a:solidFill>
-                  <a:schemeClr val="bg1"/>
-                </a:solidFill>
-              </a:rPr>
-              <a:t>Install JetBrains plugin...</a:t>
-            </a:r>
-            <a:r>
-              <a:rPr lang="zh-CN" altLang="en-US" dirty="0">
-                <a:solidFill>
-                  <a:schemeClr val="bg1"/>
-                </a:solidFill>
-              </a:rPr>
-              <a:t>按钮，然后来到安装插件的页面。</a:t>
-            </a:r>
-            <a:endParaRPr lang="en-US" altLang="zh-CN" dirty="0">
-              <a:solidFill>
-                <a:schemeClr val="bg1"/>
-              </a:solidFill>
-            </a:endParaRPr>
-          </a:p>
-          <a:p>
-            <a:r>
-              <a:rPr lang="zh-CN" altLang="en-US" dirty="0">
-                <a:solidFill>
-                  <a:schemeClr val="bg1"/>
-                </a:solidFill>
-              </a:rPr>
-              <a:t>在页面左上方的搜索框内搜索</a:t>
-            </a:r>
-            <a:r>
-              <a:rPr lang="en-US" altLang="zh-CN" dirty="0">
-                <a:solidFill>
-                  <a:schemeClr val="bg1"/>
-                </a:solidFill>
-              </a:rPr>
-              <a:t>“</a:t>
-            </a:r>
-            <a:r>
-              <a:rPr lang="en-US" altLang="zh-CN" dirty="0" err="1">
-                <a:solidFill>
-                  <a:schemeClr val="bg1"/>
-                </a:solidFill>
-              </a:rPr>
-              <a:t>scala</a:t>
-            </a:r>
-            <a:r>
-              <a:rPr lang="en-US" altLang="zh-CN" dirty="0">
-                <a:solidFill>
-                  <a:schemeClr val="bg1"/>
-                </a:solidFill>
-              </a:rPr>
-              <a:t>”</a:t>
-            </a:r>
-            <a:r>
-              <a:rPr lang="zh-CN" altLang="en-US" dirty="0">
-                <a:solidFill>
-                  <a:schemeClr val="bg1"/>
-                </a:solidFill>
-              </a:rPr>
-              <a:t>，即可出现</a:t>
-            </a:r>
-            <a:r>
-              <a:rPr lang="en-US" altLang="zh-CN" dirty="0">
-                <a:solidFill>
-                  <a:schemeClr val="bg1"/>
-                </a:solidFill>
-              </a:rPr>
-              <a:t>Scala</a:t>
-            </a:r>
-            <a:r>
-              <a:rPr lang="zh-CN" altLang="en-US" dirty="0">
-                <a:solidFill>
-                  <a:schemeClr val="bg1"/>
-                </a:solidFill>
-              </a:rPr>
-              <a:t>插件的安装界面，点击右侧页面中的</a:t>
-            </a:r>
-            <a:r>
-              <a:rPr lang="en-US" altLang="zh-CN" dirty="0">
-                <a:solidFill>
-                  <a:schemeClr val="bg1"/>
-                </a:solidFill>
-              </a:rPr>
-              <a:t>Install</a:t>
-            </a:r>
-            <a:r>
-              <a:rPr lang="zh-CN" altLang="en-US" dirty="0">
-                <a:solidFill>
-                  <a:schemeClr val="bg1"/>
-                </a:solidFill>
-              </a:rPr>
-              <a:t>进行安装</a:t>
-            </a:r>
-            <a:r>
-              <a:rPr kumimoji="1" lang="zh-CN" altLang="en-US" dirty="0">
-                <a:solidFill>
-                  <a:schemeClr val="bg1"/>
-                </a:solidFill>
-              </a:rPr>
-              <a:t>。</a:t>
-            </a:r>
-            <a:endParaRPr lang="zh-CN" altLang="en-US" dirty="0">
-              <a:solidFill>
-                <a:schemeClr val="bg1"/>
-              </a:solidFill>
-            </a:endParaRPr>
-          </a:p>
-        </p:txBody>
-      </p:sp>
-    </p:spTree>
-    <p:extLst>
-      <p:ext uri="{BB962C8B-B14F-4D97-AF65-F5344CB8AC3E}">
-        <p14:creationId xmlns:p14="http://schemas.microsoft.com/office/powerpoint/2010/main" val="1582425467"/>
-      </p:ext>
-    </p:extLst>
-  </p:cSld>
-  <p:clrMapOvr>
-    <a:masterClrMapping/>
-  </p:clrMapOvr>
-  <p:transition xmlns:p14="http://schemas.microsoft.com/office/powerpoint/2010/main" spd="med" advClick="0" advTm="1000">
-    <p:fade/>
-  </p:transition>
-</p:sld>
-</file>
-
-<file path=ppt/slides/slide5.xml><?xml version="1.0" encoding="utf-8"?>
-<p:sld xmlns:a="http://schemas.openxmlformats.org/drawingml/2006/main" xmlns:r="http://schemas.openxmlformats.org/officeDocument/2006/relationships" xmlns:p="http://schemas.openxmlformats.org/presentationml/2006/main">
-  <p:cSld>
-    <p:spTree>
-      <p:nvGrpSpPr>
-        <p:cNvPr id="1" name=""/>
-        <p:cNvGrpSpPr/>
-        <p:nvPr/>
-      </p:nvGrpSpPr>
-      <p:grpSpPr>
-        <a:xfrm>
-          <a:off x="0" y="0"/>
-          <a:ext cx="0" cy="0"/>
-          <a:chOff x="0" y="0"/>
-          <a:chExt cx="0" cy="0"/>
-        </a:xfrm>
-      </p:grpSpPr>
-      <p:sp>
-        <p:nvSpPr>
-          <p:cNvPr id="2" name="文本框 1">
-            <a:extLst>
-              <a:ext uri="{FF2B5EF4-FFF2-40B4-BE49-F238E27FC236}">
-                <a16:creationId xmlns:a16="http://schemas.microsoft.com/office/drawing/2014/main" xmlns="" id="{9F8A2339-3E2E-5446-8688-D37CD1DA8E61}"/>
-              </a:ext>
-            </a:extLst>
-          </p:cNvPr>
-          <p:cNvSpPr txBox="1"/>
-          <p:nvPr/>
-        </p:nvSpPr>
-        <p:spPr>
-          <a:xfrm>
-            <a:off x="1510748" y="2345635"/>
-            <a:ext cx="4418197" cy="1754326"/>
-          </a:xfrm>
-          <a:prstGeom prst="rect">
-            <a:avLst/>
-          </a:prstGeom>
-          <a:noFill/>
-        </p:spPr>
-        <p:txBody>
-          <a:bodyPr wrap="none" rtlCol="0">
-            <a:spAutoFit/>
-          </a:bodyPr>
-          <a:lstStyle/>
-          <a:p>
-            <a:r>
-              <a:rPr kumimoji="1" lang="en-US" altLang="zh-CN" dirty="0">
-                <a:solidFill>
-                  <a:schemeClr val="bg1"/>
-                </a:solidFill>
-              </a:rPr>
-              <a:t>&lt;dependency&gt;</a:t>
-            </a:r>
-          </a:p>
-          <a:p>
-            <a:r>
-              <a:rPr kumimoji="1" lang="en-US" altLang="zh-CN" dirty="0">
-                <a:solidFill>
-                  <a:schemeClr val="bg1"/>
-                </a:solidFill>
-              </a:rPr>
-              <a:t>    &lt;</a:t>
-            </a:r>
-            <a:r>
-              <a:rPr kumimoji="1" lang="en-US" altLang="zh-CN" dirty="0" err="1">
-                <a:solidFill>
-                  <a:schemeClr val="bg1"/>
-                </a:solidFill>
-              </a:rPr>
-              <a:t>groupId</a:t>
-            </a:r>
-            <a:r>
-              <a:rPr kumimoji="1" lang="en-US" altLang="zh-CN" dirty="0">
-                <a:solidFill>
-                  <a:schemeClr val="bg1"/>
-                </a:solidFill>
-              </a:rPr>
-              <a:t>&gt;</a:t>
-            </a:r>
-            <a:r>
-              <a:rPr kumimoji="1" lang="en-US" altLang="zh-CN" dirty="0" err="1">
-                <a:solidFill>
-                  <a:schemeClr val="bg1"/>
-                </a:solidFill>
-              </a:rPr>
-              <a:t>org.apache.spark</a:t>
-            </a:r>
-            <a:r>
-              <a:rPr kumimoji="1" lang="en-US" altLang="zh-CN" dirty="0">
-                <a:solidFill>
-                  <a:schemeClr val="bg1"/>
-                </a:solidFill>
-              </a:rPr>
-              <a:t>&lt;/</a:t>
-            </a:r>
-            <a:r>
-              <a:rPr kumimoji="1" lang="en-US" altLang="zh-CN" dirty="0" err="1">
-                <a:solidFill>
-                  <a:schemeClr val="bg1"/>
-                </a:solidFill>
-              </a:rPr>
-              <a:t>groupId</a:t>
-            </a:r>
-            <a:r>
-              <a:rPr kumimoji="1" lang="en-US" altLang="zh-CN" dirty="0">
-                <a:solidFill>
-                  <a:schemeClr val="bg1"/>
-                </a:solidFill>
-              </a:rPr>
-              <a:t>&gt;</a:t>
-            </a:r>
-          </a:p>
-          <a:p>
-            <a:r>
-              <a:rPr kumimoji="1" lang="en-US" altLang="zh-CN" dirty="0">
-                <a:solidFill>
-                  <a:schemeClr val="bg1"/>
-                </a:solidFill>
-              </a:rPr>
-              <a:t>    &lt;</a:t>
-            </a:r>
-            <a:r>
-              <a:rPr kumimoji="1" lang="en-US" altLang="zh-CN" dirty="0" err="1">
-                <a:solidFill>
-                  <a:schemeClr val="bg1"/>
-                </a:solidFill>
-              </a:rPr>
-              <a:t>artifactId</a:t>
-            </a:r>
-            <a:r>
-              <a:rPr kumimoji="1" lang="en-US" altLang="zh-CN" dirty="0">
-                <a:solidFill>
-                  <a:schemeClr val="bg1"/>
-                </a:solidFill>
-              </a:rPr>
-              <a:t>&gt;spark-sql_2.12&lt;/</a:t>
-            </a:r>
-            <a:r>
-              <a:rPr kumimoji="1" lang="en-US" altLang="zh-CN" dirty="0" err="1">
-                <a:solidFill>
-                  <a:schemeClr val="bg1"/>
-                </a:solidFill>
-              </a:rPr>
-              <a:t>artifactId</a:t>
-            </a:r>
-            <a:r>
-              <a:rPr kumimoji="1" lang="en-US" altLang="zh-CN" dirty="0">
-                <a:solidFill>
-                  <a:schemeClr val="bg1"/>
-                </a:solidFill>
-              </a:rPr>
-              <a:t>&gt;</a:t>
-            </a:r>
-          </a:p>
-          <a:p>
-            <a:r>
-              <a:rPr kumimoji="1" lang="en-US" altLang="zh-CN" dirty="0">
-                <a:solidFill>
-                  <a:schemeClr val="bg1"/>
-                </a:solidFill>
-              </a:rPr>
-              <a:t>    &lt;version&gt;2.4.0&lt;/version&gt;</a:t>
-            </a:r>
-          </a:p>
-          <a:p>
-            <a:r>
-              <a:rPr kumimoji="1" lang="en-US" altLang="zh-CN" dirty="0">
-                <a:solidFill>
-                  <a:schemeClr val="bg1"/>
-                </a:solidFill>
-              </a:rPr>
-              <a:t>&lt;/dependency&gt;</a:t>
-            </a:r>
-          </a:p>
-          <a:p>
-            <a:endParaRPr kumimoji="1" lang="zh-CN" altLang="en-US" dirty="0">
-              <a:solidFill>
-                <a:schemeClr val="bg1"/>
-              </a:solidFill>
-            </a:endParaRPr>
-          </a:p>
-        </p:txBody>
-      </p:sp>
-      <p:sp>
-        <p:nvSpPr>
-          <p:cNvPr id="4" name="文本框 3">
-            <a:extLst>
-              <a:ext uri="{FF2B5EF4-FFF2-40B4-BE49-F238E27FC236}">
-                <a16:creationId xmlns:a16="http://schemas.microsoft.com/office/drawing/2014/main" xmlns="" id="{0CAF91E6-109D-FC46-BC71-A61C569BB294}"/>
-              </a:ext>
-            </a:extLst>
-          </p:cNvPr>
-          <p:cNvSpPr txBox="1"/>
-          <p:nvPr/>
-        </p:nvSpPr>
-        <p:spPr>
-          <a:xfrm>
-            <a:off x="1520687" y="1272209"/>
-            <a:ext cx="1545616" cy="369332"/>
-          </a:xfrm>
-          <a:prstGeom prst="rect">
-            <a:avLst/>
-          </a:prstGeom>
-          <a:noFill/>
-        </p:spPr>
-        <p:txBody>
-          <a:bodyPr wrap="none" rtlCol="0">
-            <a:spAutoFit/>
-          </a:bodyPr>
-          <a:lstStyle/>
-          <a:p>
-            <a:r>
-              <a:rPr kumimoji="1" lang="zh-CN" altLang="en-US" dirty="0">
-                <a:solidFill>
-                  <a:schemeClr val="bg1"/>
-                </a:solidFill>
-              </a:rPr>
-              <a:t>添加</a:t>
-            </a:r>
-            <a:r>
-              <a:rPr kumimoji="1" lang="en-US" altLang="zh-CN" dirty="0">
-                <a:solidFill>
-                  <a:schemeClr val="bg1"/>
-                </a:solidFill>
-              </a:rPr>
-              <a:t>Maven</a:t>
-            </a:r>
-            <a:r>
-              <a:rPr kumimoji="1" lang="zh-CN" altLang="en-US" dirty="0">
-                <a:solidFill>
-                  <a:schemeClr val="bg1"/>
-                </a:solidFill>
-              </a:rPr>
-              <a:t>源</a:t>
-            </a:r>
-          </a:p>
-        </p:txBody>
-      </p:sp>
-    </p:spTree>
-    <p:extLst>
-      <p:ext uri="{BB962C8B-B14F-4D97-AF65-F5344CB8AC3E}">
-        <p14:creationId xmlns:p14="http://schemas.microsoft.com/office/powerpoint/2010/main" val="697173195"/>
-      </p:ext>
-    </p:extLst>
-  </p:cSld>
-  <p:clrMapOvr>
-    <a:masterClrMapping/>
-  </p:clrMapOvr>
-</p:sld>
-</file>
-
-<file path=ppt/slides/slide6.xml><?xml version="1.0" encoding="utf-8"?>
+<file path=ppt/slides/slide7.xml><?xml version="1.0" encoding="utf-8"?>
 <p:sld xmlns:a="http://schemas.openxmlformats.org/drawingml/2006/main" xmlns:r="http://schemas.openxmlformats.org/officeDocument/2006/relationships" xmlns:p="http://schemas.openxmlformats.org/presentationml/2006/main">
   <p:cSld>
     <p:spTree>
@@ -16014,12 +17034,6 @@
                 </a:rPr>
                 <a:t>读写文件</a:t>
               </a:r>
-              <a:endParaRPr lang="zh-CN" altLang="en-US" sz="2400" dirty="0">
-                <a:solidFill>
-                  <a:prstClr val="white"/>
-                </a:solidFill>
-                <a:latin typeface="+mn-ea"/>
-              </a:endParaRPr>
             </a:p>
           </p:txBody>
         </p:sp>
@@ -16066,7 +17080,7 @@
           <p:cNvPr id="3" name="文本框 2">
             <a:extLst>
               <a:ext uri="{FF2B5EF4-FFF2-40B4-BE49-F238E27FC236}">
-                <a16:creationId xmlns:a16="http://schemas.microsoft.com/office/drawing/2014/main" xmlns="" id="{2FBE2898-929C-3249-AA82-5E20134B90A6}"/>
+                <a16:creationId xmlns:a16="http://schemas.microsoft.com/office/drawing/2014/main" id="{2FBE2898-929C-3249-AA82-5E20134B90A6}"/>
               </a:ext>
             </a:extLst>
           </p:cNvPr>
@@ -16354,14 +17368,6 @@
               </a:rPr>
               <a:t>使用案例。</a:t>
             </a:r>
-            <a:endParaRPr lang="zh-CN" altLang="en-US" dirty="0">
-              <a:solidFill>
-                <a:schemeClr val="bg1"/>
-              </a:solidFill>
-              <a:latin typeface="黑体"/>
-              <a:ea typeface="黑体"/>
-              <a:cs typeface="黑体"/>
-            </a:endParaRPr>
           </a:p>
         </p:txBody>
       </p:sp>
@@ -16497,8 +17503,10 @@
                 <a:ea typeface="黑体"/>
                 <a:cs typeface="黑体"/>
               </a:rPr>
-              <a:t>存储在外部系统</a:t>
-            </a:r>
+              <a:t>存储在外部系统。</a:t>
+            </a:r>
+          </a:p>
+          <a:p>
             <a:r>
               <a:rPr kumimoji="1" lang="zh-TW" altLang="en-US">
                 <a:solidFill>
@@ -16508,12 +17516,10 @@
                 <a:ea typeface="黑体"/>
                 <a:cs typeface="黑体"/>
               </a:rPr>
-              <a:t>。</a:t>
-            </a:r>
-          </a:p>
-          <a:p>
-            <a:r>
-              <a:rPr kumimoji="1" lang="zh-TW" altLang="en-US">
+              <a:t>例如文件、</a:t>
+            </a:r>
+            <a:r>
+              <a:rPr kumimoji="1" lang="en-US" altLang="zh-TW">
                 <a:solidFill>
                   <a:schemeClr val="bg1"/>
                 </a:solidFill>
@@ -16521,10 +17527,10 @@
                 <a:ea typeface="黑体"/>
                 <a:cs typeface="黑体"/>
               </a:rPr>
-              <a:t>例如文件、</a:t>
-            </a:r>
-            <a:r>
-              <a:rPr kumimoji="1" lang="en-US" altLang="zh-TW">
+              <a:t>Hive</a:t>
+            </a:r>
+            <a:r>
+              <a:rPr kumimoji="1" lang="zh-TW" altLang="en-US">
                 <a:solidFill>
                   <a:schemeClr val="bg1"/>
                 </a:solidFill>
@@ -16532,10 +17538,10 @@
                 <a:ea typeface="黑体"/>
                 <a:cs typeface="黑体"/>
               </a:rPr>
-              <a:t>Hive</a:t>
-            </a:r>
-            <a:r>
-              <a:rPr kumimoji="1" lang="zh-TW" altLang="en-US">
+              <a:t>表和</a:t>
+            </a:r>
+            <a:r>
+              <a:rPr kumimoji="1" lang="en-US" altLang="zh-TW">
                 <a:solidFill>
                   <a:schemeClr val="bg1"/>
                 </a:solidFill>
@@ -16543,10 +17549,10 @@
                 <a:ea typeface="黑体"/>
                 <a:cs typeface="黑体"/>
               </a:rPr>
-              <a:t>表和</a:t>
-            </a:r>
-            <a:r>
-              <a:rPr kumimoji="1" lang="en-US" altLang="zh-TW">
+              <a:t>JDBC</a:t>
+            </a:r>
+            <a:r>
+              <a:rPr kumimoji="1" lang="zh-TW" altLang="en-US">
                 <a:solidFill>
                   <a:schemeClr val="bg1"/>
                 </a:solidFill>
@@ -16554,10 +17560,12 @@
                 <a:ea typeface="黑体"/>
                 <a:cs typeface="黑体"/>
               </a:rPr>
-              <a:t>JDBC</a:t>
-            </a:r>
-            <a:r>
-              <a:rPr kumimoji="1" lang="zh-TW" altLang="en-US">
+              <a:t>数据库。</a:t>
+            </a:r>
+          </a:p>
+          <a:p>
+            <a:r>
+              <a:rPr kumimoji="1" lang="zh-CN" altLang="en-US">
                 <a:solidFill>
                   <a:schemeClr val="bg1"/>
                 </a:solidFill>
@@ -16565,29 +17573,8 @@
                 <a:ea typeface="黑体"/>
                 <a:cs typeface="黑体"/>
               </a:rPr>
-              <a:t>数据库。</a:t>
-            </a:r>
-          </a:p>
-          <a:p>
-            <a:r>
-              <a:rPr kumimoji="1" lang="zh-CN" altLang="en-US">
-                <a:solidFill>
-                  <a:schemeClr val="bg1"/>
-                </a:solidFill>
-                <a:latin typeface="黑体"/>
-                <a:ea typeface="黑体"/>
-                <a:cs typeface="黑体"/>
-              </a:rPr>
               <a:t>使用案例。</a:t>
             </a:r>
-            <a:endParaRPr kumimoji="1" lang="zh-CN" altLang="en-US">
-              <a:solidFill>
-                <a:schemeClr val="bg1"/>
-              </a:solidFill>
-              <a:latin typeface="黑体"/>
-              <a:ea typeface="黑体"/>
-              <a:cs typeface="黑体"/>
-            </a:endParaRPr>
           </a:p>
         </p:txBody>
       </p:sp>
@@ -16601,13 +17588,13 @@
   <p:clrMapOvr>
     <a:masterClrMapping/>
   </p:clrMapOvr>
-  <p:transition xmlns:p14="http://schemas.microsoft.com/office/powerpoint/2010/main" spd="med" advClick="0" advTm="1000">
+  <p:transition spd="med" advClick="0" advTm="1000">
     <p:fade/>
   </p:transition>
 </p:sld>
 </file>
 
-<file path=ppt/slides/slide7.xml><?xml version="1.0" encoding="utf-8"?>
+<file path=ppt/slides/slide8.xml><?xml version="1.0" encoding="utf-8"?>
 <p:sld xmlns:a="http://schemas.openxmlformats.org/drawingml/2006/main" xmlns:r="http://schemas.openxmlformats.org/officeDocument/2006/relationships" xmlns:p="http://schemas.openxmlformats.org/presentationml/2006/main">
   <p:cSld>
     <p:spTree>
@@ -16696,12 +17683,6 @@
                 </a:rPr>
                 <a:t>的执行计划</a:t>
               </a:r>
-              <a:endParaRPr lang="zh-CN" altLang="en-US" sz="2400" dirty="0">
-                <a:solidFill>
-                  <a:prstClr val="white"/>
-                </a:solidFill>
-                <a:latin typeface="+mn-ea"/>
-              </a:endParaRPr>
             </a:p>
           </p:txBody>
         </p:sp>
@@ -16833,13 +17814,13 @@
   <p:clrMapOvr>
     <a:masterClrMapping/>
   </p:clrMapOvr>
-  <p:transition xmlns:p14="http://schemas.microsoft.com/office/powerpoint/2010/main" spd="med" advClick="0" advTm="1000">
+  <p:transition spd="med" advClick="0" advTm="1000">
     <p:fade/>
   </p:transition>
 </p:sld>
 </file>
 
-<file path=ppt/slides/slide8.xml><?xml version="1.0" encoding="utf-8"?>
+<file path=ppt/slides/slide9.xml><?xml version="1.0" encoding="utf-8"?>
 <p:sld xmlns:a="http://schemas.openxmlformats.org/drawingml/2006/main" xmlns:r="http://schemas.openxmlformats.org/officeDocument/2006/relationships" xmlns:p="http://schemas.openxmlformats.org/presentationml/2006/main">
   <p:cSld>
     <p:spTree>
@@ -16919,12 +17900,6 @@
                 </a:rPr>
                 <a:t>数据的结构</a:t>
               </a:r>
-              <a:endParaRPr lang="zh-CN" altLang="en-US" sz="2400" dirty="0">
-                <a:solidFill>
-                  <a:prstClr val="white"/>
-                </a:solidFill>
-                <a:latin typeface="+mn-ea"/>
-              </a:endParaRPr>
             </a:p>
           </p:txBody>
         </p:sp>
@@ -16971,7 +17946,7 @@
           <p:cNvPr id="3" name="文本框 2">
             <a:extLst>
               <a:ext uri="{FF2B5EF4-FFF2-40B4-BE49-F238E27FC236}">
-                <a16:creationId xmlns:a16="http://schemas.microsoft.com/office/drawing/2014/main" xmlns="" id="{2FBE2898-929C-3249-AA82-5E20134B90A6}"/>
+                <a16:creationId xmlns:a16="http://schemas.microsoft.com/office/drawing/2014/main" id="{2FBE2898-929C-3249-AA82-5E20134B90A6}"/>
               </a:ext>
             </a:extLst>
           </p:cNvPr>
@@ -17338,351 +18313,7 @@
   <p:clrMapOvr>
     <a:masterClrMapping/>
   </p:clrMapOvr>
-  <p:transition xmlns:p14="http://schemas.microsoft.com/office/powerpoint/2010/main" spd="med" advClick="0" advTm="1000">
-    <p:fade/>
-  </p:transition>
-</p:sld>
-</file>
-
-<file path=ppt/slides/slide9.xml><?xml version="1.0" encoding="utf-8"?>
-<p:sld xmlns:a="http://schemas.openxmlformats.org/drawingml/2006/main" xmlns:r="http://schemas.openxmlformats.org/officeDocument/2006/relationships" xmlns:p="http://schemas.openxmlformats.org/presentationml/2006/main">
-  <p:cSld>
-    <p:spTree>
-      <p:nvGrpSpPr>
-        <p:cNvPr id="1" name=""/>
-        <p:cNvGrpSpPr/>
-        <p:nvPr/>
-      </p:nvGrpSpPr>
-      <p:grpSpPr>
-        <a:xfrm>
-          <a:off x="0" y="0"/>
-          <a:ext cx="0" cy="0"/>
-          <a:chOff x="0" y="0"/>
-          <a:chExt cx="0" cy="0"/>
-        </a:xfrm>
-      </p:grpSpPr>
-      <p:grpSp>
-        <p:nvGrpSpPr>
-          <p:cNvPr id="38" name="组合 37"/>
-          <p:cNvGrpSpPr/>
-          <p:nvPr/>
-        </p:nvGrpSpPr>
-        <p:grpSpPr>
-          <a:xfrm>
-            <a:off x="672374" y="631535"/>
-            <a:ext cx="4356129" cy="536573"/>
-            <a:chOff x="1007305" y="947449"/>
-            <a:chExt cx="6535202" cy="804983"/>
-          </a:xfrm>
-        </p:grpSpPr>
-        <p:sp>
-          <p:nvSpPr>
-            <p:cNvPr id="39" name="文本框 38"/>
-            <p:cNvSpPr txBox="1"/>
-            <p:nvPr/>
-          </p:nvSpPr>
-          <p:spPr>
-            <a:xfrm>
-              <a:off x="1007305" y="947449"/>
-              <a:ext cx="6535202" cy="692604"/>
-            </a:xfrm>
-            <a:prstGeom prst="rect">
-              <a:avLst/>
-            </a:prstGeom>
-            <a:noFill/>
-          </p:spPr>
-          <p:txBody>
-            <a:bodyPr wrap="square" rtlCol="0">
-              <a:spAutoFit/>
-            </a:bodyPr>
-            <a:lstStyle/>
-            <a:p>
-              <a:r>
-                <a:rPr lang="zh-CN" altLang="en-US" sz="2400" dirty="0">
-                  <a:solidFill>
-                    <a:prstClr val="white"/>
-                  </a:solidFill>
-                  <a:latin typeface="+mn-ea"/>
-                </a:rPr>
-                <a:t>执行</a:t>
-              </a:r>
-              <a:r>
-                <a:rPr lang="en-US" altLang="zh-CN" sz="2400" dirty="0">
-                  <a:solidFill>
-                    <a:prstClr val="white"/>
-                  </a:solidFill>
-                  <a:latin typeface="+mn-ea"/>
-                </a:rPr>
-                <a:t>Spark</a:t>
-              </a:r>
-              <a:r>
-                <a:rPr lang="zh-CN" altLang="en-US" sz="2400" dirty="0">
-                  <a:solidFill>
-                    <a:prstClr val="white"/>
-                  </a:solidFill>
-                  <a:latin typeface="+mn-ea"/>
-                </a:rPr>
-                <a:t> </a:t>
-              </a:r>
-              <a:r>
-                <a:rPr lang="en-US" altLang="zh-CN" sz="2400" dirty="0">
-                  <a:solidFill>
-                    <a:prstClr val="white"/>
-                  </a:solidFill>
-                  <a:latin typeface="+mn-ea"/>
-                </a:rPr>
-                <a:t>SQL</a:t>
-              </a:r>
-              <a:endParaRPr lang="zh-CN" altLang="en-US" sz="2400" dirty="0">
-                <a:solidFill>
-                  <a:prstClr val="white"/>
-                </a:solidFill>
-                <a:latin typeface="+mn-ea"/>
-              </a:endParaRPr>
-            </a:p>
-          </p:txBody>
-        </p:sp>
-        <p:cxnSp>
-          <p:nvCxnSpPr>
-            <p:cNvPr id="40" name="直线连接符 5"/>
-            <p:cNvCxnSpPr/>
-            <p:nvPr/>
-          </p:nvCxnSpPr>
-          <p:spPr>
-            <a:xfrm>
-              <a:off x="1007305" y="1752432"/>
-              <a:ext cx="3742116" cy="0"/>
-            </a:xfrm>
-            <a:prstGeom prst="line">
-              <a:avLst/>
-            </a:prstGeom>
-            <a:ln>
-              <a:solidFill>
-                <a:schemeClr val="bg1"/>
-              </a:solidFill>
-              <a:headEnd type="oval"/>
-              <a:tailEnd type="oval"/>
-            </a:ln>
-          </p:spPr>
-          <p:style>
-            <a:lnRef idx="1">
-              <a:schemeClr val="accent1"/>
-            </a:lnRef>
-            <a:fillRef idx="0">
-              <a:schemeClr val="accent1"/>
-            </a:fillRef>
-            <a:effectRef idx="0">
-              <a:schemeClr val="accent1"/>
-            </a:effectRef>
-            <a:fontRef idx="minor">
-              <a:schemeClr val="tx1"/>
-            </a:fontRef>
-          </p:style>
-        </p:cxnSp>
-      </p:grpSp>
-      <p:sp>
-        <p:nvSpPr>
-          <p:cNvPr id="4" name="矩形 3"/>
-          <p:cNvSpPr/>
-          <p:nvPr/>
-        </p:nvSpPr>
-        <p:spPr>
-          <a:xfrm>
-            <a:off x="936054" y="1736857"/>
-            <a:ext cx="9181960" cy="2031325"/>
-          </a:xfrm>
-          <a:prstGeom prst="rect">
-            <a:avLst/>
-          </a:prstGeom>
-        </p:spPr>
-        <p:txBody>
-          <a:bodyPr wrap="square">
-            <a:spAutoFit/>
-          </a:bodyPr>
-          <a:lstStyle/>
-          <a:p>
-            <a:r>
-              <a:rPr lang="en-US" altLang="zh-TW">
-                <a:solidFill>
-                  <a:srgbClr val="FFFFFF"/>
-                </a:solidFill>
-                <a:latin typeface="黑体"/>
-                <a:ea typeface="黑体"/>
-                <a:cs typeface="黑体"/>
-              </a:rPr>
-              <a:t>DataFrame</a:t>
-            </a:r>
-            <a:r>
-              <a:rPr lang="zh-TW" altLang="en-US">
-                <a:solidFill>
-                  <a:srgbClr val="FFFFFF"/>
-                </a:solidFill>
-                <a:latin typeface="黑体"/>
-                <a:ea typeface="黑体"/>
-                <a:cs typeface="黑体"/>
-              </a:rPr>
-              <a:t>注册为一个表，就可以像关系型数据库一样执行</a:t>
-            </a:r>
-            <a:r>
-              <a:rPr lang="en-US" altLang="zh-TW">
-                <a:solidFill>
-                  <a:srgbClr val="FFFFFF"/>
-                </a:solidFill>
-                <a:latin typeface="黑体"/>
-                <a:ea typeface="黑体"/>
-                <a:cs typeface="黑体"/>
-              </a:rPr>
-              <a:t>SQL</a:t>
-            </a:r>
-            <a:r>
-              <a:rPr lang="zh-TW" altLang="en-US">
-                <a:solidFill>
-                  <a:srgbClr val="FFFFFF"/>
-                </a:solidFill>
-                <a:latin typeface="黑体"/>
-                <a:ea typeface="黑体"/>
-                <a:cs typeface="黑体"/>
-              </a:rPr>
-              <a:t>语句，比如：</a:t>
-            </a:r>
-          </a:p>
-          <a:p>
-            <a:endParaRPr lang="zh-TW" altLang="en-US">
-              <a:solidFill>
-                <a:srgbClr val="FFFFFF"/>
-              </a:solidFill>
-              <a:latin typeface="黑体"/>
-              <a:ea typeface="黑体"/>
-              <a:cs typeface="黑体"/>
-            </a:endParaRPr>
-          </a:p>
-          <a:p>
-            <a:r>
-              <a:rPr lang="en-US" altLang="zh-TW">
-                <a:solidFill>
-                  <a:srgbClr val="FFFFFF"/>
-                </a:solidFill>
-                <a:latin typeface="黑体"/>
-                <a:ea typeface="黑体"/>
-                <a:cs typeface="黑体"/>
-              </a:rPr>
-              <a:t>statesDF.createOrReplaceTempView("states")</a:t>
-            </a:r>
-          </a:p>
-          <a:p>
-            <a:r>
-              <a:rPr lang="en-US" altLang="zh-TW">
-                <a:solidFill>
-                  <a:srgbClr val="FFFFFF"/>
-                </a:solidFill>
-                <a:latin typeface="黑体"/>
-                <a:ea typeface="黑体"/>
-                <a:cs typeface="黑体"/>
-              </a:rPr>
-              <a:t>statesDF.show()</a:t>
-            </a:r>
-          </a:p>
-          <a:p>
-            <a:r>
-              <a:rPr lang="en-US" altLang="zh-TW">
-                <a:solidFill>
-                  <a:srgbClr val="FFFFFF"/>
-                </a:solidFill>
-                <a:latin typeface="黑体"/>
-                <a:ea typeface="黑体"/>
-                <a:cs typeface="黑体"/>
-              </a:rPr>
-              <a:t>states.sql("select * from states limit 5").show()</a:t>
-            </a:r>
-          </a:p>
-          <a:p>
-            <a:endParaRPr lang="en-US" altLang="zh-TW">
-              <a:solidFill>
-                <a:srgbClr val="FFFFFF"/>
-              </a:solidFill>
-              <a:latin typeface="黑体"/>
-              <a:ea typeface="黑体"/>
-              <a:cs typeface="黑体"/>
-            </a:endParaRPr>
-          </a:p>
-          <a:p>
-            <a:r>
-              <a:rPr lang="zh-TW" altLang="en-US">
-                <a:solidFill>
-                  <a:srgbClr val="FFFFFF"/>
-                </a:solidFill>
-                <a:latin typeface="黑体"/>
-                <a:ea typeface="黑体"/>
-                <a:cs typeface="黑体"/>
-              </a:rPr>
-              <a:t>上述代码中，我们使用了</a:t>
-            </a:r>
-            <a:r>
-              <a:rPr lang="en-US" altLang="zh-TW">
-                <a:solidFill>
-                  <a:srgbClr val="FFFFFF"/>
-                </a:solidFill>
-                <a:latin typeface="黑体"/>
-                <a:ea typeface="黑体"/>
-                <a:cs typeface="黑体"/>
-              </a:rPr>
-              <a:t>SQL</a:t>
-            </a:r>
-            <a:r>
-              <a:rPr lang="zh-TW" altLang="en-US">
-                <a:solidFill>
-                  <a:srgbClr val="FFFFFF"/>
-                </a:solidFill>
-                <a:latin typeface="黑体"/>
-                <a:ea typeface="黑体"/>
-                <a:cs typeface="黑体"/>
-              </a:rPr>
-              <a:t>语句，并通过</a:t>
-            </a:r>
-            <a:r>
-              <a:rPr lang="en-US" altLang="zh-TW">
-                <a:solidFill>
-                  <a:srgbClr val="FFFFFF"/>
-                </a:solidFill>
-                <a:latin typeface="黑体"/>
-                <a:ea typeface="黑体"/>
-                <a:cs typeface="黑体"/>
-              </a:rPr>
-              <a:t>spark.sql API</a:t>
-            </a:r>
-            <a:r>
-              <a:rPr lang="zh-TW" altLang="en-US">
-                <a:solidFill>
-                  <a:srgbClr val="FFFFFF"/>
-                </a:solidFill>
-                <a:latin typeface="黑体"/>
-                <a:ea typeface="黑体"/>
-                <a:cs typeface="黑体"/>
-              </a:rPr>
-              <a:t>执行了该语句。</a:t>
-            </a:r>
-            <a:endParaRPr lang="zh-CN" altLang="en-US">
-              <a:solidFill>
-                <a:srgbClr val="FFFFFF"/>
-              </a:solidFill>
-              <a:latin typeface="黑体"/>
-              <a:ea typeface="黑体"/>
-              <a:cs typeface="黑体"/>
-            </a:endParaRPr>
-          </a:p>
-        </p:txBody>
-      </p:sp>
-    </p:spTree>
-    <p:extLst>
-      <p:ext uri="{BB962C8B-B14F-4D97-AF65-F5344CB8AC3E}">
-        <p14:creationId xmlns:p14="http://schemas.microsoft.com/office/powerpoint/2010/main" val="4095466596"/>
-      </p:ext>
-    </p:extLst>
-  </p:cSld>
-  <p:clrMapOvr>
-    <a:masterClrMapping/>
-  </p:clrMapOvr>
-  <p:transition xmlns:p14="http://schemas.microsoft.com/office/powerpoint/2010/main" spd="med" advClick="0" advTm="1000">
+  <p:transition spd="med" advClick="0" advTm="1000">
     <p:fade/>
   </p:transition>
 </p:sld>
@@ -17977,7 +18608,7 @@
   <a:extraClrSchemeLst/>
   <a:extLst>
     <a:ext uri="{05A4C25C-085E-4340-85A3-A5531E510DB2}">
-      <thm15:themeFamily xmlns:thm15="http://schemas.microsoft.com/office/thememl/2012/main" xmlns="" name="Office Theme" id="{62F939B6-93AF-4DB8-9C6B-D6C7DFDC589F}" vid="{4A3C46E8-61CC-4603-A589-7422A47A8E4A}"/>
+      <thm15:themeFamily xmlns:thm15="http://schemas.microsoft.com/office/thememl/2012/main" name="Office Theme" id="{62F939B6-93AF-4DB8-9C6B-D6C7DFDC589F}" vid="{4A3C46E8-61CC-4603-A589-7422A47A8E4A}"/>
     </a:ext>
   </a:extLst>
 </a:theme>
@@ -18272,7 +18903,7 @@
   <a:extraClrSchemeLst/>
   <a:extLst>
     <a:ext uri="{05A4C25C-085E-4340-85A3-A5531E510DB2}">
-      <thm15:themeFamily xmlns:thm15="http://schemas.microsoft.com/office/thememl/2012/main" xmlns="" name="Office Theme" id="{62F939B6-93AF-4DB8-9C6B-D6C7DFDC589F}" vid="{4A3C46E8-61CC-4603-A589-7422A47A8E4A}"/>
+      <thm15:themeFamily xmlns:thm15="http://schemas.microsoft.com/office/thememl/2012/main" name="Office Theme" id="{62F939B6-93AF-4DB8-9C6B-D6C7DFDC589F}" vid="{4A3C46E8-61CC-4603-A589-7422A47A8E4A}"/>
     </a:ext>
   </a:extLst>
 </a:theme>
